--- a/presentations/4.segmentation.pptx
+++ b/presentations/4.segmentation.pptx
@@ -3,21 +3,23 @@
 <p:presentation xmlns:a="http://schemas.openxmlformats.org/drawingml/2006/main" xmlns:r="http://schemas.openxmlformats.org/officeDocument/2006/relationships" xmlns:p="http://schemas.openxmlformats.org/presentationml/2006/main" saveSubsetFonts="1" autoCompressPictures="0">
   <p:sldMasterIdLst>
     <p:sldMasterId id="2147483660" r:id="rId1"/>
+    <p:sldMasterId id="2147483672" r:id="rId2"/>
   </p:sldMasterIdLst>
   <p:notesMasterIdLst>
-    <p:notesMasterId r:id="rId12"/>
+    <p:notesMasterId r:id="rId14"/>
   </p:notesMasterIdLst>
   <p:sldIdLst>
-    <p:sldId id="256" r:id="rId2"/>
-    <p:sldId id="258" r:id="rId3"/>
-    <p:sldId id="259" r:id="rId4"/>
-    <p:sldId id="260" r:id="rId5"/>
-    <p:sldId id="261" r:id="rId6"/>
-    <p:sldId id="262" r:id="rId7"/>
-    <p:sldId id="263" r:id="rId8"/>
-    <p:sldId id="264" r:id="rId9"/>
-    <p:sldId id="265" r:id="rId10"/>
-    <p:sldId id="266" r:id="rId11"/>
+    <p:sldId id="256" r:id="rId3"/>
+    <p:sldId id="258" r:id="rId4"/>
+    <p:sldId id="259" r:id="rId5"/>
+    <p:sldId id="260" r:id="rId6"/>
+    <p:sldId id="261" r:id="rId7"/>
+    <p:sldId id="262" r:id="rId8"/>
+    <p:sldId id="263" r:id="rId9"/>
+    <p:sldId id="264" r:id="rId10"/>
+    <p:sldId id="265" r:id="rId11"/>
+    <p:sldId id="266" r:id="rId12"/>
+    <p:sldId id="1746" r:id="rId13"/>
   </p:sldIdLst>
   <p:sldSz cx="12192000" cy="6858000"/>
   <p:notesSz cx="6858000" cy="9144000"/>
@@ -116,7 +118,2320 @@
       </a:defRPr>
     </a:lvl9pPr>
   </p:defaultTextStyle>
+  <p:extLst>
+    <p:ext uri="{EFAFB233-063F-42B5-8137-9DF3F51BA10A}">
+      <p15:sldGuideLst xmlns:p15="http://schemas.microsoft.com/office/powerpoint/2012/main"/>
+    </p:ext>
+  </p:extLst>
 </p:presentation>
+</file>
+
+<file path=ppt/diagrams/colors1.xml><?xml version="1.0" encoding="utf-8"?>
+<dgm:colorsDef xmlns:dgm="http://schemas.openxmlformats.org/drawingml/2006/diagram" xmlns:a="http://schemas.openxmlformats.org/drawingml/2006/main" uniqueId="urn:microsoft.com/office/officeart/2018/5/colors/Iconchunking_neutralicon_accent6_2">
+  <dgm:title val=""/>
+  <dgm:desc val=""/>
+  <dgm:catLst>
+    <dgm:cat type="accent6" pri="16200"/>
+  </dgm:catLst>
+  <dgm:styleLbl name="node0">
+    <dgm:fillClrLst meth="repeat">
+      <a:schemeClr val="accent6"/>
+    </dgm:fillClrLst>
+    <dgm:linClrLst meth="repeat">
+      <a:schemeClr val="lt1"/>
+    </dgm:linClrLst>
+    <dgm:effectClrLst/>
+    <dgm:txLinClrLst/>
+    <dgm:txFillClrLst/>
+    <dgm:txEffectClrLst/>
+  </dgm:styleLbl>
+  <dgm:styleLbl name="node1">
+    <dgm:fillClrLst meth="repeat">
+      <a:schemeClr val="bg1"/>
+    </dgm:fillClrLst>
+    <dgm:linClrLst meth="repeat">
+      <a:schemeClr val="lt1">
+        <a:alpha val="0"/>
+      </a:schemeClr>
+    </dgm:linClrLst>
+    <dgm:effectClrLst/>
+    <dgm:txLinClrLst/>
+    <dgm:txFillClrLst meth="repeat">
+      <a:schemeClr val="dk1"/>
+    </dgm:txFillClrLst>
+    <dgm:txEffectClrLst/>
+  </dgm:styleLbl>
+  <dgm:styleLbl name="alignNode1">
+    <dgm:fillClrLst meth="repeat">
+      <a:schemeClr val="accent6"/>
+    </dgm:fillClrLst>
+    <dgm:linClrLst meth="repeat">
+      <a:schemeClr val="accent6"/>
+    </dgm:linClrLst>
+    <dgm:effectClrLst/>
+    <dgm:txLinClrLst/>
+    <dgm:txFillClrLst/>
+    <dgm:txEffectClrLst/>
+  </dgm:styleLbl>
+  <dgm:styleLbl name="lnNode1">
+    <dgm:fillClrLst meth="repeat">
+      <a:schemeClr val="accent6"/>
+    </dgm:fillClrLst>
+    <dgm:linClrLst meth="repeat">
+      <a:schemeClr val="lt1"/>
+    </dgm:linClrLst>
+    <dgm:effectClrLst/>
+    <dgm:txLinClrLst/>
+    <dgm:txFillClrLst/>
+    <dgm:txEffectClrLst/>
+  </dgm:styleLbl>
+  <dgm:styleLbl name="vennNode1">
+    <dgm:fillClrLst meth="repeat">
+      <a:schemeClr val="accent6">
+        <a:alpha val="50000"/>
+      </a:schemeClr>
+    </dgm:fillClrLst>
+    <dgm:linClrLst meth="repeat">
+      <a:schemeClr val="lt1"/>
+    </dgm:linClrLst>
+    <dgm:effectClrLst/>
+    <dgm:txLinClrLst/>
+    <dgm:txFillClrLst/>
+    <dgm:txEffectClrLst/>
+  </dgm:styleLbl>
+  <dgm:styleLbl name="node2">
+    <dgm:fillClrLst meth="repeat">
+      <a:schemeClr val="accent6"/>
+    </dgm:fillClrLst>
+    <dgm:linClrLst meth="repeat">
+      <a:schemeClr val="lt1"/>
+    </dgm:linClrLst>
+    <dgm:effectClrLst/>
+    <dgm:txLinClrLst/>
+    <dgm:txFillClrLst/>
+    <dgm:txEffectClrLst/>
+  </dgm:styleLbl>
+  <dgm:styleLbl name="node3">
+    <dgm:fillClrLst meth="repeat">
+      <a:schemeClr val="accent6"/>
+    </dgm:fillClrLst>
+    <dgm:linClrLst meth="repeat">
+      <a:schemeClr val="lt1"/>
+    </dgm:linClrLst>
+    <dgm:effectClrLst/>
+    <dgm:txLinClrLst/>
+    <dgm:txFillClrLst/>
+    <dgm:txEffectClrLst/>
+  </dgm:styleLbl>
+  <dgm:styleLbl name="node4">
+    <dgm:fillClrLst meth="repeat">
+      <a:schemeClr val="accent6"/>
+    </dgm:fillClrLst>
+    <dgm:linClrLst meth="repeat">
+      <a:schemeClr val="lt1"/>
+    </dgm:linClrLst>
+    <dgm:effectClrLst/>
+    <dgm:txLinClrLst/>
+    <dgm:txFillClrLst/>
+    <dgm:txEffectClrLst/>
+  </dgm:styleLbl>
+  <dgm:styleLbl name="fgImgPlace1">
+    <dgm:fillClrLst meth="repeat">
+      <a:schemeClr val="accent6">
+        <a:tint val="50000"/>
+      </a:schemeClr>
+    </dgm:fillClrLst>
+    <dgm:linClrLst meth="repeat">
+      <a:schemeClr val="lt1"/>
+    </dgm:linClrLst>
+    <dgm:effectClrLst/>
+    <dgm:txLinClrLst/>
+    <dgm:txFillClrLst meth="repeat">
+      <a:schemeClr val="lt1"/>
+    </dgm:txFillClrLst>
+    <dgm:txEffectClrLst/>
+  </dgm:styleLbl>
+  <dgm:styleLbl name="alignImgPlace1">
+    <dgm:fillClrLst meth="repeat">
+      <a:schemeClr val="accent6">
+        <a:tint val="50000"/>
+      </a:schemeClr>
+    </dgm:fillClrLst>
+    <dgm:linClrLst meth="repeat">
+      <a:schemeClr val="lt1"/>
+    </dgm:linClrLst>
+    <dgm:effectClrLst/>
+    <dgm:txLinClrLst/>
+    <dgm:txFillClrLst meth="repeat">
+      <a:schemeClr val="lt1"/>
+    </dgm:txFillClrLst>
+    <dgm:txEffectClrLst/>
+  </dgm:styleLbl>
+  <dgm:styleLbl name="bgImgPlace1">
+    <dgm:fillClrLst meth="repeat">
+      <a:schemeClr val="accent6">
+        <a:tint val="50000"/>
+      </a:schemeClr>
+    </dgm:fillClrLst>
+    <dgm:linClrLst meth="repeat">
+      <a:schemeClr val="lt1"/>
+    </dgm:linClrLst>
+    <dgm:effectClrLst/>
+    <dgm:txLinClrLst/>
+    <dgm:txFillClrLst meth="repeat">
+      <a:schemeClr val="lt1"/>
+    </dgm:txFillClrLst>
+    <dgm:txEffectClrLst/>
+  </dgm:styleLbl>
+  <dgm:styleLbl name="sibTrans2D1">
+    <dgm:fillClrLst meth="repeat">
+      <a:schemeClr val="accent6">
+        <a:tint val="60000"/>
+      </a:schemeClr>
+    </dgm:fillClrLst>
+    <dgm:linClrLst meth="repeat">
+      <a:schemeClr val="accent6">
+        <a:tint val="60000"/>
+      </a:schemeClr>
+    </dgm:linClrLst>
+    <dgm:effectClrLst/>
+    <dgm:txLinClrLst/>
+    <dgm:txFillClrLst/>
+    <dgm:txEffectClrLst/>
+  </dgm:styleLbl>
+  <dgm:styleLbl name="fgSibTrans2D1">
+    <dgm:fillClrLst meth="repeat">
+      <a:schemeClr val="accent6">
+        <a:tint val="60000"/>
+      </a:schemeClr>
+    </dgm:fillClrLst>
+    <dgm:linClrLst meth="repeat">
+      <a:schemeClr val="accent6">
+        <a:tint val="60000"/>
+      </a:schemeClr>
+    </dgm:linClrLst>
+    <dgm:effectClrLst/>
+    <dgm:txLinClrLst/>
+    <dgm:txFillClrLst/>
+    <dgm:txEffectClrLst/>
+  </dgm:styleLbl>
+  <dgm:styleLbl name="bgSibTrans2D1">
+    <dgm:fillClrLst meth="repeat">
+      <a:schemeClr val="accent6">
+        <a:tint val="60000"/>
+      </a:schemeClr>
+    </dgm:fillClrLst>
+    <dgm:linClrLst meth="repeat">
+      <a:schemeClr val="accent6">
+        <a:tint val="60000"/>
+      </a:schemeClr>
+    </dgm:linClrLst>
+    <dgm:effectClrLst/>
+    <dgm:txLinClrLst/>
+    <dgm:txFillClrLst/>
+    <dgm:txEffectClrLst/>
+  </dgm:styleLbl>
+  <dgm:styleLbl name="sibTrans1D1">
+    <dgm:fillClrLst meth="repeat">
+      <a:schemeClr val="accent6"/>
+    </dgm:fillClrLst>
+    <dgm:linClrLst meth="repeat">
+      <a:schemeClr val="accent6"/>
+    </dgm:linClrLst>
+    <dgm:effectClrLst/>
+    <dgm:txLinClrLst/>
+    <dgm:txFillClrLst meth="repeat">
+      <a:schemeClr val="tx1"/>
+    </dgm:txFillClrLst>
+    <dgm:txEffectClrLst/>
+  </dgm:styleLbl>
+  <dgm:styleLbl name="callout">
+    <dgm:fillClrLst meth="repeat">
+      <a:schemeClr val="accent6"/>
+    </dgm:fillClrLst>
+    <dgm:linClrLst meth="repeat">
+      <a:schemeClr val="accent6">
+        <a:tint val="50000"/>
+      </a:schemeClr>
+    </dgm:linClrLst>
+    <dgm:effectClrLst/>
+    <dgm:txLinClrLst/>
+    <dgm:txFillClrLst meth="repeat">
+      <a:schemeClr val="tx1"/>
+    </dgm:txFillClrLst>
+    <dgm:txEffectClrLst/>
+  </dgm:styleLbl>
+  <dgm:styleLbl name="asst0">
+    <dgm:fillClrLst meth="repeat">
+      <a:schemeClr val="accent6"/>
+    </dgm:fillClrLst>
+    <dgm:linClrLst meth="repeat">
+      <a:schemeClr val="lt1"/>
+    </dgm:linClrLst>
+    <dgm:effectClrLst/>
+    <dgm:txLinClrLst/>
+    <dgm:txFillClrLst/>
+    <dgm:txEffectClrLst/>
+  </dgm:styleLbl>
+  <dgm:styleLbl name="asst1">
+    <dgm:fillClrLst meth="repeat">
+      <a:schemeClr val="accent6"/>
+    </dgm:fillClrLst>
+    <dgm:linClrLst meth="repeat">
+      <a:schemeClr val="lt1"/>
+    </dgm:linClrLst>
+    <dgm:effectClrLst/>
+    <dgm:txLinClrLst/>
+    <dgm:txFillClrLst/>
+    <dgm:txEffectClrLst/>
+  </dgm:styleLbl>
+  <dgm:styleLbl name="asst2">
+    <dgm:fillClrLst meth="repeat">
+      <a:schemeClr val="accent6"/>
+    </dgm:fillClrLst>
+    <dgm:linClrLst meth="repeat">
+      <a:schemeClr val="lt1"/>
+    </dgm:linClrLst>
+    <dgm:effectClrLst/>
+    <dgm:txLinClrLst/>
+    <dgm:txFillClrLst/>
+    <dgm:txEffectClrLst/>
+  </dgm:styleLbl>
+  <dgm:styleLbl name="asst3">
+    <dgm:fillClrLst meth="repeat">
+      <a:schemeClr val="accent6"/>
+    </dgm:fillClrLst>
+    <dgm:linClrLst meth="repeat">
+      <a:schemeClr val="lt1"/>
+    </dgm:linClrLst>
+    <dgm:effectClrLst/>
+    <dgm:txLinClrLst/>
+    <dgm:txFillClrLst/>
+    <dgm:txEffectClrLst/>
+  </dgm:styleLbl>
+  <dgm:styleLbl name="asst4">
+    <dgm:fillClrLst meth="repeat">
+      <a:schemeClr val="accent6"/>
+    </dgm:fillClrLst>
+    <dgm:linClrLst meth="repeat">
+      <a:schemeClr val="lt1"/>
+    </dgm:linClrLst>
+    <dgm:effectClrLst/>
+    <dgm:txLinClrLst/>
+    <dgm:txFillClrLst/>
+    <dgm:txEffectClrLst/>
+  </dgm:styleLbl>
+  <dgm:styleLbl name="parChTrans2D1">
+    <dgm:fillClrLst meth="repeat">
+      <a:schemeClr val="accent6">
+        <a:tint val="60000"/>
+      </a:schemeClr>
+    </dgm:fillClrLst>
+    <dgm:linClrLst meth="repeat">
+      <a:schemeClr val="accent6">
+        <a:tint val="60000"/>
+      </a:schemeClr>
+    </dgm:linClrLst>
+    <dgm:effectClrLst/>
+    <dgm:txLinClrLst/>
+    <dgm:txFillClrLst meth="repeat">
+      <a:schemeClr val="lt1"/>
+    </dgm:txFillClrLst>
+    <dgm:txEffectClrLst/>
+  </dgm:styleLbl>
+  <dgm:styleLbl name="parChTrans2D2">
+    <dgm:fillClrLst meth="repeat">
+      <a:schemeClr val="accent6"/>
+    </dgm:fillClrLst>
+    <dgm:linClrLst meth="repeat">
+      <a:schemeClr val="accent6"/>
+    </dgm:linClrLst>
+    <dgm:effectClrLst/>
+    <dgm:txLinClrLst/>
+    <dgm:txFillClrLst meth="repeat">
+      <a:schemeClr val="lt1"/>
+    </dgm:txFillClrLst>
+    <dgm:txEffectClrLst/>
+  </dgm:styleLbl>
+  <dgm:styleLbl name="parChTrans2D3">
+    <dgm:fillClrLst meth="repeat">
+      <a:schemeClr val="accent6"/>
+    </dgm:fillClrLst>
+    <dgm:linClrLst meth="repeat">
+      <a:schemeClr val="accent6"/>
+    </dgm:linClrLst>
+    <dgm:effectClrLst/>
+    <dgm:txLinClrLst/>
+    <dgm:txFillClrLst meth="repeat">
+      <a:schemeClr val="lt1"/>
+    </dgm:txFillClrLst>
+    <dgm:txEffectClrLst/>
+  </dgm:styleLbl>
+  <dgm:styleLbl name="parChTrans2D4">
+    <dgm:fillClrLst meth="repeat">
+      <a:schemeClr val="accent6"/>
+    </dgm:fillClrLst>
+    <dgm:linClrLst meth="repeat">
+      <a:schemeClr val="accent6"/>
+    </dgm:linClrLst>
+    <dgm:effectClrLst/>
+    <dgm:txLinClrLst/>
+    <dgm:txFillClrLst meth="repeat">
+      <a:schemeClr val="lt1"/>
+    </dgm:txFillClrLst>
+    <dgm:txEffectClrLst/>
+  </dgm:styleLbl>
+  <dgm:styleLbl name="parChTrans1D1">
+    <dgm:fillClrLst meth="repeat">
+      <a:schemeClr val="accent6"/>
+    </dgm:fillClrLst>
+    <dgm:linClrLst meth="repeat">
+      <a:schemeClr val="accent6">
+        <a:shade val="60000"/>
+      </a:schemeClr>
+    </dgm:linClrLst>
+    <dgm:effectClrLst/>
+    <dgm:txLinClrLst/>
+    <dgm:txFillClrLst meth="repeat">
+      <a:schemeClr val="tx1"/>
+    </dgm:txFillClrLst>
+    <dgm:txEffectClrLst/>
+  </dgm:styleLbl>
+  <dgm:styleLbl name="parChTrans1D2">
+    <dgm:fillClrLst meth="repeat">
+      <a:schemeClr val="accent6"/>
+    </dgm:fillClrLst>
+    <dgm:linClrLst meth="repeat">
+      <a:schemeClr val="accent6">
+        <a:shade val="60000"/>
+      </a:schemeClr>
+    </dgm:linClrLst>
+    <dgm:effectClrLst/>
+    <dgm:txLinClrLst/>
+    <dgm:txFillClrLst meth="repeat">
+      <a:schemeClr val="tx1"/>
+    </dgm:txFillClrLst>
+    <dgm:txEffectClrLst/>
+  </dgm:styleLbl>
+  <dgm:styleLbl name="parChTrans1D3">
+    <dgm:fillClrLst meth="repeat">
+      <a:schemeClr val="accent6"/>
+    </dgm:fillClrLst>
+    <dgm:linClrLst meth="repeat">
+      <a:schemeClr val="accent6">
+        <a:shade val="80000"/>
+      </a:schemeClr>
+    </dgm:linClrLst>
+    <dgm:effectClrLst/>
+    <dgm:txLinClrLst/>
+    <dgm:txFillClrLst meth="repeat">
+      <a:schemeClr val="tx1"/>
+    </dgm:txFillClrLst>
+    <dgm:txEffectClrLst/>
+  </dgm:styleLbl>
+  <dgm:styleLbl name="parChTrans1D4">
+    <dgm:fillClrLst meth="repeat">
+      <a:schemeClr val="accent6"/>
+    </dgm:fillClrLst>
+    <dgm:linClrLst meth="repeat">
+      <a:schemeClr val="accent6">
+        <a:shade val="80000"/>
+      </a:schemeClr>
+    </dgm:linClrLst>
+    <dgm:effectClrLst/>
+    <dgm:txLinClrLst/>
+    <dgm:txFillClrLst meth="repeat">
+      <a:schemeClr val="tx1"/>
+    </dgm:txFillClrLst>
+    <dgm:txEffectClrLst/>
+  </dgm:styleLbl>
+  <dgm:styleLbl name="fgAcc1">
+    <dgm:fillClrLst meth="repeat">
+      <a:schemeClr val="lt1">
+        <a:alpha val="90000"/>
+      </a:schemeClr>
+    </dgm:fillClrLst>
+    <dgm:linClrLst meth="repeat">
+      <a:schemeClr val="accent6"/>
+    </dgm:linClrLst>
+    <dgm:effectClrLst/>
+    <dgm:txLinClrLst/>
+    <dgm:txFillClrLst meth="repeat">
+      <a:schemeClr val="dk1"/>
+    </dgm:txFillClrLst>
+    <dgm:txEffectClrLst/>
+  </dgm:styleLbl>
+  <dgm:styleLbl name="conFgAcc1">
+    <dgm:fillClrLst meth="repeat">
+      <a:schemeClr val="lt1">
+        <a:alpha val="90000"/>
+      </a:schemeClr>
+    </dgm:fillClrLst>
+    <dgm:linClrLst meth="repeat">
+      <a:schemeClr val="accent6"/>
+    </dgm:linClrLst>
+    <dgm:effectClrLst/>
+    <dgm:txLinClrLst/>
+    <dgm:txFillClrLst meth="repeat">
+      <a:schemeClr val="dk1"/>
+    </dgm:txFillClrLst>
+    <dgm:txEffectClrLst/>
+  </dgm:styleLbl>
+  <dgm:styleLbl name="alignAcc1">
+    <dgm:fillClrLst meth="repeat">
+      <a:schemeClr val="lt1">
+        <a:alpha val="90000"/>
+      </a:schemeClr>
+    </dgm:fillClrLst>
+    <dgm:linClrLst meth="repeat">
+      <a:schemeClr val="accent6"/>
+    </dgm:linClrLst>
+    <dgm:effectClrLst/>
+    <dgm:txLinClrLst/>
+    <dgm:txFillClrLst meth="repeat">
+      <a:schemeClr val="dk1"/>
+    </dgm:txFillClrLst>
+    <dgm:txEffectClrLst/>
+  </dgm:styleLbl>
+  <dgm:styleLbl name="trAlignAcc1">
+    <dgm:fillClrLst meth="repeat">
+      <a:schemeClr val="lt1">
+        <a:alpha val="40000"/>
+      </a:schemeClr>
+    </dgm:fillClrLst>
+    <dgm:linClrLst meth="repeat">
+      <a:schemeClr val="accent6"/>
+    </dgm:linClrLst>
+    <dgm:effectClrLst/>
+    <dgm:txLinClrLst/>
+    <dgm:txFillClrLst meth="repeat">
+      <a:schemeClr val="dk1"/>
+    </dgm:txFillClrLst>
+    <dgm:txEffectClrLst/>
+  </dgm:styleLbl>
+  <dgm:styleLbl name="bgAcc1">
+    <dgm:fillClrLst meth="repeat">
+      <a:schemeClr val="lt1">
+        <a:alpha val="90000"/>
+      </a:schemeClr>
+    </dgm:fillClrLst>
+    <dgm:linClrLst meth="repeat">
+      <a:schemeClr val="accent6"/>
+    </dgm:linClrLst>
+    <dgm:effectClrLst/>
+    <dgm:txLinClrLst/>
+    <dgm:txFillClrLst meth="repeat">
+      <a:schemeClr val="dk1"/>
+    </dgm:txFillClrLst>
+    <dgm:txEffectClrLst/>
+  </dgm:styleLbl>
+  <dgm:styleLbl name="solidFgAcc1">
+    <dgm:fillClrLst meth="repeat">
+      <a:schemeClr val="lt1"/>
+    </dgm:fillClrLst>
+    <dgm:linClrLst meth="repeat">
+      <a:schemeClr val="accent6"/>
+    </dgm:linClrLst>
+    <dgm:effectClrLst/>
+    <dgm:txLinClrLst/>
+    <dgm:txFillClrLst meth="repeat">
+      <a:schemeClr val="dk1"/>
+    </dgm:txFillClrLst>
+    <dgm:txEffectClrLst/>
+  </dgm:styleLbl>
+  <dgm:styleLbl name="solidAlignAcc1">
+    <dgm:fillClrLst meth="repeat">
+      <a:schemeClr val="lt1"/>
+    </dgm:fillClrLst>
+    <dgm:linClrLst meth="repeat">
+      <a:schemeClr val="accent6"/>
+    </dgm:linClrLst>
+    <dgm:effectClrLst/>
+    <dgm:txLinClrLst/>
+    <dgm:txFillClrLst meth="repeat">
+      <a:schemeClr val="dk1"/>
+    </dgm:txFillClrLst>
+    <dgm:txEffectClrLst/>
+  </dgm:styleLbl>
+  <dgm:styleLbl name="solidBgAcc1">
+    <dgm:fillClrLst meth="repeat">
+      <a:schemeClr val="lt1"/>
+    </dgm:fillClrLst>
+    <dgm:linClrLst meth="repeat">
+      <a:schemeClr val="accent6"/>
+    </dgm:linClrLst>
+    <dgm:effectClrLst/>
+    <dgm:txLinClrLst/>
+    <dgm:txFillClrLst meth="repeat">
+      <a:schemeClr val="dk1"/>
+    </dgm:txFillClrLst>
+    <dgm:txEffectClrLst/>
+  </dgm:styleLbl>
+  <dgm:styleLbl name="fgAccFollowNode1">
+    <dgm:fillClrLst meth="repeat">
+      <a:schemeClr val="accent6">
+        <a:alpha val="90000"/>
+        <a:tint val="40000"/>
+      </a:schemeClr>
+    </dgm:fillClrLst>
+    <dgm:linClrLst meth="repeat">
+      <a:schemeClr val="accent6">
+        <a:alpha val="90000"/>
+        <a:tint val="40000"/>
+      </a:schemeClr>
+    </dgm:linClrLst>
+    <dgm:effectClrLst/>
+    <dgm:txLinClrLst/>
+    <dgm:txFillClrLst meth="repeat">
+      <a:schemeClr val="dk1"/>
+    </dgm:txFillClrLst>
+    <dgm:txEffectClrLst/>
+  </dgm:styleLbl>
+  <dgm:styleLbl name="alignAccFollowNode1">
+    <dgm:fillClrLst meth="repeat">
+      <a:schemeClr val="accent6">
+        <a:alpha val="90000"/>
+        <a:tint val="40000"/>
+      </a:schemeClr>
+    </dgm:fillClrLst>
+    <dgm:linClrLst meth="repeat">
+      <a:schemeClr val="accent6">
+        <a:alpha val="90000"/>
+        <a:tint val="40000"/>
+      </a:schemeClr>
+    </dgm:linClrLst>
+    <dgm:effectClrLst/>
+    <dgm:txLinClrLst/>
+    <dgm:txFillClrLst meth="repeat">
+      <a:schemeClr val="dk1"/>
+    </dgm:txFillClrLst>
+    <dgm:txEffectClrLst/>
+  </dgm:styleLbl>
+  <dgm:styleLbl name="bgAccFollowNode1">
+    <dgm:fillClrLst meth="repeat">
+      <a:schemeClr val="accent6">
+        <a:alpha val="90000"/>
+        <a:tint val="40000"/>
+      </a:schemeClr>
+    </dgm:fillClrLst>
+    <dgm:linClrLst meth="repeat">
+      <a:schemeClr val="accent6">
+        <a:alpha val="90000"/>
+        <a:tint val="40000"/>
+      </a:schemeClr>
+    </dgm:linClrLst>
+    <dgm:effectClrLst/>
+    <dgm:txLinClrLst/>
+    <dgm:txFillClrLst meth="repeat">
+      <a:schemeClr val="dk1"/>
+    </dgm:txFillClrLst>
+    <dgm:txEffectClrLst/>
+  </dgm:styleLbl>
+  <dgm:styleLbl name="fgAcc0">
+    <dgm:fillClrLst meth="repeat">
+      <a:schemeClr val="lt1">
+        <a:alpha val="90000"/>
+      </a:schemeClr>
+    </dgm:fillClrLst>
+    <dgm:linClrLst meth="repeat">
+      <a:schemeClr val="accent6"/>
+    </dgm:linClrLst>
+    <dgm:effectClrLst/>
+    <dgm:txLinClrLst/>
+    <dgm:txFillClrLst meth="repeat">
+      <a:schemeClr val="dk1"/>
+    </dgm:txFillClrLst>
+    <dgm:txEffectClrLst/>
+  </dgm:styleLbl>
+  <dgm:styleLbl name="fgAcc2">
+    <dgm:fillClrLst meth="repeat">
+      <a:schemeClr val="lt1">
+        <a:alpha val="90000"/>
+      </a:schemeClr>
+    </dgm:fillClrLst>
+    <dgm:linClrLst meth="repeat">
+      <a:schemeClr val="accent6"/>
+    </dgm:linClrLst>
+    <dgm:effectClrLst/>
+    <dgm:txLinClrLst/>
+    <dgm:txFillClrLst meth="repeat">
+      <a:schemeClr val="dk1"/>
+    </dgm:txFillClrLst>
+    <dgm:txEffectClrLst/>
+  </dgm:styleLbl>
+  <dgm:styleLbl name="fgAcc3">
+    <dgm:fillClrLst meth="repeat">
+      <a:schemeClr val="lt1">
+        <a:alpha val="90000"/>
+      </a:schemeClr>
+    </dgm:fillClrLst>
+    <dgm:linClrLst meth="repeat">
+      <a:schemeClr val="accent6"/>
+    </dgm:linClrLst>
+    <dgm:effectClrLst/>
+    <dgm:txLinClrLst/>
+    <dgm:txFillClrLst meth="repeat">
+      <a:schemeClr val="dk1"/>
+    </dgm:txFillClrLst>
+    <dgm:txEffectClrLst/>
+  </dgm:styleLbl>
+  <dgm:styleLbl name="fgAcc4">
+    <dgm:fillClrLst meth="repeat">
+      <a:schemeClr val="lt1">
+        <a:alpha val="90000"/>
+      </a:schemeClr>
+    </dgm:fillClrLst>
+    <dgm:linClrLst meth="repeat">
+      <a:schemeClr val="accent6"/>
+    </dgm:linClrLst>
+    <dgm:effectClrLst/>
+    <dgm:txLinClrLst/>
+    <dgm:txFillClrLst meth="repeat">
+      <a:schemeClr val="dk1"/>
+    </dgm:txFillClrLst>
+    <dgm:txEffectClrLst/>
+  </dgm:styleLbl>
+  <dgm:styleLbl name="bgShp">
+    <dgm:fillClrLst meth="repeat">
+      <a:schemeClr val="accent6"/>
+    </dgm:fillClrLst>
+    <dgm:linClrLst meth="repeat">
+      <a:schemeClr val="lt1">
+        <a:alpha val="0"/>
+      </a:schemeClr>
+    </dgm:linClrLst>
+    <dgm:effectClrLst/>
+    <dgm:txLinClrLst/>
+    <dgm:txFillClrLst/>
+    <dgm:txEffectClrLst/>
+  </dgm:styleLbl>
+  <dgm:styleLbl name="dkBgShp">
+    <dgm:fillClrLst meth="repeat">
+      <a:schemeClr val="accent6">
+        <a:shade val="80000"/>
+      </a:schemeClr>
+    </dgm:fillClrLst>
+    <dgm:linClrLst meth="repeat">
+      <a:schemeClr val="accent6"/>
+    </dgm:linClrLst>
+    <dgm:effectClrLst/>
+    <dgm:txLinClrLst/>
+    <dgm:txFillClrLst meth="repeat">
+      <a:schemeClr val="lt1"/>
+    </dgm:txFillClrLst>
+    <dgm:txEffectClrLst/>
+  </dgm:styleLbl>
+  <dgm:styleLbl name="trBgShp">
+    <dgm:fillClrLst meth="repeat">
+      <a:schemeClr val="accent6">
+        <a:tint val="50000"/>
+        <a:alpha val="40000"/>
+      </a:schemeClr>
+    </dgm:fillClrLst>
+    <dgm:linClrLst meth="repeat">
+      <a:schemeClr val="accent6"/>
+    </dgm:linClrLst>
+    <dgm:effectClrLst/>
+    <dgm:txLinClrLst/>
+    <dgm:txFillClrLst meth="repeat">
+      <a:schemeClr val="lt1"/>
+    </dgm:txFillClrLst>
+    <dgm:txEffectClrLst/>
+  </dgm:styleLbl>
+  <dgm:styleLbl name="fgShp">
+    <dgm:fillClrLst meth="repeat">
+      <a:schemeClr val="accent6">
+        <a:tint val="60000"/>
+      </a:schemeClr>
+    </dgm:fillClrLst>
+    <dgm:linClrLst meth="repeat">
+      <a:schemeClr val="lt1"/>
+    </dgm:linClrLst>
+    <dgm:effectClrLst/>
+    <dgm:txLinClrLst/>
+    <dgm:txFillClrLst meth="repeat">
+      <a:schemeClr val="dk1"/>
+    </dgm:txFillClrLst>
+    <dgm:txEffectClrLst/>
+  </dgm:styleLbl>
+  <dgm:styleLbl name="revTx">
+    <dgm:fillClrLst meth="repeat">
+      <a:schemeClr val="lt1">
+        <a:alpha val="0"/>
+      </a:schemeClr>
+    </dgm:fillClrLst>
+    <dgm:linClrLst meth="repeat">
+      <a:schemeClr val="dk1">
+        <a:alpha val="0"/>
+      </a:schemeClr>
+    </dgm:linClrLst>
+    <dgm:effectClrLst/>
+    <dgm:txLinClrLst/>
+    <dgm:txFillClrLst meth="repeat">
+      <a:schemeClr val="tx1"/>
+    </dgm:txFillClrLst>
+    <dgm:txEffectClrLst/>
+  </dgm:styleLbl>
+</dgm:colorsDef>
+</file>
+
+<file path=ppt/diagrams/data1.xml><?xml version="1.0" encoding="utf-8"?>
+<dgm:dataModel xmlns:dgm="http://schemas.openxmlformats.org/drawingml/2006/diagram" xmlns:a="http://schemas.openxmlformats.org/drawingml/2006/main">
+  <dgm:ptLst>
+    <dgm:pt modelId="{F9C13894-8BC3-4434-A165-82145D200DA3}" type="doc">
+      <dgm:prSet loTypeId="urn:microsoft.com/office/officeart/2018/5/layout/IconLeafLabelList" loCatId="icon" qsTypeId="urn:microsoft.com/office/officeart/2005/8/quickstyle/simple1" qsCatId="simple" csTypeId="urn:microsoft.com/office/officeart/2018/5/colors/Iconchunking_neutralicon_accent6_2" csCatId="accent6" phldr="1"/>
+      <dgm:spPr/>
+      <dgm:t>
+        <a:bodyPr/>
+        <a:lstStyle/>
+        <a:p>
+          <a:endParaRPr lang="en-US"/>
+        </a:p>
+      </dgm:t>
+    </dgm:pt>
+    <dgm:pt modelId="{9FAF50C3-D525-43F3-A334-62E445D4A016}">
+      <dgm:prSet/>
+      <dgm:spPr/>
+      <dgm:t>
+        <a:bodyPr/>
+        <a:lstStyle/>
+        <a:p>
+          <a:pPr>
+            <a:defRPr cap="all"/>
+          </a:pPr>
+          <a:endParaRPr lang="en-US" dirty="0"/>
+        </a:p>
+      </dgm:t>
+    </dgm:pt>
+    <dgm:pt modelId="{BE560A3E-9A84-4E37-A641-6A380B2026E6}" type="parTrans" cxnId="{CD572D75-BB8E-4B9F-87AB-C0C4EEEEA63D}">
+      <dgm:prSet/>
+      <dgm:spPr/>
+      <dgm:t>
+        <a:bodyPr/>
+        <a:lstStyle/>
+        <a:p>
+          <a:endParaRPr lang="en-US"/>
+        </a:p>
+      </dgm:t>
+    </dgm:pt>
+    <dgm:pt modelId="{D30244DE-7547-40AB-A0D9-83BED444748D}" type="sibTrans" cxnId="{CD572D75-BB8E-4B9F-87AB-C0C4EEEEA63D}">
+      <dgm:prSet/>
+      <dgm:spPr/>
+      <dgm:t>
+        <a:bodyPr/>
+        <a:lstStyle/>
+        <a:p>
+          <a:endParaRPr lang="en-US"/>
+        </a:p>
+      </dgm:t>
+    </dgm:pt>
+    <dgm:pt modelId="{40CA7CD9-4539-4F9C-BF93-C5556334C542}" type="pres">
+      <dgm:prSet presAssocID="{F9C13894-8BC3-4434-A165-82145D200DA3}" presName="root" presStyleCnt="0">
+        <dgm:presLayoutVars>
+          <dgm:dir/>
+          <dgm:resizeHandles val="exact"/>
+        </dgm:presLayoutVars>
+      </dgm:prSet>
+      <dgm:spPr/>
+    </dgm:pt>
+    <dgm:pt modelId="{160667E9-A58D-443F-84CF-F1E4DBDF97A8}" type="pres">
+      <dgm:prSet presAssocID="{9FAF50C3-D525-43F3-A334-62E445D4A016}" presName="compNode" presStyleCnt="0"/>
+      <dgm:spPr/>
+    </dgm:pt>
+    <dgm:pt modelId="{6E2DFF5B-817D-4471-BDCC-8B545C93B789}" type="pres">
+      <dgm:prSet presAssocID="{9FAF50C3-D525-43F3-A334-62E445D4A016}" presName="iconBgRect" presStyleLbl="bgShp" presStyleIdx="0" presStyleCnt="1"/>
+      <dgm:spPr>
+        <a:prstGeom prst="round2DiagRect">
+          <a:avLst>
+            <a:gd name="adj1" fmla="val 29727"/>
+            <a:gd name="adj2" fmla="val 0"/>
+          </a:avLst>
+        </a:prstGeom>
+      </dgm:spPr>
+    </dgm:pt>
+    <dgm:pt modelId="{40BA6D1F-D980-4323-B768-AE3CCC44D588}" type="pres">
+      <dgm:prSet presAssocID="{9FAF50C3-D525-43F3-A334-62E445D4A016}" presName="iconRect" presStyleLbl="node1" presStyleIdx="0" presStyleCnt="1"/>
+      <dgm:spPr>
+        <a:blipFill>
+          <a:blip xmlns:r="http://schemas.openxmlformats.org/officeDocument/2006/relationships" r:embed="rId1">
+            <a:extLst>
+              <a:ext uri="{28A0092B-C50C-407E-A947-70E740481C1C}">
+                <a14:useLocalDpi xmlns:a14="http://schemas.microsoft.com/office/drawing/2010/main" val="0"/>
+              </a:ext>
+              <a:ext uri="{96DAC541-7B7A-43D3-8B79-37D633B846F1}">
+                <asvg:svgBlip xmlns:asvg="http://schemas.microsoft.com/office/drawing/2016/SVG/main" r:embed="rId2"/>
+              </a:ext>
+            </a:extLst>
+          </a:blip>
+          <a:stretch>
+            <a:fillRect/>
+          </a:stretch>
+        </a:blipFill>
+        <a:ln>
+          <a:noFill/>
+        </a:ln>
+      </dgm:spPr>
+      <dgm:extLst>
+        <a:ext uri="{E40237B7-FDA0-4F09-8148-C483321AD2D9}">
+          <dgm14:cNvPr xmlns:dgm14="http://schemas.microsoft.com/office/drawing/2010/diagram" id="0" name="" descr="Head with Gears"/>
+        </a:ext>
+      </dgm:extLst>
+    </dgm:pt>
+    <dgm:pt modelId="{2BF958D7-4DFB-455A-9662-9873D46978D0}" type="pres">
+      <dgm:prSet presAssocID="{9FAF50C3-D525-43F3-A334-62E445D4A016}" presName="spaceRect" presStyleCnt="0"/>
+      <dgm:spPr/>
+    </dgm:pt>
+    <dgm:pt modelId="{32D11FB4-DC81-4FC1-B3F3-2F161949100C}" type="pres">
+      <dgm:prSet presAssocID="{9FAF50C3-D525-43F3-A334-62E445D4A016}" presName="textRect" presStyleLbl="revTx" presStyleIdx="0" presStyleCnt="1">
+        <dgm:presLayoutVars>
+          <dgm:chMax val="1"/>
+          <dgm:chPref val="1"/>
+        </dgm:presLayoutVars>
+      </dgm:prSet>
+      <dgm:spPr/>
+    </dgm:pt>
+  </dgm:ptLst>
+  <dgm:cxnLst>
+    <dgm:cxn modelId="{33632B22-16E8-438C-BE73-4E783DE18289}" type="presOf" srcId="{F9C13894-8BC3-4434-A165-82145D200DA3}" destId="{40CA7CD9-4539-4F9C-BF93-C5556334C542}" srcOrd="0" destOrd="0" presId="urn:microsoft.com/office/officeart/2018/5/layout/IconLeafLabelList"/>
+    <dgm:cxn modelId="{FCFEE624-1466-4818-9095-B70E8A2E3C38}" type="presOf" srcId="{9FAF50C3-D525-43F3-A334-62E445D4A016}" destId="{32D11FB4-DC81-4FC1-B3F3-2F161949100C}" srcOrd="0" destOrd="0" presId="urn:microsoft.com/office/officeart/2018/5/layout/IconLeafLabelList"/>
+    <dgm:cxn modelId="{CD572D75-BB8E-4B9F-87AB-C0C4EEEEA63D}" srcId="{F9C13894-8BC3-4434-A165-82145D200DA3}" destId="{9FAF50C3-D525-43F3-A334-62E445D4A016}" srcOrd="0" destOrd="0" parTransId="{BE560A3E-9A84-4E37-A641-6A380B2026E6}" sibTransId="{D30244DE-7547-40AB-A0D9-83BED444748D}"/>
+    <dgm:cxn modelId="{ABEA9F8F-7B25-42EE-95EA-BF3CB9EBDE72}" type="presParOf" srcId="{40CA7CD9-4539-4F9C-BF93-C5556334C542}" destId="{160667E9-A58D-443F-84CF-F1E4DBDF97A8}" srcOrd="0" destOrd="0" presId="urn:microsoft.com/office/officeart/2018/5/layout/IconLeafLabelList"/>
+    <dgm:cxn modelId="{CE79943B-EFEA-4EF9-8BEB-3B0FF538BEF9}" type="presParOf" srcId="{160667E9-A58D-443F-84CF-F1E4DBDF97A8}" destId="{6E2DFF5B-817D-4471-BDCC-8B545C93B789}" srcOrd="0" destOrd="0" presId="urn:microsoft.com/office/officeart/2018/5/layout/IconLeafLabelList"/>
+    <dgm:cxn modelId="{9A4B8F5F-81DE-4CE5-A31F-1BD42D2E66E4}" type="presParOf" srcId="{160667E9-A58D-443F-84CF-F1E4DBDF97A8}" destId="{40BA6D1F-D980-4323-B768-AE3CCC44D588}" srcOrd="1" destOrd="0" presId="urn:microsoft.com/office/officeart/2018/5/layout/IconLeafLabelList"/>
+    <dgm:cxn modelId="{21939C27-D37C-449A-A1C4-AE1FCC2C20A6}" type="presParOf" srcId="{160667E9-A58D-443F-84CF-F1E4DBDF97A8}" destId="{2BF958D7-4DFB-455A-9662-9873D46978D0}" srcOrd="2" destOrd="0" presId="urn:microsoft.com/office/officeart/2018/5/layout/IconLeafLabelList"/>
+    <dgm:cxn modelId="{9E6AFD0B-697B-467F-82F3-D8ECB28BD852}" type="presParOf" srcId="{160667E9-A58D-443F-84CF-F1E4DBDF97A8}" destId="{32D11FB4-DC81-4FC1-B3F3-2F161949100C}" srcOrd="3" destOrd="0" presId="urn:microsoft.com/office/officeart/2018/5/layout/IconLeafLabelList"/>
+  </dgm:cxnLst>
+  <dgm:bg/>
+  <dgm:whole/>
+  <dgm:extLst>
+    <a:ext uri="http://schemas.microsoft.com/office/drawing/2008/diagram">
+      <dsp:dataModelExt xmlns:dsp="http://schemas.microsoft.com/office/drawing/2008/diagram" relId="rId7" minVer="http://schemas.openxmlformats.org/drawingml/2006/diagram"/>
+    </a:ext>
+  </dgm:extLst>
+</dgm:dataModel>
+</file>
+
+<file path=ppt/diagrams/drawing1.xml><?xml version="1.0" encoding="utf-8"?>
+<dsp:drawing xmlns:dgm="http://schemas.openxmlformats.org/drawingml/2006/diagram" xmlns:dsp="http://schemas.microsoft.com/office/drawing/2008/diagram" xmlns:a="http://schemas.openxmlformats.org/drawingml/2006/main">
+  <dsp:spTree>
+    <dsp:nvGrpSpPr>
+      <dsp:cNvPr id="0" name=""/>
+      <dsp:cNvGrpSpPr/>
+    </dsp:nvGrpSpPr>
+    <dsp:grpSpPr/>
+    <dsp:sp modelId="{6E2DFF5B-817D-4471-BDCC-8B545C93B789}">
+      <dsp:nvSpPr>
+        <dsp:cNvPr id="0" name=""/>
+        <dsp:cNvSpPr/>
+      </dsp:nvSpPr>
+      <dsp:spPr>
+        <a:xfrm>
+          <a:off x="2482508" y="277180"/>
+          <a:ext cx="2196000" cy="2196000"/>
+        </a:xfrm>
+        <a:prstGeom prst="round2DiagRect">
+          <a:avLst>
+            <a:gd name="adj1" fmla="val 29727"/>
+            <a:gd name="adj2" fmla="val 0"/>
+          </a:avLst>
+        </a:prstGeom>
+        <a:solidFill>
+          <a:schemeClr val="accent6">
+            <a:hueOff val="0"/>
+            <a:satOff val="0"/>
+            <a:lumOff val="0"/>
+            <a:alphaOff val="0"/>
+          </a:schemeClr>
+        </a:solidFill>
+        <a:ln>
+          <a:noFill/>
+        </a:ln>
+        <a:effectLst/>
+      </dsp:spPr>
+      <dsp:style>
+        <a:lnRef idx="0">
+          <a:scrgbClr r="0" g="0" b="0"/>
+        </a:lnRef>
+        <a:fillRef idx="1">
+          <a:scrgbClr r="0" g="0" b="0"/>
+        </a:fillRef>
+        <a:effectRef idx="0">
+          <a:scrgbClr r="0" g="0" b="0"/>
+        </a:effectRef>
+        <a:fontRef idx="minor"/>
+      </dsp:style>
+    </dsp:sp>
+    <dsp:sp modelId="{40BA6D1F-D980-4323-B768-AE3CCC44D588}">
+      <dsp:nvSpPr>
+        <dsp:cNvPr id="0" name=""/>
+        <dsp:cNvSpPr/>
+      </dsp:nvSpPr>
+      <dsp:spPr>
+        <a:xfrm>
+          <a:off x="2950508" y="745180"/>
+          <a:ext cx="1260000" cy="1260000"/>
+        </a:xfrm>
+        <a:prstGeom prst="rect">
+          <a:avLst/>
+        </a:prstGeom>
+        <a:blipFill>
+          <a:blip xmlns:r="http://schemas.openxmlformats.org/officeDocument/2006/relationships" r:embed="rId1">
+            <a:extLst>
+              <a:ext uri="{28A0092B-C50C-407E-A947-70E740481C1C}">
+                <a14:useLocalDpi xmlns:a14="http://schemas.microsoft.com/office/drawing/2010/main" val="0"/>
+              </a:ext>
+              <a:ext uri="{96DAC541-7B7A-43D3-8B79-37D633B846F1}">
+                <asvg:svgBlip xmlns:asvg="http://schemas.microsoft.com/office/drawing/2016/SVG/main" r:embed="rId2"/>
+              </a:ext>
+            </a:extLst>
+          </a:blip>
+          <a:stretch>
+            <a:fillRect/>
+          </a:stretch>
+        </a:blipFill>
+        <a:ln w="12700" cap="flat" cmpd="sng" algn="ctr">
+          <a:noFill/>
+          <a:prstDash val="solid"/>
+          <a:miter lim="800000"/>
+        </a:ln>
+        <a:effectLst/>
+      </dsp:spPr>
+      <dsp:style>
+        <a:lnRef idx="2">
+          <a:scrgbClr r="0" g="0" b="0"/>
+        </a:lnRef>
+        <a:fillRef idx="1">
+          <a:scrgbClr r="0" g="0" b="0"/>
+        </a:fillRef>
+        <a:effectRef idx="0">
+          <a:scrgbClr r="0" g="0" b="0"/>
+        </a:effectRef>
+        <a:fontRef idx="minor">
+          <a:schemeClr val="lt1"/>
+        </a:fontRef>
+      </dsp:style>
+    </dsp:sp>
+    <dsp:sp modelId="{32D11FB4-DC81-4FC1-B3F3-2F161949100C}">
+      <dsp:nvSpPr>
+        <dsp:cNvPr id="0" name=""/>
+        <dsp:cNvSpPr/>
+      </dsp:nvSpPr>
+      <dsp:spPr>
+        <a:xfrm>
+          <a:off x="1780508" y="3157180"/>
+          <a:ext cx="3600000" cy="720000"/>
+        </a:xfrm>
+        <a:prstGeom prst="rect">
+          <a:avLst/>
+        </a:prstGeom>
+        <a:noFill/>
+        <a:ln>
+          <a:noFill/>
+        </a:ln>
+        <a:effectLst/>
+      </dsp:spPr>
+      <dsp:style>
+        <a:lnRef idx="0">
+          <a:scrgbClr r="0" g="0" b="0"/>
+        </a:lnRef>
+        <a:fillRef idx="0">
+          <a:scrgbClr r="0" g="0" b="0"/>
+        </a:fillRef>
+        <a:effectRef idx="0">
+          <a:scrgbClr r="0" g="0" b="0"/>
+        </a:effectRef>
+        <a:fontRef idx="minor"/>
+      </dsp:style>
+      <dsp:txBody>
+        <a:bodyPr spcFirstLastPara="0" vert="horz" wrap="square" lIns="0" tIns="0" rIns="0" bIns="0" numCol="1" spcCol="1270" anchor="t" anchorCtr="0">
+          <a:noAutofit/>
+        </a:bodyPr>
+        <a:lstStyle/>
+        <a:p>
+          <a:pPr marL="0" lvl="0" indent="0" algn="ctr" defTabSz="1955800">
+            <a:lnSpc>
+              <a:spcPct val="90000"/>
+            </a:lnSpc>
+            <a:spcBef>
+              <a:spcPct val="0"/>
+            </a:spcBef>
+            <a:spcAft>
+              <a:spcPct val="35000"/>
+            </a:spcAft>
+            <a:buNone/>
+            <a:defRPr cap="all"/>
+          </a:pPr>
+          <a:endParaRPr lang="en-US" sz="4400" kern="1200" dirty="0"/>
+        </a:p>
+      </dsp:txBody>
+      <dsp:txXfrm>
+        <a:off x="1780508" y="3157180"/>
+        <a:ext cx="3600000" cy="720000"/>
+      </dsp:txXfrm>
+    </dsp:sp>
+  </dsp:spTree>
+</dsp:drawing>
+</file>
+
+<file path=ppt/diagrams/layout1.xml><?xml version="1.0" encoding="utf-8"?>
+<dgm:layoutDef xmlns:dgm="http://schemas.openxmlformats.org/drawingml/2006/diagram" xmlns:a="http://schemas.openxmlformats.org/drawingml/2006/main" uniqueId="urn:microsoft.com/office/officeart/2018/5/layout/IconLeafLabelList">
+  <dgm:title val="Icon Leaf Label List"/>
+  <dgm:desc val="Use to show non-sequential or grouped chunks of information accompanied by a related visuals. Works best with icons or small pictures with short text captions."/>
+  <dgm:catLst>
+    <dgm:cat type="icon" pri="500"/>
+  </dgm:catLst>
+  <dgm:sampData useDef="1">
+    <dgm:dataModel>
+      <dgm:ptLst/>
+      <dgm:bg/>
+      <dgm:whole/>
+    </dgm:dataModel>
+  </dgm:sampData>
+  <dgm:styleData useDef="1">
+    <dgm:dataModel>
+      <dgm:ptLst/>
+      <dgm:bg/>
+      <dgm:whole/>
+    </dgm:dataModel>
+  </dgm:styleData>
+  <dgm:clrData useDef="1">
+    <dgm:dataModel>
+      <dgm:ptLst/>
+      <dgm:bg/>
+      <dgm:whole/>
+    </dgm:dataModel>
+  </dgm:clrData>
+  <dgm:layoutNode name="root">
+    <dgm:varLst>
+      <dgm:dir/>
+      <dgm:resizeHandles val="exact"/>
+    </dgm:varLst>
+    <dgm:choose name="Name0">
+      <dgm:if name="Name1" axis="self" func="var" arg="dir" op="equ" val="norm">
+        <dgm:alg type="snake">
+          <dgm:param type="grDir" val="tL"/>
+          <dgm:param type="flowDir" val="row"/>
+          <dgm:param type="contDir" val="sameDir"/>
+          <dgm:param type="off" val="ctr"/>
+          <dgm:param type="vertAlign" val="mid"/>
+          <dgm:param type="horzAlign" val="ctr"/>
+        </dgm:alg>
+      </dgm:if>
+      <dgm:else name="Name2">
+        <dgm:alg type="snake">
+          <dgm:param type="grDir" val="tR"/>
+          <dgm:param type="flowDir" val="row"/>
+          <dgm:param type="contDir" val="sameDir"/>
+          <dgm:param type="off" val="ctr"/>
+          <dgm:param type="vertAlign" val="mid"/>
+          <dgm:param type="horzAlign" val="ctr"/>
+        </dgm:alg>
+      </dgm:else>
+    </dgm:choose>
+    <dgm:shape xmlns:r="http://schemas.openxmlformats.org/officeDocument/2006/relationships" r:blip="">
+      <dgm:adjLst/>
+    </dgm:shape>
+    <dgm:presOf/>
+    <dgm:choose name="Name3">
+      <dgm:if name="Name4" axis="ch" ptType="node" func="cnt" op="lte" val="2">
+        <dgm:constrLst>
+          <dgm:constr type="h" for="ch" forName="compNode" refType="h" fact="0.4"/>
+          <dgm:constr type="w" for="ch" forName="compNode" val="100"/>
+          <dgm:constr type="w" for="ch" forName="sibTrans" refType="w" refFor="ch" refForName="compNode" fact="0.175"/>
+          <dgm:constr type="sp" refType="w" refFor="ch" refForName="compNode" op="equ" fact="0.25"/>
+          <dgm:constr type="primFontSz" for="des" ptType="node" op="equ" val="44"/>
+          <dgm:constr type="h" for="des" forName="compNode" op="equ"/>
+          <dgm:constr type="h" for="des" forName="textRect" op="equ"/>
+        </dgm:constrLst>
+      </dgm:if>
+      <dgm:if name="Name5" axis="ch" ptType="node" func="cnt" op="lte" val="3">
+        <dgm:constrLst>
+          <dgm:constr type="h" for="ch" forName="compNode" refType="h" fact="0.4"/>
+          <dgm:constr type="w" for="ch" forName="compNode" val="100"/>
+          <dgm:constr type="w" for="ch" forName="sibTrans" refType="w" refFor="ch" refForName="compNode" fact="0.175"/>
+          <dgm:constr type="sp" refType="w" refFor="ch" refForName="compNode" op="equ" fact="0.25"/>
+          <dgm:constr type="primFontSz" for="des" ptType="node" op="equ" val="40"/>
+          <dgm:constr type="h" for="des" forName="compNode" op="equ"/>
+          <dgm:constr type="h" for="des" forName="textRect" op="equ"/>
+        </dgm:constrLst>
+      </dgm:if>
+      <dgm:if name="Name6" axis="ch" ptType="node" func="cnt" op="lte" val="4">
+        <dgm:constrLst>
+          <dgm:constr type="h" for="ch" forName="compNode" refType="h" fact="0.4"/>
+          <dgm:constr type="w" for="ch" forName="compNode" refType="w"/>
+          <dgm:constr type="w" for="ch" forName="sibTrans" refType="w" refFor="ch" refForName="compNode" fact="0.175"/>
+          <dgm:constr type="sp" refType="w" refFor="ch" refForName="compNode" op="equ" fact="0.25"/>
+          <dgm:constr type="primFontSz" for="des" ptType="node" op="equ" val="32"/>
+          <dgm:constr type="h" for="des" forName="compNode" op="equ"/>
+          <dgm:constr type="h" for="des" forName="textRect" op="equ"/>
+        </dgm:constrLst>
+      </dgm:if>
+      <dgm:else name="Name7">
+        <dgm:constrLst>
+          <dgm:constr type="h" for="ch" forName="compNode" refType="h" fact="0.4"/>
+          <dgm:constr type="w" for="ch" forName="compNode" refType="w"/>
+          <dgm:constr type="w" for="ch" forName="sibTrans" refType="w" refFor="ch" refForName="compNode" fact="0.175"/>
+          <dgm:constr type="sp" refType="w" refFor="ch" refForName="compNode" op="equ" fact="0.25"/>
+          <dgm:constr type="primFontSz" for="des" ptType="node" op="equ" val="24"/>
+          <dgm:constr type="h" for="des" forName="compNode" op="equ"/>
+          <dgm:constr type="h" for="des" forName="textRect" op="equ"/>
+        </dgm:constrLst>
+      </dgm:else>
+    </dgm:choose>
+    <dgm:ruleLst>
+      <dgm:rule type="w" for="ch" forName="compNode" val="50" fact="NaN" max="NaN"/>
+    </dgm:ruleLst>
+    <dgm:forEach name="Name8" axis="ch" ptType="node">
+      <dgm:layoutNode name="compNode">
+        <dgm:alg type="composite"/>
+        <dgm:shape xmlns:r="http://schemas.openxmlformats.org/officeDocument/2006/relationships" r:blip="">
+          <dgm:adjLst/>
+        </dgm:shape>
+        <dgm:presOf axis="self"/>
+        <dgm:constrLst>
+          <dgm:constr type="w" for="ch" forName="iconBgRect" refType="w" fact="0.61"/>
+          <dgm:constr type="h" for="ch" forName="iconBgRect" refType="w" refFor="ch" refForName="iconBgRect"/>
+          <dgm:constr type="t" for="ch" forName="iconBgRect"/>
+          <dgm:constr type="ctrX" for="ch" forName="iconBgRect" refType="w" fact="0.5"/>
+          <dgm:constr type="w" for="ch" forName="iconRect" refType="w" fact="0.35"/>
+          <dgm:constr type="h" for="ch" forName="iconRect" refType="w" refFor="ch" refForName="iconRect"/>
+          <dgm:constr type="ctrX" for="ch" forName="iconRect" refType="ctrX" refFor="ch" refForName="iconBgRect"/>
+          <dgm:constr type="ctrY" for="ch" forName="iconRect" refType="ctrY" refFor="ch" refForName="iconBgRect"/>
+          <dgm:constr type="h" for="ch" forName="spaceRect" refType="w" fact="0.19"/>
+          <dgm:constr type="w" for="ch" forName="spaceRect" refType="w"/>
+          <dgm:constr type="l" for="ch" forName="spaceRect"/>
+          <dgm:constr type="t" for="ch" forName="spaceRect" refType="b" refFor="ch" refForName="iconBgRect"/>
+          <dgm:constr type="h" for="ch" forName="textRect" val="20"/>
+          <dgm:constr type="w" for="ch" forName="textRect" refType="w"/>
+          <dgm:constr type="l" for="ch" forName="textRect"/>
+          <dgm:constr type="t" for="ch" forName="textRect" refType="b" refFor="ch" refForName="spaceRect"/>
+        </dgm:constrLst>
+        <dgm:ruleLst>
+          <dgm:rule type="h" val="INF" fact="NaN" max="NaN"/>
+        </dgm:ruleLst>
+        <dgm:layoutNode name="iconBgRect" styleLbl="bgShp">
+          <dgm:alg type="sp"/>
+          <dgm:shape xmlns:r="http://schemas.openxmlformats.org/officeDocument/2006/relationships" type="round2DiagRect" r:blip="">
+            <dgm:adjLst/>
+            <dgm:extLst>
+              <a:ext uri="{B698B0E9-8C71-41B9-8309-B3DCBF30829C}">
+                <dgm1612:spPr xmlns:dgm1612="http://schemas.microsoft.com/office/drawing/2016/12/diagram">
+                  <a:prstGeom prst="round2DiagRect">
+                    <a:avLst>
+                      <a:gd name="adj1" fmla="val 29727"/>
+                      <a:gd name="adj2" fmla="val 0"/>
+                    </a:avLst>
+                  </a:prstGeom>
+                </dgm1612:spPr>
+              </a:ext>
+            </dgm:extLst>
+          </dgm:shape>
+          <dgm:presOf/>
+          <dgm:constrLst/>
+          <dgm:ruleLst/>
+        </dgm:layoutNode>
+        <dgm:layoutNode name="iconRect" styleLbl="node1">
+          <dgm:alg type="sp"/>
+          <dgm:shape xmlns:r="http://schemas.openxmlformats.org/officeDocument/2006/relationships" type="rect" r:blip="" blipPhldr="1">
+            <dgm:adjLst/>
+          </dgm:shape>
+          <dgm:presOf/>
+          <dgm:constrLst/>
+          <dgm:ruleLst/>
+        </dgm:layoutNode>
+        <dgm:layoutNode name="spaceRect">
+          <dgm:alg type="sp"/>
+          <dgm:shape xmlns:r="http://schemas.openxmlformats.org/officeDocument/2006/relationships" r:blip="">
+            <dgm:adjLst/>
+          </dgm:shape>
+          <dgm:presOf/>
+          <dgm:constrLst/>
+          <dgm:ruleLst/>
+        </dgm:layoutNode>
+        <dgm:layoutNode name="textRect" styleLbl="revTx">
+          <dgm:varLst>
+            <dgm:chMax val="1"/>
+            <dgm:chPref val="1"/>
+          </dgm:varLst>
+          <dgm:alg type="tx">
+            <dgm:param type="txAnchorVert" val="t"/>
+          </dgm:alg>
+          <dgm:shape xmlns:r="http://schemas.openxmlformats.org/officeDocument/2006/relationships" type="rect" r:blip="">
+            <dgm:adjLst/>
+          </dgm:shape>
+          <dgm:presOf axis="self" ptType="node"/>
+          <dgm:constrLst>
+            <dgm:constr type="lMarg"/>
+            <dgm:constr type="rMarg"/>
+            <dgm:constr type="tMarg"/>
+            <dgm:constr type="bMarg"/>
+          </dgm:constrLst>
+          <dgm:ruleLst>
+            <dgm:rule type="primFontSz" val="11" fact="NaN" max="NaN"/>
+            <dgm:rule type="h" val="INF" fact="NaN" max="NaN"/>
+          </dgm:ruleLst>
+        </dgm:layoutNode>
+      </dgm:layoutNode>
+      <dgm:forEach name="Name9" axis="followSib" ptType="sibTrans" cnt="1">
+        <dgm:layoutNode name="sibTrans">
+          <dgm:alg type="sp"/>
+          <dgm:shape xmlns:r="http://schemas.openxmlformats.org/officeDocument/2006/relationships" r:blip="">
+            <dgm:adjLst/>
+          </dgm:shape>
+          <dgm:presOf axis="self"/>
+          <dgm:constrLst/>
+          <dgm:ruleLst/>
+        </dgm:layoutNode>
+      </dgm:forEach>
+    </dgm:forEach>
+  </dgm:layoutNode>
+  <dgm:extLst>
+    <a:ext uri="{68A01E43-0DF5-4B5B-8FA6-DAF915123BFB}">
+      <dgm1612:lstStyle xmlns:dgm1612="http://schemas.microsoft.com/office/drawing/2016/12/diagram">
+        <a:lvl1pPr>
+          <a:lnSpc>
+            <a:spcPct val="100000"/>
+          </a:lnSpc>
+          <a:defRPr cap="all"/>
+        </a:lvl1pPr>
+      </dgm1612:lstStyle>
+    </a:ext>
+  </dgm:extLst>
+</dgm:layoutDef>
+</file>
+
+<file path=ppt/diagrams/quickStyle1.xml><?xml version="1.0" encoding="utf-8"?>
+<dgm:styleDef xmlns:dgm="http://schemas.openxmlformats.org/drawingml/2006/diagram" xmlns:a="http://schemas.openxmlformats.org/drawingml/2006/main" uniqueId="urn:microsoft.com/office/officeart/2005/8/quickstyle/simple1">
+  <dgm:title val=""/>
+  <dgm:desc val=""/>
+  <dgm:catLst>
+    <dgm:cat type="simple" pri="10100"/>
+  </dgm:catLst>
+  <dgm:scene3d>
+    <a:camera prst="orthographicFront"/>
+    <a:lightRig rig="threePt" dir="t"/>
+  </dgm:scene3d>
+  <dgm:styleLbl name="node0">
+    <dgm:scene3d>
+      <a:camera prst="orthographicFront"/>
+      <a:lightRig rig="threePt" dir="t"/>
+    </dgm:scene3d>
+    <dgm:sp3d/>
+    <dgm:txPr/>
+    <dgm:style>
+      <a:lnRef idx="2">
+        <a:scrgbClr r="0" g="0" b="0"/>
+      </a:lnRef>
+      <a:fillRef idx="1">
+        <a:scrgbClr r="0" g="0" b="0"/>
+      </a:fillRef>
+      <a:effectRef idx="0">
+        <a:scrgbClr r="0" g="0" b="0"/>
+      </a:effectRef>
+      <a:fontRef idx="minor">
+        <a:schemeClr val="lt1"/>
+      </a:fontRef>
+    </dgm:style>
+  </dgm:styleLbl>
+  <dgm:styleLbl name="lnNode1">
+    <dgm:scene3d>
+      <a:camera prst="orthographicFront"/>
+      <a:lightRig rig="threePt" dir="t"/>
+    </dgm:scene3d>
+    <dgm:sp3d/>
+    <dgm:txPr/>
+    <dgm:style>
+      <a:lnRef idx="2">
+        <a:scrgbClr r="0" g="0" b="0"/>
+      </a:lnRef>
+      <a:fillRef idx="1">
+        <a:scrgbClr r="0" g="0" b="0"/>
+      </a:fillRef>
+      <a:effectRef idx="0">
+        <a:scrgbClr r="0" g="0" b="0"/>
+      </a:effectRef>
+      <a:fontRef idx="minor">
+        <a:schemeClr val="lt1"/>
+      </a:fontRef>
+    </dgm:style>
+  </dgm:styleLbl>
+  <dgm:styleLbl name="vennNode1">
+    <dgm:scene3d>
+      <a:camera prst="orthographicFront"/>
+      <a:lightRig rig="threePt" dir="t"/>
+    </dgm:scene3d>
+    <dgm:sp3d/>
+    <dgm:txPr/>
+    <dgm:style>
+      <a:lnRef idx="2">
+        <a:scrgbClr r="0" g="0" b="0"/>
+      </a:lnRef>
+      <a:fillRef idx="1">
+        <a:scrgbClr r="0" g="0" b="0"/>
+      </a:fillRef>
+      <a:effectRef idx="0">
+        <a:scrgbClr r="0" g="0" b="0"/>
+      </a:effectRef>
+      <a:fontRef idx="minor">
+        <a:schemeClr val="tx1"/>
+      </a:fontRef>
+    </dgm:style>
+  </dgm:styleLbl>
+  <dgm:styleLbl name="alignNode1">
+    <dgm:scene3d>
+      <a:camera prst="orthographicFront"/>
+      <a:lightRig rig="threePt" dir="t"/>
+    </dgm:scene3d>
+    <dgm:sp3d/>
+    <dgm:txPr/>
+    <dgm:style>
+      <a:lnRef idx="2">
+        <a:scrgbClr r="0" g="0" b="0"/>
+      </a:lnRef>
+      <a:fillRef idx="1">
+        <a:scrgbClr r="0" g="0" b="0"/>
+      </a:fillRef>
+      <a:effectRef idx="0">
+        <a:scrgbClr r="0" g="0" b="0"/>
+      </a:effectRef>
+      <a:fontRef idx="minor">
+        <a:schemeClr val="lt1"/>
+      </a:fontRef>
+    </dgm:style>
+  </dgm:styleLbl>
+  <dgm:styleLbl name="node1">
+    <dgm:scene3d>
+      <a:camera prst="orthographicFront"/>
+      <a:lightRig rig="threePt" dir="t"/>
+    </dgm:scene3d>
+    <dgm:sp3d/>
+    <dgm:txPr/>
+    <dgm:style>
+      <a:lnRef idx="2">
+        <a:scrgbClr r="0" g="0" b="0"/>
+      </a:lnRef>
+      <a:fillRef idx="1">
+        <a:scrgbClr r="0" g="0" b="0"/>
+      </a:fillRef>
+      <a:effectRef idx="0">
+        <a:scrgbClr r="0" g="0" b="0"/>
+      </a:effectRef>
+      <a:fontRef idx="minor">
+        <a:schemeClr val="lt1"/>
+      </a:fontRef>
+    </dgm:style>
+  </dgm:styleLbl>
+  <dgm:styleLbl name="node2">
+    <dgm:scene3d>
+      <a:camera prst="orthographicFront"/>
+      <a:lightRig rig="threePt" dir="t"/>
+    </dgm:scene3d>
+    <dgm:sp3d/>
+    <dgm:txPr/>
+    <dgm:style>
+      <a:lnRef idx="2">
+        <a:scrgbClr r="0" g="0" b="0"/>
+      </a:lnRef>
+      <a:fillRef idx="1">
+        <a:scrgbClr r="0" g="0" b="0"/>
+      </a:fillRef>
+      <a:effectRef idx="0">
+        <a:scrgbClr r="0" g="0" b="0"/>
+      </a:effectRef>
+      <a:fontRef idx="minor">
+        <a:schemeClr val="lt1"/>
+      </a:fontRef>
+    </dgm:style>
+  </dgm:styleLbl>
+  <dgm:styleLbl name="node3">
+    <dgm:scene3d>
+      <a:camera prst="orthographicFront"/>
+      <a:lightRig rig="threePt" dir="t"/>
+    </dgm:scene3d>
+    <dgm:sp3d/>
+    <dgm:txPr/>
+    <dgm:style>
+      <a:lnRef idx="2">
+        <a:scrgbClr r="0" g="0" b="0"/>
+      </a:lnRef>
+      <a:fillRef idx="1">
+        <a:scrgbClr r="0" g="0" b="0"/>
+      </a:fillRef>
+      <a:effectRef idx="0">
+        <a:scrgbClr r="0" g="0" b="0"/>
+      </a:effectRef>
+      <a:fontRef idx="minor">
+        <a:schemeClr val="lt1"/>
+      </a:fontRef>
+    </dgm:style>
+  </dgm:styleLbl>
+  <dgm:styleLbl name="node4">
+    <dgm:scene3d>
+      <a:camera prst="orthographicFront"/>
+      <a:lightRig rig="threePt" dir="t"/>
+    </dgm:scene3d>
+    <dgm:sp3d/>
+    <dgm:txPr/>
+    <dgm:style>
+      <a:lnRef idx="2">
+        <a:scrgbClr r="0" g="0" b="0"/>
+      </a:lnRef>
+      <a:fillRef idx="1">
+        <a:scrgbClr r="0" g="0" b="0"/>
+      </a:fillRef>
+      <a:effectRef idx="0">
+        <a:scrgbClr r="0" g="0" b="0"/>
+      </a:effectRef>
+      <a:fontRef idx="minor">
+        <a:schemeClr val="lt1"/>
+      </a:fontRef>
+    </dgm:style>
+  </dgm:styleLbl>
+  <dgm:styleLbl name="fgImgPlace1">
+    <dgm:scene3d>
+      <a:camera prst="orthographicFront"/>
+      <a:lightRig rig="threePt" dir="t"/>
+    </dgm:scene3d>
+    <dgm:sp3d/>
+    <dgm:txPr/>
+    <dgm:style>
+      <a:lnRef idx="2">
+        <a:scrgbClr r="0" g="0" b="0"/>
+      </a:lnRef>
+      <a:fillRef idx="1">
+        <a:scrgbClr r="0" g="0" b="0"/>
+      </a:fillRef>
+      <a:effectRef idx="0">
+        <a:scrgbClr r="0" g="0" b="0"/>
+      </a:effectRef>
+      <a:fontRef idx="minor"/>
+    </dgm:style>
+  </dgm:styleLbl>
+  <dgm:styleLbl name="alignImgPlace1">
+    <dgm:scene3d>
+      <a:camera prst="orthographicFront"/>
+      <a:lightRig rig="threePt" dir="t"/>
+    </dgm:scene3d>
+    <dgm:sp3d/>
+    <dgm:txPr/>
+    <dgm:style>
+      <a:lnRef idx="2">
+        <a:scrgbClr r="0" g="0" b="0"/>
+      </a:lnRef>
+      <a:fillRef idx="1">
+        <a:scrgbClr r="0" g="0" b="0"/>
+      </a:fillRef>
+      <a:effectRef idx="0">
+        <a:scrgbClr r="0" g="0" b="0"/>
+      </a:effectRef>
+      <a:fontRef idx="minor"/>
+    </dgm:style>
+  </dgm:styleLbl>
+  <dgm:styleLbl name="bgImgPlace1">
+    <dgm:scene3d>
+      <a:camera prst="orthographicFront"/>
+      <a:lightRig rig="threePt" dir="t"/>
+    </dgm:scene3d>
+    <dgm:sp3d/>
+    <dgm:txPr/>
+    <dgm:style>
+      <a:lnRef idx="2">
+        <a:scrgbClr r="0" g="0" b="0"/>
+      </a:lnRef>
+      <a:fillRef idx="1">
+        <a:scrgbClr r="0" g="0" b="0"/>
+      </a:fillRef>
+      <a:effectRef idx="0">
+        <a:scrgbClr r="0" g="0" b="0"/>
+      </a:effectRef>
+      <a:fontRef idx="minor"/>
+    </dgm:style>
+  </dgm:styleLbl>
+  <dgm:styleLbl name="sibTrans2D1">
+    <dgm:scene3d>
+      <a:camera prst="orthographicFront"/>
+      <a:lightRig rig="threePt" dir="t"/>
+    </dgm:scene3d>
+    <dgm:sp3d/>
+    <dgm:txPr/>
+    <dgm:style>
+      <a:lnRef idx="0">
+        <a:scrgbClr r="0" g="0" b="0"/>
+      </a:lnRef>
+      <a:fillRef idx="1">
+        <a:scrgbClr r="0" g="0" b="0"/>
+      </a:fillRef>
+      <a:effectRef idx="0">
+        <a:scrgbClr r="0" g="0" b="0"/>
+      </a:effectRef>
+      <a:fontRef idx="minor">
+        <a:schemeClr val="lt1"/>
+      </a:fontRef>
+    </dgm:style>
+  </dgm:styleLbl>
+  <dgm:styleLbl name="fgSibTrans2D1">
+    <dgm:scene3d>
+      <a:camera prst="orthographicFront"/>
+      <a:lightRig rig="threePt" dir="t"/>
+    </dgm:scene3d>
+    <dgm:sp3d/>
+    <dgm:txPr/>
+    <dgm:style>
+      <a:lnRef idx="0">
+        <a:scrgbClr r="0" g="0" b="0"/>
+      </a:lnRef>
+      <a:fillRef idx="1">
+        <a:scrgbClr r="0" g="0" b="0"/>
+      </a:fillRef>
+      <a:effectRef idx="0">
+        <a:scrgbClr r="0" g="0" b="0"/>
+      </a:effectRef>
+      <a:fontRef idx="minor">
+        <a:schemeClr val="lt1"/>
+      </a:fontRef>
+    </dgm:style>
+  </dgm:styleLbl>
+  <dgm:styleLbl name="bgSibTrans2D1">
+    <dgm:scene3d>
+      <a:camera prst="orthographicFront"/>
+      <a:lightRig rig="threePt" dir="t"/>
+    </dgm:scene3d>
+    <dgm:sp3d/>
+    <dgm:txPr/>
+    <dgm:style>
+      <a:lnRef idx="0">
+        <a:scrgbClr r="0" g="0" b="0"/>
+      </a:lnRef>
+      <a:fillRef idx="1">
+        <a:scrgbClr r="0" g="0" b="0"/>
+      </a:fillRef>
+      <a:effectRef idx="0">
+        <a:scrgbClr r="0" g="0" b="0"/>
+      </a:effectRef>
+      <a:fontRef idx="minor">
+        <a:schemeClr val="lt1"/>
+      </a:fontRef>
+    </dgm:style>
+  </dgm:styleLbl>
+  <dgm:styleLbl name="sibTrans1D1">
+    <dgm:scene3d>
+      <a:camera prst="orthographicFront"/>
+      <a:lightRig rig="threePt" dir="t"/>
+    </dgm:scene3d>
+    <dgm:sp3d/>
+    <dgm:txPr/>
+    <dgm:style>
+      <a:lnRef idx="1">
+        <a:scrgbClr r="0" g="0" b="0"/>
+      </a:lnRef>
+      <a:fillRef idx="0">
+        <a:scrgbClr r="0" g="0" b="0"/>
+      </a:fillRef>
+      <a:effectRef idx="0">
+        <a:scrgbClr r="0" g="0" b="0"/>
+      </a:effectRef>
+      <a:fontRef idx="minor"/>
+    </dgm:style>
+  </dgm:styleLbl>
+  <dgm:styleLbl name="callout">
+    <dgm:scene3d>
+      <a:camera prst="orthographicFront"/>
+      <a:lightRig rig="threePt" dir="t"/>
+    </dgm:scene3d>
+    <dgm:sp3d/>
+    <dgm:txPr/>
+    <dgm:style>
+      <a:lnRef idx="2">
+        <a:scrgbClr r="0" g="0" b="0"/>
+      </a:lnRef>
+      <a:fillRef idx="1">
+        <a:scrgbClr r="0" g="0" b="0"/>
+      </a:fillRef>
+      <a:effectRef idx="0">
+        <a:scrgbClr r="0" g="0" b="0"/>
+      </a:effectRef>
+      <a:fontRef idx="minor"/>
+    </dgm:style>
+  </dgm:styleLbl>
+  <dgm:styleLbl name="asst0">
+    <dgm:scene3d>
+      <a:camera prst="orthographicFront"/>
+      <a:lightRig rig="threePt" dir="t"/>
+    </dgm:scene3d>
+    <dgm:sp3d/>
+    <dgm:txPr/>
+    <dgm:style>
+      <a:lnRef idx="2">
+        <a:scrgbClr r="0" g="0" b="0"/>
+      </a:lnRef>
+      <a:fillRef idx="1">
+        <a:scrgbClr r="0" g="0" b="0"/>
+      </a:fillRef>
+      <a:effectRef idx="0">
+        <a:scrgbClr r="0" g="0" b="0"/>
+      </a:effectRef>
+      <a:fontRef idx="minor">
+        <a:schemeClr val="lt1"/>
+      </a:fontRef>
+    </dgm:style>
+  </dgm:styleLbl>
+  <dgm:styleLbl name="asst1">
+    <dgm:scene3d>
+      <a:camera prst="orthographicFront"/>
+      <a:lightRig rig="threePt" dir="t"/>
+    </dgm:scene3d>
+    <dgm:sp3d/>
+    <dgm:txPr/>
+    <dgm:style>
+      <a:lnRef idx="2">
+        <a:scrgbClr r="0" g="0" b="0"/>
+      </a:lnRef>
+      <a:fillRef idx="1">
+        <a:scrgbClr r="0" g="0" b="0"/>
+      </a:fillRef>
+      <a:effectRef idx="0">
+        <a:scrgbClr r="0" g="0" b="0"/>
+      </a:effectRef>
+      <a:fontRef idx="minor">
+        <a:schemeClr val="lt1"/>
+      </a:fontRef>
+    </dgm:style>
+  </dgm:styleLbl>
+  <dgm:styleLbl name="asst2">
+    <dgm:scene3d>
+      <a:camera prst="orthographicFront"/>
+      <a:lightRig rig="threePt" dir="t"/>
+    </dgm:scene3d>
+    <dgm:sp3d/>
+    <dgm:txPr/>
+    <dgm:style>
+      <a:lnRef idx="2">
+        <a:scrgbClr r="0" g="0" b="0"/>
+      </a:lnRef>
+      <a:fillRef idx="1">
+        <a:scrgbClr r="0" g="0" b="0"/>
+      </a:fillRef>
+      <a:effectRef idx="0">
+        <a:scrgbClr r="0" g="0" b="0"/>
+      </a:effectRef>
+      <a:fontRef idx="minor">
+        <a:schemeClr val="lt1"/>
+      </a:fontRef>
+    </dgm:style>
+  </dgm:styleLbl>
+  <dgm:styleLbl name="asst3">
+    <dgm:scene3d>
+      <a:camera prst="orthographicFront"/>
+      <a:lightRig rig="threePt" dir="t"/>
+    </dgm:scene3d>
+    <dgm:sp3d/>
+    <dgm:txPr/>
+    <dgm:style>
+      <a:lnRef idx="2">
+        <a:scrgbClr r="0" g="0" b="0"/>
+      </a:lnRef>
+      <a:fillRef idx="1">
+        <a:scrgbClr r="0" g="0" b="0"/>
+      </a:fillRef>
+      <a:effectRef idx="0">
+        <a:scrgbClr r="0" g="0" b="0"/>
+      </a:effectRef>
+      <a:fontRef idx="minor">
+        <a:schemeClr val="lt1"/>
+      </a:fontRef>
+    </dgm:style>
+  </dgm:styleLbl>
+  <dgm:styleLbl name="asst4">
+    <dgm:scene3d>
+      <a:camera prst="orthographicFront"/>
+      <a:lightRig rig="threePt" dir="t"/>
+    </dgm:scene3d>
+    <dgm:sp3d/>
+    <dgm:txPr/>
+    <dgm:style>
+      <a:lnRef idx="2">
+        <a:scrgbClr r="0" g="0" b="0"/>
+      </a:lnRef>
+      <a:fillRef idx="1">
+        <a:scrgbClr r="0" g="0" b="0"/>
+      </a:fillRef>
+      <a:effectRef idx="0">
+        <a:scrgbClr r="0" g="0" b="0"/>
+      </a:effectRef>
+      <a:fontRef idx="minor">
+        <a:schemeClr val="lt1"/>
+      </a:fontRef>
+    </dgm:style>
+  </dgm:styleLbl>
+  <dgm:styleLbl name="parChTrans2D1">
+    <dgm:scene3d>
+      <a:camera prst="orthographicFront"/>
+      <a:lightRig rig="threePt" dir="t"/>
+    </dgm:scene3d>
+    <dgm:sp3d/>
+    <dgm:txPr/>
+    <dgm:style>
+      <a:lnRef idx="2">
+        <a:scrgbClr r="0" g="0" b="0"/>
+      </a:lnRef>
+      <a:fillRef idx="1">
+        <a:scrgbClr r="0" g="0" b="0"/>
+      </a:fillRef>
+      <a:effectRef idx="0">
+        <a:scrgbClr r="0" g="0" b="0"/>
+      </a:effectRef>
+      <a:fontRef idx="minor">
+        <a:schemeClr val="lt1"/>
+      </a:fontRef>
+    </dgm:style>
+  </dgm:styleLbl>
+  <dgm:styleLbl name="parChTrans2D2">
+    <dgm:scene3d>
+      <a:camera prst="orthographicFront"/>
+      <a:lightRig rig="threePt" dir="t"/>
+    </dgm:scene3d>
+    <dgm:sp3d/>
+    <dgm:txPr/>
+    <dgm:style>
+      <a:lnRef idx="2">
+        <a:scrgbClr r="0" g="0" b="0"/>
+      </a:lnRef>
+      <a:fillRef idx="1">
+        <a:scrgbClr r="0" g="0" b="0"/>
+      </a:fillRef>
+      <a:effectRef idx="0">
+        <a:scrgbClr r="0" g="0" b="0"/>
+      </a:effectRef>
+      <a:fontRef idx="minor">
+        <a:schemeClr val="lt1"/>
+      </a:fontRef>
+    </dgm:style>
+  </dgm:styleLbl>
+  <dgm:styleLbl name="parChTrans2D3">
+    <dgm:scene3d>
+      <a:camera prst="orthographicFront"/>
+      <a:lightRig rig="threePt" dir="t"/>
+    </dgm:scene3d>
+    <dgm:sp3d/>
+    <dgm:txPr/>
+    <dgm:style>
+      <a:lnRef idx="2">
+        <a:scrgbClr r="0" g="0" b="0"/>
+      </a:lnRef>
+      <a:fillRef idx="1">
+        <a:scrgbClr r="0" g="0" b="0"/>
+      </a:fillRef>
+      <a:effectRef idx="0">
+        <a:scrgbClr r="0" g="0" b="0"/>
+      </a:effectRef>
+      <a:fontRef idx="minor">
+        <a:schemeClr val="lt1"/>
+      </a:fontRef>
+    </dgm:style>
+  </dgm:styleLbl>
+  <dgm:styleLbl name="parChTrans2D4">
+    <dgm:scene3d>
+      <a:camera prst="orthographicFront"/>
+      <a:lightRig rig="threePt" dir="t"/>
+    </dgm:scene3d>
+    <dgm:sp3d/>
+    <dgm:txPr/>
+    <dgm:style>
+      <a:lnRef idx="2">
+        <a:scrgbClr r="0" g="0" b="0"/>
+      </a:lnRef>
+      <a:fillRef idx="1">
+        <a:scrgbClr r="0" g="0" b="0"/>
+      </a:fillRef>
+      <a:effectRef idx="0">
+        <a:scrgbClr r="0" g="0" b="0"/>
+      </a:effectRef>
+      <a:fontRef idx="minor">
+        <a:schemeClr val="lt1"/>
+      </a:fontRef>
+    </dgm:style>
+  </dgm:styleLbl>
+  <dgm:styleLbl name="parChTrans1D1">
+    <dgm:scene3d>
+      <a:camera prst="orthographicFront"/>
+      <a:lightRig rig="threePt" dir="t"/>
+    </dgm:scene3d>
+    <dgm:sp3d/>
+    <dgm:txPr/>
+    <dgm:style>
+      <a:lnRef idx="2">
+        <a:scrgbClr r="0" g="0" b="0"/>
+      </a:lnRef>
+      <a:fillRef idx="0">
+        <a:scrgbClr r="0" g="0" b="0"/>
+      </a:fillRef>
+      <a:effectRef idx="0">
+        <a:scrgbClr r="0" g="0" b="0"/>
+      </a:effectRef>
+      <a:fontRef idx="minor"/>
+    </dgm:style>
+  </dgm:styleLbl>
+  <dgm:styleLbl name="parChTrans1D2">
+    <dgm:scene3d>
+      <a:camera prst="orthographicFront"/>
+      <a:lightRig rig="threePt" dir="t"/>
+    </dgm:scene3d>
+    <dgm:sp3d/>
+    <dgm:txPr/>
+    <dgm:style>
+      <a:lnRef idx="2">
+        <a:scrgbClr r="0" g="0" b="0"/>
+      </a:lnRef>
+      <a:fillRef idx="0">
+        <a:scrgbClr r="0" g="0" b="0"/>
+      </a:fillRef>
+      <a:effectRef idx="0">
+        <a:scrgbClr r="0" g="0" b="0"/>
+      </a:effectRef>
+      <a:fontRef idx="minor"/>
+    </dgm:style>
+  </dgm:styleLbl>
+  <dgm:styleLbl name="parChTrans1D3">
+    <dgm:scene3d>
+      <a:camera prst="orthographicFront"/>
+      <a:lightRig rig="threePt" dir="t"/>
+    </dgm:scene3d>
+    <dgm:sp3d/>
+    <dgm:txPr/>
+    <dgm:style>
+      <a:lnRef idx="2">
+        <a:scrgbClr r="0" g="0" b="0"/>
+      </a:lnRef>
+      <a:fillRef idx="0">
+        <a:scrgbClr r="0" g="0" b="0"/>
+      </a:fillRef>
+      <a:effectRef idx="0">
+        <a:scrgbClr r="0" g="0" b="0"/>
+      </a:effectRef>
+      <a:fontRef idx="minor"/>
+    </dgm:style>
+  </dgm:styleLbl>
+  <dgm:styleLbl name="parChTrans1D4">
+    <dgm:scene3d>
+      <a:camera prst="orthographicFront"/>
+      <a:lightRig rig="threePt" dir="t"/>
+    </dgm:scene3d>
+    <dgm:sp3d/>
+    <dgm:txPr/>
+    <dgm:style>
+      <a:lnRef idx="2">
+        <a:scrgbClr r="0" g="0" b="0"/>
+      </a:lnRef>
+      <a:fillRef idx="0">
+        <a:scrgbClr r="0" g="0" b="0"/>
+      </a:fillRef>
+      <a:effectRef idx="0">
+        <a:scrgbClr r="0" g="0" b="0"/>
+      </a:effectRef>
+      <a:fontRef idx="minor"/>
+    </dgm:style>
+  </dgm:styleLbl>
+  <dgm:styleLbl name="fgAcc1">
+    <dgm:scene3d>
+      <a:camera prst="orthographicFront"/>
+      <a:lightRig rig="threePt" dir="t"/>
+    </dgm:scene3d>
+    <dgm:sp3d/>
+    <dgm:txPr/>
+    <dgm:style>
+      <a:lnRef idx="2">
+        <a:scrgbClr r="0" g="0" b="0"/>
+      </a:lnRef>
+      <a:fillRef idx="1">
+        <a:scrgbClr r="0" g="0" b="0"/>
+      </a:fillRef>
+      <a:effectRef idx="0">
+        <a:scrgbClr r="0" g="0" b="0"/>
+      </a:effectRef>
+      <a:fontRef idx="minor"/>
+    </dgm:style>
+  </dgm:styleLbl>
+  <dgm:styleLbl name="conFgAcc1">
+    <dgm:scene3d>
+      <a:camera prst="orthographicFront"/>
+      <a:lightRig rig="threePt" dir="t"/>
+    </dgm:scene3d>
+    <dgm:sp3d/>
+    <dgm:txPr/>
+    <dgm:style>
+      <a:lnRef idx="2">
+        <a:scrgbClr r="0" g="0" b="0"/>
+      </a:lnRef>
+      <a:fillRef idx="1">
+        <a:scrgbClr r="0" g="0" b="0"/>
+      </a:fillRef>
+      <a:effectRef idx="0">
+        <a:scrgbClr r="0" g="0" b="0"/>
+      </a:effectRef>
+      <a:fontRef idx="minor"/>
+    </dgm:style>
+  </dgm:styleLbl>
+  <dgm:styleLbl name="alignAcc1">
+    <dgm:scene3d>
+      <a:camera prst="orthographicFront"/>
+      <a:lightRig rig="threePt" dir="t"/>
+    </dgm:scene3d>
+    <dgm:sp3d/>
+    <dgm:txPr/>
+    <dgm:style>
+      <a:lnRef idx="2">
+        <a:scrgbClr r="0" g="0" b="0"/>
+      </a:lnRef>
+      <a:fillRef idx="1">
+        <a:scrgbClr r="0" g="0" b="0"/>
+      </a:fillRef>
+      <a:effectRef idx="0">
+        <a:scrgbClr r="0" g="0" b="0"/>
+      </a:effectRef>
+      <a:fontRef idx="minor"/>
+    </dgm:style>
+  </dgm:styleLbl>
+  <dgm:styleLbl name="trAlignAcc1">
+    <dgm:scene3d>
+      <a:camera prst="orthographicFront"/>
+      <a:lightRig rig="threePt" dir="t"/>
+    </dgm:scene3d>
+    <dgm:sp3d/>
+    <dgm:txPr/>
+    <dgm:style>
+      <a:lnRef idx="1">
+        <a:scrgbClr r="0" g="0" b="0"/>
+      </a:lnRef>
+      <a:fillRef idx="1">
+        <a:scrgbClr r="0" g="0" b="0"/>
+      </a:fillRef>
+      <a:effectRef idx="0">
+        <a:scrgbClr r="0" g="0" b="0"/>
+      </a:effectRef>
+      <a:fontRef idx="minor"/>
+    </dgm:style>
+  </dgm:styleLbl>
+  <dgm:styleLbl name="bgAcc1">
+    <dgm:scene3d>
+      <a:camera prst="orthographicFront"/>
+      <a:lightRig rig="threePt" dir="t"/>
+    </dgm:scene3d>
+    <dgm:sp3d/>
+    <dgm:txPr/>
+    <dgm:style>
+      <a:lnRef idx="2">
+        <a:scrgbClr r="0" g="0" b="0"/>
+      </a:lnRef>
+      <a:fillRef idx="1">
+        <a:scrgbClr r="0" g="0" b="0"/>
+      </a:fillRef>
+      <a:effectRef idx="0">
+        <a:scrgbClr r="0" g="0" b="0"/>
+      </a:effectRef>
+      <a:fontRef idx="minor"/>
+    </dgm:style>
+  </dgm:styleLbl>
+  <dgm:styleLbl name="solidFgAcc1">
+    <dgm:scene3d>
+      <a:camera prst="orthographicFront"/>
+      <a:lightRig rig="threePt" dir="t"/>
+    </dgm:scene3d>
+    <dgm:sp3d/>
+    <dgm:txPr/>
+    <dgm:style>
+      <a:lnRef idx="2">
+        <a:scrgbClr r="0" g="0" b="0"/>
+      </a:lnRef>
+      <a:fillRef idx="1">
+        <a:scrgbClr r="0" g="0" b="0"/>
+      </a:fillRef>
+      <a:effectRef idx="0">
+        <a:scrgbClr r="0" g="0" b="0"/>
+      </a:effectRef>
+      <a:fontRef idx="minor"/>
+    </dgm:style>
+  </dgm:styleLbl>
+  <dgm:styleLbl name="solidAlignAcc1">
+    <dgm:scene3d>
+      <a:camera prst="orthographicFront"/>
+      <a:lightRig rig="threePt" dir="t"/>
+    </dgm:scene3d>
+    <dgm:sp3d/>
+    <dgm:txPr/>
+    <dgm:style>
+      <a:lnRef idx="2">
+        <a:scrgbClr r="0" g="0" b="0"/>
+      </a:lnRef>
+      <a:fillRef idx="1">
+        <a:scrgbClr r="0" g="0" b="0"/>
+      </a:fillRef>
+      <a:effectRef idx="0">
+        <a:scrgbClr r="0" g="0" b="0"/>
+      </a:effectRef>
+      <a:fontRef idx="minor"/>
+    </dgm:style>
+  </dgm:styleLbl>
+  <dgm:styleLbl name="solidBgAcc1">
+    <dgm:scene3d>
+      <a:camera prst="orthographicFront"/>
+      <a:lightRig rig="threePt" dir="t"/>
+    </dgm:scene3d>
+    <dgm:sp3d/>
+    <dgm:txPr/>
+    <dgm:style>
+      <a:lnRef idx="2">
+        <a:scrgbClr r="0" g="0" b="0"/>
+      </a:lnRef>
+      <a:fillRef idx="1">
+        <a:scrgbClr r="0" g="0" b="0"/>
+      </a:fillRef>
+      <a:effectRef idx="0">
+        <a:scrgbClr r="0" g="0" b="0"/>
+      </a:effectRef>
+      <a:fontRef idx="minor"/>
+    </dgm:style>
+  </dgm:styleLbl>
+  <dgm:styleLbl name="fgAccFollowNode1">
+    <dgm:scene3d>
+      <a:camera prst="orthographicFront"/>
+      <a:lightRig rig="threePt" dir="t"/>
+    </dgm:scene3d>
+    <dgm:sp3d/>
+    <dgm:txPr/>
+    <dgm:style>
+      <a:lnRef idx="2">
+        <a:scrgbClr r="0" g="0" b="0"/>
+      </a:lnRef>
+      <a:fillRef idx="1">
+        <a:scrgbClr r="0" g="0" b="0"/>
+      </a:fillRef>
+      <a:effectRef idx="0">
+        <a:scrgbClr r="0" g="0" b="0"/>
+      </a:effectRef>
+      <a:fontRef idx="minor"/>
+    </dgm:style>
+  </dgm:styleLbl>
+  <dgm:styleLbl name="alignAccFollowNode1">
+    <dgm:scene3d>
+      <a:camera prst="orthographicFront"/>
+      <a:lightRig rig="threePt" dir="t"/>
+    </dgm:scene3d>
+    <dgm:sp3d/>
+    <dgm:txPr/>
+    <dgm:style>
+      <a:lnRef idx="2">
+        <a:scrgbClr r="0" g="0" b="0"/>
+      </a:lnRef>
+      <a:fillRef idx="1">
+        <a:scrgbClr r="0" g="0" b="0"/>
+      </a:fillRef>
+      <a:effectRef idx="0">
+        <a:scrgbClr r="0" g="0" b="0"/>
+      </a:effectRef>
+      <a:fontRef idx="minor"/>
+    </dgm:style>
+  </dgm:styleLbl>
+  <dgm:styleLbl name="bgAccFollowNode1">
+    <dgm:scene3d>
+      <a:camera prst="orthographicFront"/>
+      <a:lightRig rig="threePt" dir="t"/>
+    </dgm:scene3d>
+    <dgm:sp3d/>
+    <dgm:txPr/>
+    <dgm:style>
+      <a:lnRef idx="2">
+        <a:scrgbClr r="0" g="0" b="0"/>
+      </a:lnRef>
+      <a:fillRef idx="1">
+        <a:scrgbClr r="0" g="0" b="0"/>
+      </a:fillRef>
+      <a:effectRef idx="0">
+        <a:scrgbClr r="0" g="0" b="0"/>
+      </a:effectRef>
+      <a:fontRef idx="minor"/>
+    </dgm:style>
+  </dgm:styleLbl>
+  <dgm:styleLbl name="fgAcc0">
+    <dgm:scene3d>
+      <a:camera prst="orthographicFront"/>
+      <a:lightRig rig="threePt" dir="t"/>
+    </dgm:scene3d>
+    <dgm:sp3d/>
+    <dgm:txPr/>
+    <dgm:style>
+      <a:lnRef idx="2">
+        <a:scrgbClr r="0" g="0" b="0"/>
+      </a:lnRef>
+      <a:fillRef idx="1">
+        <a:scrgbClr r="0" g="0" b="0"/>
+      </a:fillRef>
+      <a:effectRef idx="0">
+        <a:scrgbClr r="0" g="0" b="0"/>
+      </a:effectRef>
+      <a:fontRef idx="minor"/>
+    </dgm:style>
+  </dgm:styleLbl>
+  <dgm:styleLbl name="fgAcc2">
+    <dgm:scene3d>
+      <a:camera prst="orthographicFront"/>
+      <a:lightRig rig="threePt" dir="t"/>
+    </dgm:scene3d>
+    <dgm:sp3d/>
+    <dgm:txPr/>
+    <dgm:style>
+      <a:lnRef idx="2">
+        <a:scrgbClr r="0" g="0" b="0"/>
+      </a:lnRef>
+      <a:fillRef idx="1">
+        <a:scrgbClr r="0" g="0" b="0"/>
+      </a:fillRef>
+      <a:effectRef idx="0">
+        <a:scrgbClr r="0" g="0" b="0"/>
+      </a:effectRef>
+      <a:fontRef idx="minor"/>
+    </dgm:style>
+  </dgm:styleLbl>
+  <dgm:styleLbl name="fgAcc3">
+    <dgm:scene3d>
+      <a:camera prst="orthographicFront"/>
+      <a:lightRig rig="threePt" dir="t"/>
+    </dgm:scene3d>
+    <dgm:sp3d/>
+    <dgm:txPr/>
+    <dgm:style>
+      <a:lnRef idx="2">
+        <a:scrgbClr r="0" g="0" b="0"/>
+      </a:lnRef>
+      <a:fillRef idx="1">
+        <a:scrgbClr r="0" g="0" b="0"/>
+      </a:fillRef>
+      <a:effectRef idx="0">
+        <a:scrgbClr r="0" g="0" b="0"/>
+      </a:effectRef>
+      <a:fontRef idx="minor"/>
+    </dgm:style>
+  </dgm:styleLbl>
+  <dgm:styleLbl name="fgAcc4">
+    <dgm:scene3d>
+      <a:camera prst="orthographicFront"/>
+      <a:lightRig rig="threePt" dir="t"/>
+    </dgm:scene3d>
+    <dgm:sp3d/>
+    <dgm:txPr/>
+    <dgm:style>
+      <a:lnRef idx="2">
+        <a:scrgbClr r="0" g="0" b="0"/>
+      </a:lnRef>
+      <a:fillRef idx="1">
+        <a:scrgbClr r="0" g="0" b="0"/>
+      </a:fillRef>
+      <a:effectRef idx="0">
+        <a:scrgbClr r="0" g="0" b="0"/>
+      </a:effectRef>
+      <a:fontRef idx="minor"/>
+    </dgm:style>
+  </dgm:styleLbl>
+  <dgm:styleLbl name="bgShp">
+    <dgm:scene3d>
+      <a:camera prst="orthographicFront"/>
+      <a:lightRig rig="threePt" dir="t"/>
+    </dgm:scene3d>
+    <dgm:sp3d/>
+    <dgm:txPr/>
+    <dgm:style>
+      <a:lnRef idx="0">
+        <a:scrgbClr r="0" g="0" b="0"/>
+      </a:lnRef>
+      <a:fillRef idx="1">
+        <a:scrgbClr r="0" g="0" b="0"/>
+      </a:fillRef>
+      <a:effectRef idx="0">
+        <a:scrgbClr r="0" g="0" b="0"/>
+      </a:effectRef>
+      <a:fontRef idx="minor"/>
+    </dgm:style>
+  </dgm:styleLbl>
+  <dgm:styleLbl name="dkBgShp">
+    <dgm:scene3d>
+      <a:camera prst="orthographicFront"/>
+      <a:lightRig rig="threePt" dir="t"/>
+    </dgm:scene3d>
+    <dgm:sp3d/>
+    <dgm:txPr/>
+    <dgm:style>
+      <a:lnRef idx="0">
+        <a:scrgbClr r="0" g="0" b="0"/>
+      </a:lnRef>
+      <a:fillRef idx="1">
+        <a:scrgbClr r="0" g="0" b="0"/>
+      </a:fillRef>
+      <a:effectRef idx="0">
+        <a:scrgbClr r="0" g="0" b="0"/>
+      </a:effectRef>
+      <a:fontRef idx="minor"/>
+    </dgm:style>
+  </dgm:styleLbl>
+  <dgm:styleLbl name="trBgShp">
+    <dgm:scene3d>
+      <a:camera prst="orthographicFront"/>
+      <a:lightRig rig="threePt" dir="t"/>
+    </dgm:scene3d>
+    <dgm:sp3d/>
+    <dgm:txPr/>
+    <dgm:style>
+      <a:lnRef idx="0">
+        <a:scrgbClr r="0" g="0" b="0"/>
+      </a:lnRef>
+      <a:fillRef idx="1">
+        <a:scrgbClr r="0" g="0" b="0"/>
+      </a:fillRef>
+      <a:effectRef idx="0">
+        <a:scrgbClr r="0" g="0" b="0"/>
+      </a:effectRef>
+      <a:fontRef idx="minor"/>
+    </dgm:style>
+  </dgm:styleLbl>
+  <dgm:styleLbl name="fgShp">
+    <dgm:scene3d>
+      <a:camera prst="orthographicFront"/>
+      <a:lightRig rig="threePt" dir="t"/>
+    </dgm:scene3d>
+    <dgm:sp3d/>
+    <dgm:txPr/>
+    <dgm:style>
+      <a:lnRef idx="2">
+        <a:scrgbClr r="0" g="0" b="0"/>
+      </a:lnRef>
+      <a:fillRef idx="1">
+        <a:scrgbClr r="0" g="0" b="0"/>
+      </a:fillRef>
+      <a:effectRef idx="0">
+        <a:scrgbClr r="0" g="0" b="0"/>
+      </a:effectRef>
+      <a:fontRef idx="minor"/>
+    </dgm:style>
+  </dgm:styleLbl>
+  <dgm:styleLbl name="revTx">
+    <dgm:scene3d>
+      <a:camera prst="orthographicFront"/>
+      <a:lightRig rig="threePt" dir="t"/>
+    </dgm:scene3d>
+    <dgm:sp3d/>
+    <dgm:txPr/>
+    <dgm:style>
+      <a:lnRef idx="0">
+        <a:scrgbClr r="0" g="0" b="0"/>
+      </a:lnRef>
+      <a:fillRef idx="0">
+        <a:scrgbClr r="0" g="0" b="0"/>
+      </a:fillRef>
+      <a:effectRef idx="0">
+        <a:scrgbClr r="0" g="0" b="0"/>
+      </a:effectRef>
+      <a:fontRef idx="minor"/>
+    </dgm:style>
+  </dgm:styleLbl>
+</dgm:styleDef>
 </file>
 
 <file path=ppt/notesMasters/notesMaster1.xml><?xml version="1.0" encoding="utf-8"?>
@@ -743,6 +3058,150 @@
 </p:notes>
 </file>
 
+<file path=ppt/notesSlides/notesSlide4.xml><?xml version="1.0" encoding="utf-8"?>
+<p:notes xmlns:a="http://schemas.openxmlformats.org/drawingml/2006/main" xmlns:r="http://schemas.openxmlformats.org/officeDocument/2006/relationships" xmlns:p="http://schemas.openxmlformats.org/presentationml/2006/main">
+  <p:cSld>
+    <p:spTree>
+      <p:nvGrpSpPr>
+        <p:cNvPr id="1" name=""/>
+        <p:cNvGrpSpPr/>
+        <p:nvPr/>
+      </p:nvGrpSpPr>
+      <p:grpSpPr>
+        <a:xfrm>
+          <a:off x="0" y="0"/>
+          <a:ext cx="0" cy="0"/>
+          <a:chOff x="0" y="0"/>
+          <a:chExt cx="0" cy="0"/>
+        </a:xfrm>
+      </p:grpSpPr>
+      <p:sp>
+        <p:nvSpPr>
+          <p:cNvPr id="2" name="Slide Image Placeholder 1"/>
+          <p:cNvSpPr>
+            <a:spLocks noGrp="1" noRot="1" noChangeAspect="1"/>
+          </p:cNvSpPr>
+          <p:nvPr>
+            <p:ph type="sldImg"/>
+          </p:nvPr>
+        </p:nvSpPr>
+        <p:spPr/>
+      </p:sp>
+      <p:sp>
+        <p:nvSpPr>
+          <p:cNvPr id="3" name="Notes Placeholder 2"/>
+          <p:cNvSpPr>
+            <a:spLocks noGrp="1"/>
+          </p:cNvSpPr>
+          <p:nvPr>
+            <p:ph type="body" idx="1"/>
+          </p:nvPr>
+        </p:nvSpPr>
+        <p:spPr/>
+        <p:txBody>
+          <a:bodyPr/>
+          <a:lstStyle/>
+          <a:p>
+            <a:endParaRPr lang="en-US" dirty="0"/>
+          </a:p>
+        </p:txBody>
+      </p:sp>
+      <p:sp>
+        <p:nvSpPr>
+          <p:cNvPr id="4" name="Slide Number Placeholder 3"/>
+          <p:cNvSpPr>
+            <a:spLocks noGrp="1"/>
+          </p:cNvSpPr>
+          <p:nvPr>
+            <p:ph type="sldNum" sz="quarter" idx="5"/>
+          </p:nvPr>
+        </p:nvSpPr>
+        <p:spPr/>
+        <p:txBody>
+          <a:bodyPr/>
+          <a:lstStyle/>
+          <a:p>
+            <a:pPr marL="0" marR="0" lvl="0" indent="0" algn="r" defTabSz="914400" rtl="0" eaLnBrk="1" fontAlgn="auto" latinLnBrk="0" hangingPunct="1">
+              <a:lnSpc>
+                <a:spcPct val="100000"/>
+              </a:lnSpc>
+              <a:spcBef>
+                <a:spcPts val="0"/>
+              </a:spcBef>
+              <a:spcAft>
+                <a:spcPts val="0"/>
+              </a:spcAft>
+              <a:buClrTx/>
+              <a:buSzTx/>
+              <a:buFontTx/>
+              <a:buNone/>
+              <a:tabLst/>
+              <a:defRPr/>
+            </a:pPr>
+            <a:fld id="{10C9D1B6-60AE-CF4F-863D-4DE16456BB9A}" type="slidenum">
+              <a:rPr kumimoji="0" lang="en-US" sz="1200" b="0" i="0" u="none" strike="noStrike" kern="1200" cap="none" spc="0" normalizeH="0" baseline="0" noProof="0" smtClean="0">
+                <a:ln>
+                  <a:noFill/>
+                </a:ln>
+                <a:solidFill>
+                  <a:prstClr val="black"/>
+                </a:solidFill>
+                <a:effectLst/>
+                <a:uLnTx/>
+                <a:uFillTx/>
+                <a:latin typeface="Calibri" panose="020F0502020204030204"/>
+                <a:ea typeface="+mn-ea"/>
+                <a:cs typeface="+mn-cs"/>
+              </a:rPr>
+              <a:pPr marL="0" marR="0" lvl="0" indent="0" algn="r" defTabSz="914400" rtl="0" eaLnBrk="1" fontAlgn="auto" latinLnBrk="0" hangingPunct="1">
+                <a:lnSpc>
+                  <a:spcPct val="100000"/>
+                </a:lnSpc>
+                <a:spcBef>
+                  <a:spcPts val="0"/>
+                </a:spcBef>
+                <a:spcAft>
+                  <a:spcPts val="0"/>
+                </a:spcAft>
+                <a:buClrTx/>
+                <a:buSzTx/>
+                <a:buFontTx/>
+                <a:buNone/>
+                <a:tabLst/>
+                <a:defRPr/>
+              </a:pPr>
+              <a:t>11</a:t>
+            </a:fld>
+            <a:endParaRPr kumimoji="0" lang="en-US" sz="1200" b="0" i="0" u="none" strike="noStrike" kern="1200" cap="none" spc="0" normalizeH="0" baseline="0" noProof="0">
+              <a:ln>
+                <a:noFill/>
+              </a:ln>
+              <a:solidFill>
+                <a:prstClr val="black"/>
+              </a:solidFill>
+              <a:effectLst/>
+              <a:uLnTx/>
+              <a:uFillTx/>
+              <a:latin typeface="Calibri" panose="020F0502020204030204"/>
+              <a:ea typeface="+mn-ea"/>
+              <a:cs typeface="+mn-cs"/>
+            </a:endParaRPr>
+          </a:p>
+        </p:txBody>
+      </p:sp>
+    </p:spTree>
+    <p:extLst>
+      <p:ext uri="{BB962C8B-B14F-4D97-AF65-F5344CB8AC3E}">
+        <p14:creationId xmlns:p14="http://schemas.microsoft.com/office/powerpoint/2010/main" val="3759537430"/>
+      </p:ext>
+    </p:extLst>
+  </p:cSld>
+  <p:clrMapOvr>
+    <a:masterClrMapping/>
+  </p:clrMapOvr>
+</p:notes>
+</file>
+
 <file path=ppt/slideLayouts/slideLayout1.xml><?xml version="1.0" encoding="utf-8"?>
 <p:sldLayout xmlns:a="http://schemas.openxmlformats.org/drawingml/2006/main" xmlns:r="http://schemas.openxmlformats.org/officeDocument/2006/relationships" xmlns:p="http://schemas.openxmlformats.org/presentationml/2006/main" showMasterSp="0" type="title" preserve="1">
   <p:cSld name="Title Slide">
@@ -1490,6 +3949,1941 @@
 </p:sldLayout>
 </file>
 
+<file path=ppt/slideLayouts/slideLayout12.xml><?xml version="1.0" encoding="utf-8"?>
+<p:sldLayout xmlns:a="http://schemas.openxmlformats.org/drawingml/2006/main" xmlns:r="http://schemas.openxmlformats.org/officeDocument/2006/relationships" xmlns:p="http://schemas.openxmlformats.org/presentationml/2006/main" type="title" preserve="1">
+  <p:cSld name="Title Slide">
+    <p:spTree>
+      <p:nvGrpSpPr>
+        <p:cNvPr id="1" name=""/>
+        <p:cNvGrpSpPr/>
+        <p:nvPr/>
+      </p:nvGrpSpPr>
+      <p:grpSpPr>
+        <a:xfrm>
+          <a:off x="0" y="0"/>
+          <a:ext cx="0" cy="0"/>
+          <a:chOff x="0" y="0"/>
+          <a:chExt cx="0" cy="0"/>
+        </a:xfrm>
+      </p:grpSpPr>
+      <p:sp>
+        <p:nvSpPr>
+          <p:cNvPr id="2" name="Title 1">
+            <a:extLst>
+              <a:ext uri="{FF2B5EF4-FFF2-40B4-BE49-F238E27FC236}">
+                <a16:creationId xmlns:a16="http://schemas.microsoft.com/office/drawing/2014/main" id="{04C2202F-3CF5-2942-AEA6-0328F84C7E3A}"/>
+              </a:ext>
+            </a:extLst>
+          </p:cNvPr>
+          <p:cNvSpPr>
+            <a:spLocks noGrp="1"/>
+          </p:cNvSpPr>
+          <p:nvPr>
+            <p:ph type="ctrTitle"/>
+          </p:nvPr>
+        </p:nvSpPr>
+        <p:spPr>
+          <a:xfrm>
+            <a:off x="1524000" y="1122363"/>
+            <a:ext cx="9144000" cy="2387600"/>
+          </a:xfrm>
+        </p:spPr>
+        <p:txBody>
+          <a:bodyPr anchor="b"/>
+          <a:lstStyle>
+            <a:lvl1pPr algn="ctr">
+              <a:defRPr sz="6000"/>
+            </a:lvl1pPr>
+          </a:lstStyle>
+          <a:p>
+            <a:r>
+              <a:rPr lang="en-US"/>
+              <a:t>Click to edit Master title style</a:t>
+            </a:r>
+          </a:p>
+        </p:txBody>
+      </p:sp>
+      <p:sp>
+        <p:nvSpPr>
+          <p:cNvPr id="3" name="Subtitle 2">
+            <a:extLst>
+              <a:ext uri="{FF2B5EF4-FFF2-40B4-BE49-F238E27FC236}">
+                <a16:creationId xmlns:a16="http://schemas.microsoft.com/office/drawing/2014/main" id="{35C8F358-AB01-9B41-8E1E-1AD2DA0DEC7D}"/>
+              </a:ext>
+            </a:extLst>
+          </p:cNvPr>
+          <p:cNvSpPr>
+            <a:spLocks noGrp="1"/>
+          </p:cNvSpPr>
+          <p:nvPr>
+            <p:ph type="subTitle" idx="1"/>
+          </p:nvPr>
+        </p:nvSpPr>
+        <p:spPr>
+          <a:xfrm>
+            <a:off x="1524000" y="3602038"/>
+            <a:ext cx="9144000" cy="1655762"/>
+          </a:xfrm>
+        </p:spPr>
+        <p:txBody>
+          <a:bodyPr/>
+          <a:lstStyle>
+            <a:lvl1pPr marL="0" indent="0" algn="ctr">
+              <a:buNone/>
+              <a:defRPr sz="2400"/>
+            </a:lvl1pPr>
+            <a:lvl2pPr marL="457200" indent="0" algn="ctr">
+              <a:buNone/>
+              <a:defRPr sz="2000"/>
+            </a:lvl2pPr>
+            <a:lvl3pPr marL="914400" indent="0" algn="ctr">
+              <a:buNone/>
+              <a:defRPr sz="1800"/>
+            </a:lvl3pPr>
+            <a:lvl4pPr marL="1371600" indent="0" algn="ctr">
+              <a:buNone/>
+              <a:defRPr sz="1600"/>
+            </a:lvl4pPr>
+            <a:lvl5pPr marL="1828800" indent="0" algn="ctr">
+              <a:buNone/>
+              <a:defRPr sz="1600"/>
+            </a:lvl5pPr>
+            <a:lvl6pPr marL="2286000" indent="0" algn="ctr">
+              <a:buNone/>
+              <a:defRPr sz="1600"/>
+            </a:lvl6pPr>
+            <a:lvl7pPr marL="2743200" indent="0" algn="ctr">
+              <a:buNone/>
+              <a:defRPr sz="1600"/>
+            </a:lvl7pPr>
+            <a:lvl8pPr marL="3200400" indent="0" algn="ctr">
+              <a:buNone/>
+              <a:defRPr sz="1600"/>
+            </a:lvl8pPr>
+            <a:lvl9pPr marL="3657600" indent="0" algn="ctr">
+              <a:buNone/>
+              <a:defRPr sz="1600"/>
+            </a:lvl9pPr>
+          </a:lstStyle>
+          <a:p>
+            <a:r>
+              <a:rPr lang="en-US"/>
+              <a:t>Click to edit Master subtitle style</a:t>
+            </a:r>
+          </a:p>
+        </p:txBody>
+      </p:sp>
+      <p:sp>
+        <p:nvSpPr>
+          <p:cNvPr id="4" name="Date Placeholder 3">
+            <a:extLst>
+              <a:ext uri="{FF2B5EF4-FFF2-40B4-BE49-F238E27FC236}">
+                <a16:creationId xmlns:a16="http://schemas.microsoft.com/office/drawing/2014/main" id="{77882F06-3EE1-5D48-8E1F-DAE0CF1DA50C}"/>
+              </a:ext>
+            </a:extLst>
+          </p:cNvPr>
+          <p:cNvSpPr>
+            <a:spLocks noGrp="1"/>
+          </p:cNvSpPr>
+          <p:nvPr>
+            <p:ph type="dt" sz="half" idx="10"/>
+          </p:nvPr>
+        </p:nvSpPr>
+        <p:spPr/>
+        <p:txBody>
+          <a:bodyPr/>
+          <a:lstStyle/>
+          <a:p>
+            <a:fld id="{DCF04831-FE79-4C48-8B5F-6128F6AE010B}" type="datetimeFigureOut">
+              <a:rPr lang="en-US" smtClean="0"/>
+              <a:t>10/4/19</a:t>
+            </a:fld>
+            <a:endParaRPr lang="en-US"/>
+          </a:p>
+        </p:txBody>
+      </p:sp>
+      <p:sp>
+        <p:nvSpPr>
+          <p:cNvPr id="5" name="Footer Placeholder 4">
+            <a:extLst>
+              <a:ext uri="{FF2B5EF4-FFF2-40B4-BE49-F238E27FC236}">
+                <a16:creationId xmlns:a16="http://schemas.microsoft.com/office/drawing/2014/main" id="{7BD6DE03-8BEF-0C49-9DC9-23DC8E3006AA}"/>
+              </a:ext>
+            </a:extLst>
+          </p:cNvPr>
+          <p:cNvSpPr>
+            <a:spLocks noGrp="1"/>
+          </p:cNvSpPr>
+          <p:nvPr>
+            <p:ph type="ftr" sz="quarter" idx="11"/>
+          </p:nvPr>
+        </p:nvSpPr>
+        <p:spPr/>
+        <p:txBody>
+          <a:bodyPr/>
+          <a:lstStyle/>
+          <a:p>
+            <a:endParaRPr lang="en-US"/>
+          </a:p>
+        </p:txBody>
+      </p:sp>
+      <p:sp>
+        <p:nvSpPr>
+          <p:cNvPr id="6" name="Slide Number Placeholder 5">
+            <a:extLst>
+              <a:ext uri="{FF2B5EF4-FFF2-40B4-BE49-F238E27FC236}">
+                <a16:creationId xmlns:a16="http://schemas.microsoft.com/office/drawing/2014/main" id="{4D9E0CBC-D893-3B47-A264-8849993C69AC}"/>
+              </a:ext>
+            </a:extLst>
+          </p:cNvPr>
+          <p:cNvSpPr>
+            <a:spLocks noGrp="1"/>
+          </p:cNvSpPr>
+          <p:nvPr>
+            <p:ph type="sldNum" sz="quarter" idx="12"/>
+          </p:nvPr>
+        </p:nvSpPr>
+        <p:spPr/>
+        <p:txBody>
+          <a:bodyPr/>
+          <a:lstStyle/>
+          <a:p>
+            <a:fld id="{C31BBD4C-C861-D646-B95A-46A5F141E02A}" type="slidenum">
+              <a:rPr lang="en-US" smtClean="0"/>
+              <a:t>‹#›</a:t>
+            </a:fld>
+            <a:endParaRPr lang="en-US"/>
+          </a:p>
+        </p:txBody>
+      </p:sp>
+    </p:spTree>
+    <p:extLst>
+      <p:ext uri="{BB962C8B-B14F-4D97-AF65-F5344CB8AC3E}">
+        <p14:creationId xmlns:p14="http://schemas.microsoft.com/office/powerpoint/2010/main" val="4204057958"/>
+      </p:ext>
+    </p:extLst>
+  </p:cSld>
+  <p:clrMapOvr>
+    <a:masterClrMapping/>
+  </p:clrMapOvr>
+</p:sldLayout>
+</file>
+
+<file path=ppt/slideLayouts/slideLayout13.xml><?xml version="1.0" encoding="utf-8"?>
+<p:sldLayout xmlns:a="http://schemas.openxmlformats.org/drawingml/2006/main" xmlns:r="http://schemas.openxmlformats.org/officeDocument/2006/relationships" xmlns:p="http://schemas.openxmlformats.org/presentationml/2006/main" type="obj" preserve="1">
+  <p:cSld name="Title and Content">
+    <p:spTree>
+      <p:nvGrpSpPr>
+        <p:cNvPr id="1" name=""/>
+        <p:cNvGrpSpPr/>
+        <p:nvPr/>
+      </p:nvGrpSpPr>
+      <p:grpSpPr>
+        <a:xfrm>
+          <a:off x="0" y="0"/>
+          <a:ext cx="0" cy="0"/>
+          <a:chOff x="0" y="0"/>
+          <a:chExt cx="0" cy="0"/>
+        </a:xfrm>
+      </p:grpSpPr>
+      <p:sp>
+        <p:nvSpPr>
+          <p:cNvPr id="2" name="Title 1">
+            <a:extLst>
+              <a:ext uri="{FF2B5EF4-FFF2-40B4-BE49-F238E27FC236}">
+                <a16:creationId xmlns:a16="http://schemas.microsoft.com/office/drawing/2014/main" id="{3112D5BC-DC2F-064C-9800-2CDE3214AE35}"/>
+              </a:ext>
+            </a:extLst>
+          </p:cNvPr>
+          <p:cNvSpPr>
+            <a:spLocks noGrp="1"/>
+          </p:cNvSpPr>
+          <p:nvPr>
+            <p:ph type="title"/>
+          </p:nvPr>
+        </p:nvSpPr>
+        <p:spPr/>
+        <p:txBody>
+          <a:bodyPr/>
+          <a:lstStyle/>
+          <a:p>
+            <a:r>
+              <a:rPr lang="en-US"/>
+              <a:t>Click to edit Master title style</a:t>
+            </a:r>
+          </a:p>
+        </p:txBody>
+      </p:sp>
+      <p:sp>
+        <p:nvSpPr>
+          <p:cNvPr id="3" name="Content Placeholder 2">
+            <a:extLst>
+              <a:ext uri="{FF2B5EF4-FFF2-40B4-BE49-F238E27FC236}">
+                <a16:creationId xmlns:a16="http://schemas.microsoft.com/office/drawing/2014/main" id="{0142F152-263A-3A46-852E-4E5B8BA2D875}"/>
+              </a:ext>
+            </a:extLst>
+          </p:cNvPr>
+          <p:cNvSpPr>
+            <a:spLocks noGrp="1"/>
+          </p:cNvSpPr>
+          <p:nvPr>
+            <p:ph idx="1"/>
+          </p:nvPr>
+        </p:nvSpPr>
+        <p:spPr/>
+        <p:txBody>
+          <a:bodyPr/>
+          <a:lstStyle/>
+          <a:p>
+            <a:pPr lvl="0"/>
+            <a:r>
+              <a:rPr lang="en-US"/>
+              <a:t>Edit Master text styles</a:t>
+            </a:r>
+          </a:p>
+          <a:p>
+            <a:pPr lvl="1"/>
+            <a:r>
+              <a:rPr lang="en-US"/>
+              <a:t>Second level</a:t>
+            </a:r>
+          </a:p>
+          <a:p>
+            <a:pPr lvl="2"/>
+            <a:r>
+              <a:rPr lang="en-US"/>
+              <a:t>Third level</a:t>
+            </a:r>
+          </a:p>
+          <a:p>
+            <a:pPr lvl="3"/>
+            <a:r>
+              <a:rPr lang="en-US"/>
+              <a:t>Fourth level</a:t>
+            </a:r>
+          </a:p>
+          <a:p>
+            <a:pPr lvl="4"/>
+            <a:r>
+              <a:rPr lang="en-US"/>
+              <a:t>Fifth level</a:t>
+            </a:r>
+          </a:p>
+        </p:txBody>
+      </p:sp>
+      <p:sp>
+        <p:nvSpPr>
+          <p:cNvPr id="4" name="Date Placeholder 3">
+            <a:extLst>
+              <a:ext uri="{FF2B5EF4-FFF2-40B4-BE49-F238E27FC236}">
+                <a16:creationId xmlns:a16="http://schemas.microsoft.com/office/drawing/2014/main" id="{F1FCA1B8-DC41-794D-96EA-8B1C96D7021A}"/>
+              </a:ext>
+            </a:extLst>
+          </p:cNvPr>
+          <p:cNvSpPr>
+            <a:spLocks noGrp="1"/>
+          </p:cNvSpPr>
+          <p:nvPr>
+            <p:ph type="dt" sz="half" idx="10"/>
+          </p:nvPr>
+        </p:nvSpPr>
+        <p:spPr/>
+        <p:txBody>
+          <a:bodyPr/>
+          <a:lstStyle/>
+          <a:p>
+            <a:fld id="{DCF04831-FE79-4C48-8B5F-6128F6AE010B}" type="datetimeFigureOut">
+              <a:rPr lang="en-US" smtClean="0"/>
+              <a:t>10/4/19</a:t>
+            </a:fld>
+            <a:endParaRPr lang="en-US"/>
+          </a:p>
+        </p:txBody>
+      </p:sp>
+      <p:sp>
+        <p:nvSpPr>
+          <p:cNvPr id="5" name="Footer Placeholder 4">
+            <a:extLst>
+              <a:ext uri="{FF2B5EF4-FFF2-40B4-BE49-F238E27FC236}">
+                <a16:creationId xmlns:a16="http://schemas.microsoft.com/office/drawing/2014/main" id="{0BB238CA-9302-0B4E-9B9D-25D920621124}"/>
+              </a:ext>
+            </a:extLst>
+          </p:cNvPr>
+          <p:cNvSpPr>
+            <a:spLocks noGrp="1"/>
+          </p:cNvSpPr>
+          <p:nvPr>
+            <p:ph type="ftr" sz="quarter" idx="11"/>
+          </p:nvPr>
+        </p:nvSpPr>
+        <p:spPr/>
+        <p:txBody>
+          <a:bodyPr/>
+          <a:lstStyle/>
+          <a:p>
+            <a:endParaRPr lang="en-US"/>
+          </a:p>
+        </p:txBody>
+      </p:sp>
+      <p:sp>
+        <p:nvSpPr>
+          <p:cNvPr id="6" name="Slide Number Placeholder 5">
+            <a:extLst>
+              <a:ext uri="{FF2B5EF4-FFF2-40B4-BE49-F238E27FC236}">
+                <a16:creationId xmlns:a16="http://schemas.microsoft.com/office/drawing/2014/main" id="{9C9E0CEA-08FD-BB40-B9A8-274C7A385C4C}"/>
+              </a:ext>
+            </a:extLst>
+          </p:cNvPr>
+          <p:cNvSpPr>
+            <a:spLocks noGrp="1"/>
+          </p:cNvSpPr>
+          <p:nvPr>
+            <p:ph type="sldNum" sz="quarter" idx="12"/>
+          </p:nvPr>
+        </p:nvSpPr>
+        <p:spPr/>
+        <p:txBody>
+          <a:bodyPr/>
+          <a:lstStyle/>
+          <a:p>
+            <a:fld id="{C31BBD4C-C861-D646-B95A-46A5F141E02A}" type="slidenum">
+              <a:rPr lang="en-US" smtClean="0"/>
+              <a:t>‹#›</a:t>
+            </a:fld>
+            <a:endParaRPr lang="en-US"/>
+          </a:p>
+        </p:txBody>
+      </p:sp>
+    </p:spTree>
+    <p:extLst>
+      <p:ext uri="{BB962C8B-B14F-4D97-AF65-F5344CB8AC3E}">
+        <p14:creationId xmlns:p14="http://schemas.microsoft.com/office/powerpoint/2010/main" val="63251042"/>
+      </p:ext>
+    </p:extLst>
+  </p:cSld>
+  <p:clrMapOvr>
+    <a:masterClrMapping/>
+  </p:clrMapOvr>
+</p:sldLayout>
+</file>
+
+<file path=ppt/slideLayouts/slideLayout14.xml><?xml version="1.0" encoding="utf-8"?>
+<p:sldLayout xmlns:a="http://schemas.openxmlformats.org/drawingml/2006/main" xmlns:r="http://schemas.openxmlformats.org/officeDocument/2006/relationships" xmlns:p="http://schemas.openxmlformats.org/presentationml/2006/main" type="secHead" preserve="1">
+  <p:cSld name="Section Header">
+    <p:spTree>
+      <p:nvGrpSpPr>
+        <p:cNvPr id="1" name=""/>
+        <p:cNvGrpSpPr/>
+        <p:nvPr/>
+      </p:nvGrpSpPr>
+      <p:grpSpPr>
+        <a:xfrm>
+          <a:off x="0" y="0"/>
+          <a:ext cx="0" cy="0"/>
+          <a:chOff x="0" y="0"/>
+          <a:chExt cx="0" cy="0"/>
+        </a:xfrm>
+      </p:grpSpPr>
+      <p:sp>
+        <p:nvSpPr>
+          <p:cNvPr id="2" name="Title 1">
+            <a:extLst>
+              <a:ext uri="{FF2B5EF4-FFF2-40B4-BE49-F238E27FC236}">
+                <a16:creationId xmlns:a16="http://schemas.microsoft.com/office/drawing/2014/main" id="{9ABA885A-35D8-174F-B6C4-8046BA665142}"/>
+              </a:ext>
+            </a:extLst>
+          </p:cNvPr>
+          <p:cNvSpPr>
+            <a:spLocks noGrp="1"/>
+          </p:cNvSpPr>
+          <p:nvPr>
+            <p:ph type="title"/>
+          </p:nvPr>
+        </p:nvSpPr>
+        <p:spPr>
+          <a:xfrm>
+            <a:off x="831850" y="1709738"/>
+            <a:ext cx="10515600" cy="2852737"/>
+          </a:xfrm>
+        </p:spPr>
+        <p:txBody>
+          <a:bodyPr anchor="b"/>
+          <a:lstStyle>
+            <a:lvl1pPr>
+              <a:defRPr sz="6000"/>
+            </a:lvl1pPr>
+          </a:lstStyle>
+          <a:p>
+            <a:r>
+              <a:rPr lang="en-US"/>
+              <a:t>Click to edit Master title style</a:t>
+            </a:r>
+          </a:p>
+        </p:txBody>
+      </p:sp>
+      <p:sp>
+        <p:nvSpPr>
+          <p:cNvPr id="3" name="Text Placeholder 2">
+            <a:extLst>
+              <a:ext uri="{FF2B5EF4-FFF2-40B4-BE49-F238E27FC236}">
+                <a16:creationId xmlns:a16="http://schemas.microsoft.com/office/drawing/2014/main" id="{EC6D68C2-0DBD-F848-AEE9-48BA10A7F280}"/>
+              </a:ext>
+            </a:extLst>
+          </p:cNvPr>
+          <p:cNvSpPr>
+            <a:spLocks noGrp="1"/>
+          </p:cNvSpPr>
+          <p:nvPr>
+            <p:ph type="body" idx="1"/>
+          </p:nvPr>
+        </p:nvSpPr>
+        <p:spPr>
+          <a:xfrm>
+            <a:off x="831850" y="4589463"/>
+            <a:ext cx="10515600" cy="1500187"/>
+          </a:xfrm>
+        </p:spPr>
+        <p:txBody>
+          <a:bodyPr/>
+          <a:lstStyle>
+            <a:lvl1pPr marL="0" indent="0">
+              <a:buNone/>
+              <a:defRPr sz="2400">
+                <a:solidFill>
+                  <a:schemeClr val="tx1">
+                    <a:tint val="75000"/>
+                  </a:schemeClr>
+                </a:solidFill>
+              </a:defRPr>
+            </a:lvl1pPr>
+            <a:lvl2pPr marL="457200" indent="0">
+              <a:buNone/>
+              <a:defRPr sz="2000">
+                <a:solidFill>
+                  <a:schemeClr val="tx1">
+                    <a:tint val="75000"/>
+                  </a:schemeClr>
+                </a:solidFill>
+              </a:defRPr>
+            </a:lvl2pPr>
+            <a:lvl3pPr marL="914400" indent="0">
+              <a:buNone/>
+              <a:defRPr sz="1800">
+                <a:solidFill>
+                  <a:schemeClr val="tx1">
+                    <a:tint val="75000"/>
+                  </a:schemeClr>
+                </a:solidFill>
+              </a:defRPr>
+            </a:lvl3pPr>
+            <a:lvl4pPr marL="1371600" indent="0">
+              <a:buNone/>
+              <a:defRPr sz="1600">
+                <a:solidFill>
+                  <a:schemeClr val="tx1">
+                    <a:tint val="75000"/>
+                  </a:schemeClr>
+                </a:solidFill>
+              </a:defRPr>
+            </a:lvl4pPr>
+            <a:lvl5pPr marL="1828800" indent="0">
+              <a:buNone/>
+              <a:defRPr sz="1600">
+                <a:solidFill>
+                  <a:schemeClr val="tx1">
+                    <a:tint val="75000"/>
+                  </a:schemeClr>
+                </a:solidFill>
+              </a:defRPr>
+            </a:lvl5pPr>
+            <a:lvl6pPr marL="2286000" indent="0">
+              <a:buNone/>
+              <a:defRPr sz="1600">
+                <a:solidFill>
+                  <a:schemeClr val="tx1">
+                    <a:tint val="75000"/>
+                  </a:schemeClr>
+                </a:solidFill>
+              </a:defRPr>
+            </a:lvl6pPr>
+            <a:lvl7pPr marL="2743200" indent="0">
+              <a:buNone/>
+              <a:defRPr sz="1600">
+                <a:solidFill>
+                  <a:schemeClr val="tx1">
+                    <a:tint val="75000"/>
+                  </a:schemeClr>
+                </a:solidFill>
+              </a:defRPr>
+            </a:lvl7pPr>
+            <a:lvl8pPr marL="3200400" indent="0">
+              <a:buNone/>
+              <a:defRPr sz="1600">
+                <a:solidFill>
+                  <a:schemeClr val="tx1">
+                    <a:tint val="75000"/>
+                  </a:schemeClr>
+                </a:solidFill>
+              </a:defRPr>
+            </a:lvl8pPr>
+            <a:lvl9pPr marL="3657600" indent="0">
+              <a:buNone/>
+              <a:defRPr sz="1600">
+                <a:solidFill>
+                  <a:schemeClr val="tx1">
+                    <a:tint val="75000"/>
+                  </a:schemeClr>
+                </a:solidFill>
+              </a:defRPr>
+            </a:lvl9pPr>
+          </a:lstStyle>
+          <a:p>
+            <a:pPr lvl="0"/>
+            <a:r>
+              <a:rPr lang="en-US"/>
+              <a:t>Edit Master text styles</a:t>
+            </a:r>
+          </a:p>
+        </p:txBody>
+      </p:sp>
+      <p:sp>
+        <p:nvSpPr>
+          <p:cNvPr id="4" name="Date Placeholder 3">
+            <a:extLst>
+              <a:ext uri="{FF2B5EF4-FFF2-40B4-BE49-F238E27FC236}">
+                <a16:creationId xmlns:a16="http://schemas.microsoft.com/office/drawing/2014/main" id="{C0706D31-C01C-E445-82B6-201EE8AF8831}"/>
+              </a:ext>
+            </a:extLst>
+          </p:cNvPr>
+          <p:cNvSpPr>
+            <a:spLocks noGrp="1"/>
+          </p:cNvSpPr>
+          <p:nvPr>
+            <p:ph type="dt" sz="half" idx="10"/>
+          </p:nvPr>
+        </p:nvSpPr>
+        <p:spPr/>
+        <p:txBody>
+          <a:bodyPr/>
+          <a:lstStyle/>
+          <a:p>
+            <a:fld id="{DCF04831-FE79-4C48-8B5F-6128F6AE010B}" type="datetimeFigureOut">
+              <a:rPr lang="en-US" smtClean="0"/>
+              <a:t>10/4/19</a:t>
+            </a:fld>
+            <a:endParaRPr lang="en-US"/>
+          </a:p>
+        </p:txBody>
+      </p:sp>
+      <p:sp>
+        <p:nvSpPr>
+          <p:cNvPr id="5" name="Footer Placeholder 4">
+            <a:extLst>
+              <a:ext uri="{FF2B5EF4-FFF2-40B4-BE49-F238E27FC236}">
+                <a16:creationId xmlns:a16="http://schemas.microsoft.com/office/drawing/2014/main" id="{74A4627A-BC05-374E-BB9B-09F5455EE957}"/>
+              </a:ext>
+            </a:extLst>
+          </p:cNvPr>
+          <p:cNvSpPr>
+            <a:spLocks noGrp="1"/>
+          </p:cNvSpPr>
+          <p:nvPr>
+            <p:ph type="ftr" sz="quarter" idx="11"/>
+          </p:nvPr>
+        </p:nvSpPr>
+        <p:spPr/>
+        <p:txBody>
+          <a:bodyPr/>
+          <a:lstStyle/>
+          <a:p>
+            <a:endParaRPr lang="en-US"/>
+          </a:p>
+        </p:txBody>
+      </p:sp>
+      <p:sp>
+        <p:nvSpPr>
+          <p:cNvPr id="6" name="Slide Number Placeholder 5">
+            <a:extLst>
+              <a:ext uri="{FF2B5EF4-FFF2-40B4-BE49-F238E27FC236}">
+                <a16:creationId xmlns:a16="http://schemas.microsoft.com/office/drawing/2014/main" id="{F70B6674-79D4-D14B-8F30-A99D65D8B829}"/>
+              </a:ext>
+            </a:extLst>
+          </p:cNvPr>
+          <p:cNvSpPr>
+            <a:spLocks noGrp="1"/>
+          </p:cNvSpPr>
+          <p:nvPr>
+            <p:ph type="sldNum" sz="quarter" idx="12"/>
+          </p:nvPr>
+        </p:nvSpPr>
+        <p:spPr/>
+        <p:txBody>
+          <a:bodyPr/>
+          <a:lstStyle/>
+          <a:p>
+            <a:fld id="{C31BBD4C-C861-D646-B95A-46A5F141E02A}" type="slidenum">
+              <a:rPr lang="en-US" smtClean="0"/>
+              <a:t>‹#›</a:t>
+            </a:fld>
+            <a:endParaRPr lang="en-US"/>
+          </a:p>
+        </p:txBody>
+      </p:sp>
+    </p:spTree>
+    <p:extLst>
+      <p:ext uri="{BB962C8B-B14F-4D97-AF65-F5344CB8AC3E}">
+        <p14:creationId xmlns:p14="http://schemas.microsoft.com/office/powerpoint/2010/main" val="3176641433"/>
+      </p:ext>
+    </p:extLst>
+  </p:cSld>
+  <p:clrMapOvr>
+    <a:masterClrMapping/>
+  </p:clrMapOvr>
+</p:sldLayout>
+</file>
+
+<file path=ppt/slideLayouts/slideLayout15.xml><?xml version="1.0" encoding="utf-8"?>
+<p:sldLayout xmlns:a="http://schemas.openxmlformats.org/drawingml/2006/main" xmlns:r="http://schemas.openxmlformats.org/officeDocument/2006/relationships" xmlns:p="http://schemas.openxmlformats.org/presentationml/2006/main" type="twoObj" preserve="1">
+  <p:cSld name="Two Content">
+    <p:spTree>
+      <p:nvGrpSpPr>
+        <p:cNvPr id="1" name=""/>
+        <p:cNvGrpSpPr/>
+        <p:nvPr/>
+      </p:nvGrpSpPr>
+      <p:grpSpPr>
+        <a:xfrm>
+          <a:off x="0" y="0"/>
+          <a:ext cx="0" cy="0"/>
+          <a:chOff x="0" y="0"/>
+          <a:chExt cx="0" cy="0"/>
+        </a:xfrm>
+      </p:grpSpPr>
+      <p:sp>
+        <p:nvSpPr>
+          <p:cNvPr id="2" name="Title 1">
+            <a:extLst>
+              <a:ext uri="{FF2B5EF4-FFF2-40B4-BE49-F238E27FC236}">
+                <a16:creationId xmlns:a16="http://schemas.microsoft.com/office/drawing/2014/main" id="{33F350DA-91CD-5D4C-808F-5C17D1110B94}"/>
+              </a:ext>
+            </a:extLst>
+          </p:cNvPr>
+          <p:cNvSpPr>
+            <a:spLocks noGrp="1"/>
+          </p:cNvSpPr>
+          <p:nvPr>
+            <p:ph type="title"/>
+          </p:nvPr>
+        </p:nvSpPr>
+        <p:spPr/>
+        <p:txBody>
+          <a:bodyPr/>
+          <a:lstStyle/>
+          <a:p>
+            <a:r>
+              <a:rPr lang="en-US"/>
+              <a:t>Click to edit Master title style</a:t>
+            </a:r>
+          </a:p>
+        </p:txBody>
+      </p:sp>
+      <p:sp>
+        <p:nvSpPr>
+          <p:cNvPr id="3" name="Content Placeholder 2">
+            <a:extLst>
+              <a:ext uri="{FF2B5EF4-FFF2-40B4-BE49-F238E27FC236}">
+                <a16:creationId xmlns:a16="http://schemas.microsoft.com/office/drawing/2014/main" id="{F69AEFE7-1618-B942-9F75-519E5D7CE489}"/>
+              </a:ext>
+            </a:extLst>
+          </p:cNvPr>
+          <p:cNvSpPr>
+            <a:spLocks noGrp="1"/>
+          </p:cNvSpPr>
+          <p:nvPr>
+            <p:ph sz="half" idx="1"/>
+          </p:nvPr>
+        </p:nvSpPr>
+        <p:spPr>
+          <a:xfrm>
+            <a:off x="838200" y="1825625"/>
+            <a:ext cx="5181600" cy="4351338"/>
+          </a:xfrm>
+        </p:spPr>
+        <p:txBody>
+          <a:bodyPr/>
+          <a:lstStyle/>
+          <a:p>
+            <a:pPr lvl="0"/>
+            <a:r>
+              <a:rPr lang="en-US"/>
+              <a:t>Edit Master text styles</a:t>
+            </a:r>
+          </a:p>
+          <a:p>
+            <a:pPr lvl="1"/>
+            <a:r>
+              <a:rPr lang="en-US"/>
+              <a:t>Second level</a:t>
+            </a:r>
+          </a:p>
+          <a:p>
+            <a:pPr lvl="2"/>
+            <a:r>
+              <a:rPr lang="en-US"/>
+              <a:t>Third level</a:t>
+            </a:r>
+          </a:p>
+          <a:p>
+            <a:pPr lvl="3"/>
+            <a:r>
+              <a:rPr lang="en-US"/>
+              <a:t>Fourth level</a:t>
+            </a:r>
+          </a:p>
+          <a:p>
+            <a:pPr lvl="4"/>
+            <a:r>
+              <a:rPr lang="en-US"/>
+              <a:t>Fifth level</a:t>
+            </a:r>
+          </a:p>
+        </p:txBody>
+      </p:sp>
+      <p:sp>
+        <p:nvSpPr>
+          <p:cNvPr id="4" name="Content Placeholder 3">
+            <a:extLst>
+              <a:ext uri="{FF2B5EF4-FFF2-40B4-BE49-F238E27FC236}">
+                <a16:creationId xmlns:a16="http://schemas.microsoft.com/office/drawing/2014/main" id="{6AE1289D-9D13-F144-B072-ABE467FB364C}"/>
+              </a:ext>
+            </a:extLst>
+          </p:cNvPr>
+          <p:cNvSpPr>
+            <a:spLocks noGrp="1"/>
+          </p:cNvSpPr>
+          <p:nvPr>
+            <p:ph sz="half" idx="2"/>
+          </p:nvPr>
+        </p:nvSpPr>
+        <p:spPr>
+          <a:xfrm>
+            <a:off x="6172200" y="1825625"/>
+            <a:ext cx="5181600" cy="4351338"/>
+          </a:xfrm>
+        </p:spPr>
+        <p:txBody>
+          <a:bodyPr/>
+          <a:lstStyle/>
+          <a:p>
+            <a:pPr lvl="0"/>
+            <a:r>
+              <a:rPr lang="en-US"/>
+              <a:t>Edit Master text styles</a:t>
+            </a:r>
+          </a:p>
+          <a:p>
+            <a:pPr lvl="1"/>
+            <a:r>
+              <a:rPr lang="en-US"/>
+              <a:t>Second level</a:t>
+            </a:r>
+          </a:p>
+          <a:p>
+            <a:pPr lvl="2"/>
+            <a:r>
+              <a:rPr lang="en-US"/>
+              <a:t>Third level</a:t>
+            </a:r>
+          </a:p>
+          <a:p>
+            <a:pPr lvl="3"/>
+            <a:r>
+              <a:rPr lang="en-US"/>
+              <a:t>Fourth level</a:t>
+            </a:r>
+          </a:p>
+          <a:p>
+            <a:pPr lvl="4"/>
+            <a:r>
+              <a:rPr lang="en-US"/>
+              <a:t>Fifth level</a:t>
+            </a:r>
+          </a:p>
+        </p:txBody>
+      </p:sp>
+      <p:sp>
+        <p:nvSpPr>
+          <p:cNvPr id="5" name="Date Placeholder 4">
+            <a:extLst>
+              <a:ext uri="{FF2B5EF4-FFF2-40B4-BE49-F238E27FC236}">
+                <a16:creationId xmlns:a16="http://schemas.microsoft.com/office/drawing/2014/main" id="{BB304373-E969-B541-A704-C9400C191DD5}"/>
+              </a:ext>
+            </a:extLst>
+          </p:cNvPr>
+          <p:cNvSpPr>
+            <a:spLocks noGrp="1"/>
+          </p:cNvSpPr>
+          <p:nvPr>
+            <p:ph type="dt" sz="half" idx="10"/>
+          </p:nvPr>
+        </p:nvSpPr>
+        <p:spPr/>
+        <p:txBody>
+          <a:bodyPr/>
+          <a:lstStyle/>
+          <a:p>
+            <a:fld id="{DCF04831-FE79-4C48-8B5F-6128F6AE010B}" type="datetimeFigureOut">
+              <a:rPr lang="en-US" smtClean="0"/>
+              <a:t>10/4/19</a:t>
+            </a:fld>
+            <a:endParaRPr lang="en-US"/>
+          </a:p>
+        </p:txBody>
+      </p:sp>
+      <p:sp>
+        <p:nvSpPr>
+          <p:cNvPr id="6" name="Footer Placeholder 5">
+            <a:extLst>
+              <a:ext uri="{FF2B5EF4-FFF2-40B4-BE49-F238E27FC236}">
+                <a16:creationId xmlns:a16="http://schemas.microsoft.com/office/drawing/2014/main" id="{BB78424E-15BD-E042-9C9C-242680C4184B}"/>
+              </a:ext>
+            </a:extLst>
+          </p:cNvPr>
+          <p:cNvSpPr>
+            <a:spLocks noGrp="1"/>
+          </p:cNvSpPr>
+          <p:nvPr>
+            <p:ph type="ftr" sz="quarter" idx="11"/>
+          </p:nvPr>
+        </p:nvSpPr>
+        <p:spPr/>
+        <p:txBody>
+          <a:bodyPr/>
+          <a:lstStyle/>
+          <a:p>
+            <a:endParaRPr lang="en-US"/>
+          </a:p>
+        </p:txBody>
+      </p:sp>
+      <p:sp>
+        <p:nvSpPr>
+          <p:cNvPr id="7" name="Slide Number Placeholder 6">
+            <a:extLst>
+              <a:ext uri="{FF2B5EF4-FFF2-40B4-BE49-F238E27FC236}">
+                <a16:creationId xmlns:a16="http://schemas.microsoft.com/office/drawing/2014/main" id="{FDA5F297-2230-464D-8E29-C297690338F3}"/>
+              </a:ext>
+            </a:extLst>
+          </p:cNvPr>
+          <p:cNvSpPr>
+            <a:spLocks noGrp="1"/>
+          </p:cNvSpPr>
+          <p:nvPr>
+            <p:ph type="sldNum" sz="quarter" idx="12"/>
+          </p:nvPr>
+        </p:nvSpPr>
+        <p:spPr/>
+        <p:txBody>
+          <a:bodyPr/>
+          <a:lstStyle/>
+          <a:p>
+            <a:fld id="{C31BBD4C-C861-D646-B95A-46A5F141E02A}" type="slidenum">
+              <a:rPr lang="en-US" smtClean="0"/>
+              <a:t>‹#›</a:t>
+            </a:fld>
+            <a:endParaRPr lang="en-US"/>
+          </a:p>
+        </p:txBody>
+      </p:sp>
+    </p:spTree>
+    <p:extLst>
+      <p:ext uri="{BB962C8B-B14F-4D97-AF65-F5344CB8AC3E}">
+        <p14:creationId xmlns:p14="http://schemas.microsoft.com/office/powerpoint/2010/main" val="2029827810"/>
+      </p:ext>
+    </p:extLst>
+  </p:cSld>
+  <p:clrMapOvr>
+    <a:masterClrMapping/>
+  </p:clrMapOvr>
+</p:sldLayout>
+</file>
+
+<file path=ppt/slideLayouts/slideLayout16.xml><?xml version="1.0" encoding="utf-8"?>
+<p:sldLayout xmlns:a="http://schemas.openxmlformats.org/drawingml/2006/main" xmlns:r="http://schemas.openxmlformats.org/officeDocument/2006/relationships" xmlns:p="http://schemas.openxmlformats.org/presentationml/2006/main" type="twoTxTwoObj" preserve="1">
+  <p:cSld name="Comparison">
+    <p:spTree>
+      <p:nvGrpSpPr>
+        <p:cNvPr id="1" name=""/>
+        <p:cNvGrpSpPr/>
+        <p:nvPr/>
+      </p:nvGrpSpPr>
+      <p:grpSpPr>
+        <a:xfrm>
+          <a:off x="0" y="0"/>
+          <a:ext cx="0" cy="0"/>
+          <a:chOff x="0" y="0"/>
+          <a:chExt cx="0" cy="0"/>
+        </a:xfrm>
+      </p:grpSpPr>
+      <p:sp>
+        <p:nvSpPr>
+          <p:cNvPr id="2" name="Title 1">
+            <a:extLst>
+              <a:ext uri="{FF2B5EF4-FFF2-40B4-BE49-F238E27FC236}">
+                <a16:creationId xmlns:a16="http://schemas.microsoft.com/office/drawing/2014/main" id="{8ACA76ED-41DC-9449-A0E1-A40052082F67}"/>
+              </a:ext>
+            </a:extLst>
+          </p:cNvPr>
+          <p:cNvSpPr>
+            <a:spLocks noGrp="1"/>
+          </p:cNvSpPr>
+          <p:nvPr>
+            <p:ph type="title"/>
+          </p:nvPr>
+        </p:nvSpPr>
+        <p:spPr>
+          <a:xfrm>
+            <a:off x="839788" y="365125"/>
+            <a:ext cx="10515600" cy="1325563"/>
+          </a:xfrm>
+        </p:spPr>
+        <p:txBody>
+          <a:bodyPr/>
+          <a:lstStyle/>
+          <a:p>
+            <a:r>
+              <a:rPr lang="en-US"/>
+              <a:t>Click to edit Master title style</a:t>
+            </a:r>
+          </a:p>
+        </p:txBody>
+      </p:sp>
+      <p:sp>
+        <p:nvSpPr>
+          <p:cNvPr id="3" name="Text Placeholder 2">
+            <a:extLst>
+              <a:ext uri="{FF2B5EF4-FFF2-40B4-BE49-F238E27FC236}">
+                <a16:creationId xmlns:a16="http://schemas.microsoft.com/office/drawing/2014/main" id="{4780F8B5-3CED-404E-BCA2-71BDFCAEEFA3}"/>
+              </a:ext>
+            </a:extLst>
+          </p:cNvPr>
+          <p:cNvSpPr>
+            <a:spLocks noGrp="1"/>
+          </p:cNvSpPr>
+          <p:nvPr>
+            <p:ph type="body" idx="1"/>
+          </p:nvPr>
+        </p:nvSpPr>
+        <p:spPr>
+          <a:xfrm>
+            <a:off x="839788" y="1681163"/>
+            <a:ext cx="5157787" cy="823912"/>
+          </a:xfrm>
+        </p:spPr>
+        <p:txBody>
+          <a:bodyPr anchor="b"/>
+          <a:lstStyle>
+            <a:lvl1pPr marL="0" indent="0">
+              <a:buNone/>
+              <a:defRPr sz="2400" b="1"/>
+            </a:lvl1pPr>
+            <a:lvl2pPr marL="457200" indent="0">
+              <a:buNone/>
+              <a:defRPr sz="2000" b="1"/>
+            </a:lvl2pPr>
+            <a:lvl3pPr marL="914400" indent="0">
+              <a:buNone/>
+              <a:defRPr sz="1800" b="1"/>
+            </a:lvl3pPr>
+            <a:lvl4pPr marL="1371600" indent="0">
+              <a:buNone/>
+              <a:defRPr sz="1600" b="1"/>
+            </a:lvl4pPr>
+            <a:lvl5pPr marL="1828800" indent="0">
+              <a:buNone/>
+              <a:defRPr sz="1600" b="1"/>
+            </a:lvl5pPr>
+            <a:lvl6pPr marL="2286000" indent="0">
+              <a:buNone/>
+              <a:defRPr sz="1600" b="1"/>
+            </a:lvl6pPr>
+            <a:lvl7pPr marL="2743200" indent="0">
+              <a:buNone/>
+              <a:defRPr sz="1600" b="1"/>
+            </a:lvl7pPr>
+            <a:lvl8pPr marL="3200400" indent="0">
+              <a:buNone/>
+              <a:defRPr sz="1600" b="1"/>
+            </a:lvl8pPr>
+            <a:lvl9pPr marL="3657600" indent="0">
+              <a:buNone/>
+              <a:defRPr sz="1600" b="1"/>
+            </a:lvl9pPr>
+          </a:lstStyle>
+          <a:p>
+            <a:pPr lvl="0"/>
+            <a:r>
+              <a:rPr lang="en-US"/>
+              <a:t>Edit Master text styles</a:t>
+            </a:r>
+          </a:p>
+        </p:txBody>
+      </p:sp>
+      <p:sp>
+        <p:nvSpPr>
+          <p:cNvPr id="4" name="Content Placeholder 3">
+            <a:extLst>
+              <a:ext uri="{FF2B5EF4-FFF2-40B4-BE49-F238E27FC236}">
+                <a16:creationId xmlns:a16="http://schemas.microsoft.com/office/drawing/2014/main" id="{56BB10C8-02D3-E04B-A28E-88AF67C1A94B}"/>
+              </a:ext>
+            </a:extLst>
+          </p:cNvPr>
+          <p:cNvSpPr>
+            <a:spLocks noGrp="1"/>
+          </p:cNvSpPr>
+          <p:nvPr>
+            <p:ph sz="half" idx="2"/>
+          </p:nvPr>
+        </p:nvSpPr>
+        <p:spPr>
+          <a:xfrm>
+            <a:off x="839788" y="2505075"/>
+            <a:ext cx="5157787" cy="3684588"/>
+          </a:xfrm>
+        </p:spPr>
+        <p:txBody>
+          <a:bodyPr/>
+          <a:lstStyle/>
+          <a:p>
+            <a:pPr lvl="0"/>
+            <a:r>
+              <a:rPr lang="en-US"/>
+              <a:t>Edit Master text styles</a:t>
+            </a:r>
+          </a:p>
+          <a:p>
+            <a:pPr lvl="1"/>
+            <a:r>
+              <a:rPr lang="en-US"/>
+              <a:t>Second level</a:t>
+            </a:r>
+          </a:p>
+          <a:p>
+            <a:pPr lvl="2"/>
+            <a:r>
+              <a:rPr lang="en-US"/>
+              <a:t>Third level</a:t>
+            </a:r>
+          </a:p>
+          <a:p>
+            <a:pPr lvl="3"/>
+            <a:r>
+              <a:rPr lang="en-US"/>
+              <a:t>Fourth level</a:t>
+            </a:r>
+          </a:p>
+          <a:p>
+            <a:pPr lvl="4"/>
+            <a:r>
+              <a:rPr lang="en-US"/>
+              <a:t>Fifth level</a:t>
+            </a:r>
+          </a:p>
+        </p:txBody>
+      </p:sp>
+      <p:sp>
+        <p:nvSpPr>
+          <p:cNvPr id="5" name="Text Placeholder 4">
+            <a:extLst>
+              <a:ext uri="{FF2B5EF4-FFF2-40B4-BE49-F238E27FC236}">
+                <a16:creationId xmlns:a16="http://schemas.microsoft.com/office/drawing/2014/main" id="{A677D2CD-9E35-0149-9113-D1E85A132759}"/>
+              </a:ext>
+            </a:extLst>
+          </p:cNvPr>
+          <p:cNvSpPr>
+            <a:spLocks noGrp="1"/>
+          </p:cNvSpPr>
+          <p:nvPr>
+            <p:ph type="body" sz="quarter" idx="3"/>
+          </p:nvPr>
+        </p:nvSpPr>
+        <p:spPr>
+          <a:xfrm>
+            <a:off x="6172200" y="1681163"/>
+            <a:ext cx="5183188" cy="823912"/>
+          </a:xfrm>
+        </p:spPr>
+        <p:txBody>
+          <a:bodyPr anchor="b"/>
+          <a:lstStyle>
+            <a:lvl1pPr marL="0" indent="0">
+              <a:buNone/>
+              <a:defRPr sz="2400" b="1"/>
+            </a:lvl1pPr>
+            <a:lvl2pPr marL="457200" indent="0">
+              <a:buNone/>
+              <a:defRPr sz="2000" b="1"/>
+            </a:lvl2pPr>
+            <a:lvl3pPr marL="914400" indent="0">
+              <a:buNone/>
+              <a:defRPr sz="1800" b="1"/>
+            </a:lvl3pPr>
+            <a:lvl4pPr marL="1371600" indent="0">
+              <a:buNone/>
+              <a:defRPr sz="1600" b="1"/>
+            </a:lvl4pPr>
+            <a:lvl5pPr marL="1828800" indent="0">
+              <a:buNone/>
+              <a:defRPr sz="1600" b="1"/>
+            </a:lvl5pPr>
+            <a:lvl6pPr marL="2286000" indent="0">
+              <a:buNone/>
+              <a:defRPr sz="1600" b="1"/>
+            </a:lvl6pPr>
+            <a:lvl7pPr marL="2743200" indent="0">
+              <a:buNone/>
+              <a:defRPr sz="1600" b="1"/>
+            </a:lvl7pPr>
+            <a:lvl8pPr marL="3200400" indent="0">
+              <a:buNone/>
+              <a:defRPr sz="1600" b="1"/>
+            </a:lvl8pPr>
+            <a:lvl9pPr marL="3657600" indent="0">
+              <a:buNone/>
+              <a:defRPr sz="1600" b="1"/>
+            </a:lvl9pPr>
+          </a:lstStyle>
+          <a:p>
+            <a:pPr lvl="0"/>
+            <a:r>
+              <a:rPr lang="en-US"/>
+              <a:t>Edit Master text styles</a:t>
+            </a:r>
+          </a:p>
+        </p:txBody>
+      </p:sp>
+      <p:sp>
+        <p:nvSpPr>
+          <p:cNvPr id="6" name="Content Placeholder 5">
+            <a:extLst>
+              <a:ext uri="{FF2B5EF4-FFF2-40B4-BE49-F238E27FC236}">
+                <a16:creationId xmlns:a16="http://schemas.microsoft.com/office/drawing/2014/main" id="{FC3937DC-FD26-934F-8BC6-B133FDE68FFD}"/>
+              </a:ext>
+            </a:extLst>
+          </p:cNvPr>
+          <p:cNvSpPr>
+            <a:spLocks noGrp="1"/>
+          </p:cNvSpPr>
+          <p:nvPr>
+            <p:ph sz="quarter" idx="4"/>
+          </p:nvPr>
+        </p:nvSpPr>
+        <p:spPr>
+          <a:xfrm>
+            <a:off x="6172200" y="2505075"/>
+            <a:ext cx="5183188" cy="3684588"/>
+          </a:xfrm>
+        </p:spPr>
+        <p:txBody>
+          <a:bodyPr/>
+          <a:lstStyle/>
+          <a:p>
+            <a:pPr lvl="0"/>
+            <a:r>
+              <a:rPr lang="en-US"/>
+              <a:t>Edit Master text styles</a:t>
+            </a:r>
+          </a:p>
+          <a:p>
+            <a:pPr lvl="1"/>
+            <a:r>
+              <a:rPr lang="en-US"/>
+              <a:t>Second level</a:t>
+            </a:r>
+          </a:p>
+          <a:p>
+            <a:pPr lvl="2"/>
+            <a:r>
+              <a:rPr lang="en-US"/>
+              <a:t>Third level</a:t>
+            </a:r>
+          </a:p>
+          <a:p>
+            <a:pPr lvl="3"/>
+            <a:r>
+              <a:rPr lang="en-US"/>
+              <a:t>Fourth level</a:t>
+            </a:r>
+          </a:p>
+          <a:p>
+            <a:pPr lvl="4"/>
+            <a:r>
+              <a:rPr lang="en-US"/>
+              <a:t>Fifth level</a:t>
+            </a:r>
+          </a:p>
+        </p:txBody>
+      </p:sp>
+      <p:sp>
+        <p:nvSpPr>
+          <p:cNvPr id="7" name="Date Placeholder 6">
+            <a:extLst>
+              <a:ext uri="{FF2B5EF4-FFF2-40B4-BE49-F238E27FC236}">
+                <a16:creationId xmlns:a16="http://schemas.microsoft.com/office/drawing/2014/main" id="{9D9AA12D-A0BC-B740-913F-AF3B84021B2E}"/>
+              </a:ext>
+            </a:extLst>
+          </p:cNvPr>
+          <p:cNvSpPr>
+            <a:spLocks noGrp="1"/>
+          </p:cNvSpPr>
+          <p:nvPr>
+            <p:ph type="dt" sz="half" idx="10"/>
+          </p:nvPr>
+        </p:nvSpPr>
+        <p:spPr/>
+        <p:txBody>
+          <a:bodyPr/>
+          <a:lstStyle/>
+          <a:p>
+            <a:fld id="{DCF04831-FE79-4C48-8B5F-6128F6AE010B}" type="datetimeFigureOut">
+              <a:rPr lang="en-US" smtClean="0"/>
+              <a:t>10/4/19</a:t>
+            </a:fld>
+            <a:endParaRPr lang="en-US"/>
+          </a:p>
+        </p:txBody>
+      </p:sp>
+      <p:sp>
+        <p:nvSpPr>
+          <p:cNvPr id="8" name="Footer Placeholder 7">
+            <a:extLst>
+              <a:ext uri="{FF2B5EF4-FFF2-40B4-BE49-F238E27FC236}">
+                <a16:creationId xmlns:a16="http://schemas.microsoft.com/office/drawing/2014/main" id="{246432B3-9901-0B4A-A33A-1DB02DE10416}"/>
+              </a:ext>
+            </a:extLst>
+          </p:cNvPr>
+          <p:cNvSpPr>
+            <a:spLocks noGrp="1"/>
+          </p:cNvSpPr>
+          <p:nvPr>
+            <p:ph type="ftr" sz="quarter" idx="11"/>
+          </p:nvPr>
+        </p:nvSpPr>
+        <p:spPr/>
+        <p:txBody>
+          <a:bodyPr/>
+          <a:lstStyle/>
+          <a:p>
+            <a:endParaRPr lang="en-US"/>
+          </a:p>
+        </p:txBody>
+      </p:sp>
+      <p:sp>
+        <p:nvSpPr>
+          <p:cNvPr id="9" name="Slide Number Placeholder 8">
+            <a:extLst>
+              <a:ext uri="{FF2B5EF4-FFF2-40B4-BE49-F238E27FC236}">
+                <a16:creationId xmlns:a16="http://schemas.microsoft.com/office/drawing/2014/main" id="{D340C05B-6BF9-0444-B9EC-2D917BFCA2B8}"/>
+              </a:ext>
+            </a:extLst>
+          </p:cNvPr>
+          <p:cNvSpPr>
+            <a:spLocks noGrp="1"/>
+          </p:cNvSpPr>
+          <p:nvPr>
+            <p:ph type="sldNum" sz="quarter" idx="12"/>
+          </p:nvPr>
+        </p:nvSpPr>
+        <p:spPr/>
+        <p:txBody>
+          <a:bodyPr/>
+          <a:lstStyle/>
+          <a:p>
+            <a:fld id="{C31BBD4C-C861-D646-B95A-46A5F141E02A}" type="slidenum">
+              <a:rPr lang="en-US" smtClean="0"/>
+              <a:t>‹#›</a:t>
+            </a:fld>
+            <a:endParaRPr lang="en-US"/>
+          </a:p>
+        </p:txBody>
+      </p:sp>
+    </p:spTree>
+    <p:extLst>
+      <p:ext uri="{BB962C8B-B14F-4D97-AF65-F5344CB8AC3E}">
+        <p14:creationId xmlns:p14="http://schemas.microsoft.com/office/powerpoint/2010/main" val="1591316749"/>
+      </p:ext>
+    </p:extLst>
+  </p:cSld>
+  <p:clrMapOvr>
+    <a:masterClrMapping/>
+  </p:clrMapOvr>
+</p:sldLayout>
+</file>
+
+<file path=ppt/slideLayouts/slideLayout17.xml><?xml version="1.0" encoding="utf-8"?>
+<p:sldLayout xmlns:a="http://schemas.openxmlformats.org/drawingml/2006/main" xmlns:r="http://schemas.openxmlformats.org/officeDocument/2006/relationships" xmlns:p="http://schemas.openxmlformats.org/presentationml/2006/main" type="titleOnly" preserve="1">
+  <p:cSld name="Title Only">
+    <p:spTree>
+      <p:nvGrpSpPr>
+        <p:cNvPr id="1" name=""/>
+        <p:cNvGrpSpPr/>
+        <p:nvPr/>
+      </p:nvGrpSpPr>
+      <p:grpSpPr>
+        <a:xfrm>
+          <a:off x="0" y="0"/>
+          <a:ext cx="0" cy="0"/>
+          <a:chOff x="0" y="0"/>
+          <a:chExt cx="0" cy="0"/>
+        </a:xfrm>
+      </p:grpSpPr>
+      <p:sp>
+        <p:nvSpPr>
+          <p:cNvPr id="2" name="Title 1">
+            <a:extLst>
+              <a:ext uri="{FF2B5EF4-FFF2-40B4-BE49-F238E27FC236}">
+                <a16:creationId xmlns:a16="http://schemas.microsoft.com/office/drawing/2014/main" id="{07F9C635-F355-5A47-9236-BD7289164473}"/>
+              </a:ext>
+            </a:extLst>
+          </p:cNvPr>
+          <p:cNvSpPr>
+            <a:spLocks noGrp="1"/>
+          </p:cNvSpPr>
+          <p:nvPr>
+            <p:ph type="title"/>
+          </p:nvPr>
+        </p:nvSpPr>
+        <p:spPr/>
+        <p:txBody>
+          <a:bodyPr/>
+          <a:lstStyle/>
+          <a:p>
+            <a:r>
+              <a:rPr lang="en-US"/>
+              <a:t>Click to edit Master title style</a:t>
+            </a:r>
+          </a:p>
+        </p:txBody>
+      </p:sp>
+      <p:sp>
+        <p:nvSpPr>
+          <p:cNvPr id="3" name="Date Placeholder 2">
+            <a:extLst>
+              <a:ext uri="{FF2B5EF4-FFF2-40B4-BE49-F238E27FC236}">
+                <a16:creationId xmlns:a16="http://schemas.microsoft.com/office/drawing/2014/main" id="{1433F1BA-B488-1E48-ADF3-0A25AEEC9885}"/>
+              </a:ext>
+            </a:extLst>
+          </p:cNvPr>
+          <p:cNvSpPr>
+            <a:spLocks noGrp="1"/>
+          </p:cNvSpPr>
+          <p:nvPr>
+            <p:ph type="dt" sz="half" idx="10"/>
+          </p:nvPr>
+        </p:nvSpPr>
+        <p:spPr/>
+        <p:txBody>
+          <a:bodyPr/>
+          <a:lstStyle/>
+          <a:p>
+            <a:fld id="{DCF04831-FE79-4C48-8B5F-6128F6AE010B}" type="datetimeFigureOut">
+              <a:rPr lang="en-US" smtClean="0"/>
+              <a:t>10/4/19</a:t>
+            </a:fld>
+            <a:endParaRPr lang="en-US"/>
+          </a:p>
+        </p:txBody>
+      </p:sp>
+      <p:sp>
+        <p:nvSpPr>
+          <p:cNvPr id="4" name="Footer Placeholder 3">
+            <a:extLst>
+              <a:ext uri="{FF2B5EF4-FFF2-40B4-BE49-F238E27FC236}">
+                <a16:creationId xmlns:a16="http://schemas.microsoft.com/office/drawing/2014/main" id="{09C0274D-70BC-5A42-9165-53C1C7DA090B}"/>
+              </a:ext>
+            </a:extLst>
+          </p:cNvPr>
+          <p:cNvSpPr>
+            <a:spLocks noGrp="1"/>
+          </p:cNvSpPr>
+          <p:nvPr>
+            <p:ph type="ftr" sz="quarter" idx="11"/>
+          </p:nvPr>
+        </p:nvSpPr>
+        <p:spPr/>
+        <p:txBody>
+          <a:bodyPr/>
+          <a:lstStyle/>
+          <a:p>
+            <a:endParaRPr lang="en-US"/>
+          </a:p>
+        </p:txBody>
+      </p:sp>
+      <p:sp>
+        <p:nvSpPr>
+          <p:cNvPr id="5" name="Slide Number Placeholder 4">
+            <a:extLst>
+              <a:ext uri="{FF2B5EF4-FFF2-40B4-BE49-F238E27FC236}">
+                <a16:creationId xmlns:a16="http://schemas.microsoft.com/office/drawing/2014/main" id="{726F29E0-8D88-E54F-BD8D-6D0B06BAB848}"/>
+              </a:ext>
+            </a:extLst>
+          </p:cNvPr>
+          <p:cNvSpPr>
+            <a:spLocks noGrp="1"/>
+          </p:cNvSpPr>
+          <p:nvPr>
+            <p:ph type="sldNum" sz="quarter" idx="12"/>
+          </p:nvPr>
+        </p:nvSpPr>
+        <p:spPr/>
+        <p:txBody>
+          <a:bodyPr/>
+          <a:lstStyle/>
+          <a:p>
+            <a:fld id="{C31BBD4C-C861-D646-B95A-46A5F141E02A}" type="slidenum">
+              <a:rPr lang="en-US" smtClean="0"/>
+              <a:t>‹#›</a:t>
+            </a:fld>
+            <a:endParaRPr lang="en-US"/>
+          </a:p>
+        </p:txBody>
+      </p:sp>
+    </p:spTree>
+    <p:extLst>
+      <p:ext uri="{BB962C8B-B14F-4D97-AF65-F5344CB8AC3E}">
+        <p14:creationId xmlns:p14="http://schemas.microsoft.com/office/powerpoint/2010/main" val="529824514"/>
+      </p:ext>
+    </p:extLst>
+  </p:cSld>
+  <p:clrMapOvr>
+    <a:masterClrMapping/>
+  </p:clrMapOvr>
+</p:sldLayout>
+</file>
+
+<file path=ppt/slideLayouts/slideLayout18.xml><?xml version="1.0" encoding="utf-8"?>
+<p:sldLayout xmlns:a="http://schemas.openxmlformats.org/drawingml/2006/main" xmlns:r="http://schemas.openxmlformats.org/officeDocument/2006/relationships" xmlns:p="http://schemas.openxmlformats.org/presentationml/2006/main" type="blank" preserve="1">
+  <p:cSld name="Blank">
+    <p:spTree>
+      <p:nvGrpSpPr>
+        <p:cNvPr id="1" name=""/>
+        <p:cNvGrpSpPr/>
+        <p:nvPr/>
+      </p:nvGrpSpPr>
+      <p:grpSpPr>
+        <a:xfrm>
+          <a:off x="0" y="0"/>
+          <a:ext cx="0" cy="0"/>
+          <a:chOff x="0" y="0"/>
+          <a:chExt cx="0" cy="0"/>
+        </a:xfrm>
+      </p:grpSpPr>
+      <p:sp>
+        <p:nvSpPr>
+          <p:cNvPr id="2" name="Date Placeholder 1">
+            <a:extLst>
+              <a:ext uri="{FF2B5EF4-FFF2-40B4-BE49-F238E27FC236}">
+                <a16:creationId xmlns:a16="http://schemas.microsoft.com/office/drawing/2014/main" id="{B46CC1FC-92EB-354A-8B2E-3AF1781DF2AC}"/>
+              </a:ext>
+            </a:extLst>
+          </p:cNvPr>
+          <p:cNvSpPr>
+            <a:spLocks noGrp="1"/>
+          </p:cNvSpPr>
+          <p:nvPr>
+            <p:ph type="dt" sz="half" idx="10"/>
+          </p:nvPr>
+        </p:nvSpPr>
+        <p:spPr/>
+        <p:txBody>
+          <a:bodyPr/>
+          <a:lstStyle/>
+          <a:p>
+            <a:fld id="{DCF04831-FE79-4C48-8B5F-6128F6AE010B}" type="datetimeFigureOut">
+              <a:rPr lang="en-US" smtClean="0"/>
+              <a:t>10/4/19</a:t>
+            </a:fld>
+            <a:endParaRPr lang="en-US"/>
+          </a:p>
+        </p:txBody>
+      </p:sp>
+      <p:sp>
+        <p:nvSpPr>
+          <p:cNvPr id="3" name="Footer Placeholder 2">
+            <a:extLst>
+              <a:ext uri="{FF2B5EF4-FFF2-40B4-BE49-F238E27FC236}">
+                <a16:creationId xmlns:a16="http://schemas.microsoft.com/office/drawing/2014/main" id="{7F5CB598-CB8E-A841-8B12-70E432FB26A8}"/>
+              </a:ext>
+            </a:extLst>
+          </p:cNvPr>
+          <p:cNvSpPr>
+            <a:spLocks noGrp="1"/>
+          </p:cNvSpPr>
+          <p:nvPr>
+            <p:ph type="ftr" sz="quarter" idx="11"/>
+          </p:nvPr>
+        </p:nvSpPr>
+        <p:spPr/>
+        <p:txBody>
+          <a:bodyPr/>
+          <a:lstStyle/>
+          <a:p>
+            <a:endParaRPr lang="en-US"/>
+          </a:p>
+        </p:txBody>
+      </p:sp>
+      <p:sp>
+        <p:nvSpPr>
+          <p:cNvPr id="4" name="Slide Number Placeholder 3">
+            <a:extLst>
+              <a:ext uri="{FF2B5EF4-FFF2-40B4-BE49-F238E27FC236}">
+                <a16:creationId xmlns:a16="http://schemas.microsoft.com/office/drawing/2014/main" id="{012F501B-35ED-5D46-8384-F8EFBC804CDB}"/>
+              </a:ext>
+            </a:extLst>
+          </p:cNvPr>
+          <p:cNvSpPr>
+            <a:spLocks noGrp="1"/>
+          </p:cNvSpPr>
+          <p:nvPr>
+            <p:ph type="sldNum" sz="quarter" idx="12"/>
+          </p:nvPr>
+        </p:nvSpPr>
+        <p:spPr/>
+        <p:txBody>
+          <a:bodyPr/>
+          <a:lstStyle/>
+          <a:p>
+            <a:fld id="{C31BBD4C-C861-D646-B95A-46A5F141E02A}" type="slidenum">
+              <a:rPr lang="en-US" smtClean="0"/>
+              <a:t>‹#›</a:t>
+            </a:fld>
+            <a:endParaRPr lang="en-US"/>
+          </a:p>
+        </p:txBody>
+      </p:sp>
+    </p:spTree>
+    <p:extLst>
+      <p:ext uri="{BB962C8B-B14F-4D97-AF65-F5344CB8AC3E}">
+        <p14:creationId xmlns:p14="http://schemas.microsoft.com/office/powerpoint/2010/main" val="2839923553"/>
+      </p:ext>
+    </p:extLst>
+  </p:cSld>
+  <p:clrMapOvr>
+    <a:masterClrMapping/>
+  </p:clrMapOvr>
+</p:sldLayout>
+</file>
+
+<file path=ppt/slideLayouts/slideLayout19.xml><?xml version="1.0" encoding="utf-8"?>
+<p:sldLayout xmlns:a="http://schemas.openxmlformats.org/drawingml/2006/main" xmlns:r="http://schemas.openxmlformats.org/officeDocument/2006/relationships" xmlns:p="http://schemas.openxmlformats.org/presentationml/2006/main" type="objTx" preserve="1">
+  <p:cSld name="Content with Caption">
+    <p:spTree>
+      <p:nvGrpSpPr>
+        <p:cNvPr id="1" name=""/>
+        <p:cNvGrpSpPr/>
+        <p:nvPr/>
+      </p:nvGrpSpPr>
+      <p:grpSpPr>
+        <a:xfrm>
+          <a:off x="0" y="0"/>
+          <a:ext cx="0" cy="0"/>
+          <a:chOff x="0" y="0"/>
+          <a:chExt cx="0" cy="0"/>
+        </a:xfrm>
+      </p:grpSpPr>
+      <p:sp>
+        <p:nvSpPr>
+          <p:cNvPr id="2" name="Title 1">
+            <a:extLst>
+              <a:ext uri="{FF2B5EF4-FFF2-40B4-BE49-F238E27FC236}">
+                <a16:creationId xmlns:a16="http://schemas.microsoft.com/office/drawing/2014/main" id="{B21DB82D-C75B-0143-AB74-28F3106C0EAB}"/>
+              </a:ext>
+            </a:extLst>
+          </p:cNvPr>
+          <p:cNvSpPr>
+            <a:spLocks noGrp="1"/>
+          </p:cNvSpPr>
+          <p:nvPr>
+            <p:ph type="title"/>
+          </p:nvPr>
+        </p:nvSpPr>
+        <p:spPr>
+          <a:xfrm>
+            <a:off x="839788" y="457200"/>
+            <a:ext cx="3932237" cy="1600200"/>
+          </a:xfrm>
+        </p:spPr>
+        <p:txBody>
+          <a:bodyPr anchor="b"/>
+          <a:lstStyle>
+            <a:lvl1pPr>
+              <a:defRPr sz="3200"/>
+            </a:lvl1pPr>
+          </a:lstStyle>
+          <a:p>
+            <a:r>
+              <a:rPr lang="en-US"/>
+              <a:t>Click to edit Master title style</a:t>
+            </a:r>
+          </a:p>
+        </p:txBody>
+      </p:sp>
+      <p:sp>
+        <p:nvSpPr>
+          <p:cNvPr id="3" name="Content Placeholder 2">
+            <a:extLst>
+              <a:ext uri="{FF2B5EF4-FFF2-40B4-BE49-F238E27FC236}">
+                <a16:creationId xmlns:a16="http://schemas.microsoft.com/office/drawing/2014/main" id="{C6FE8BBF-E8E9-6A4F-9872-171CC9204327}"/>
+              </a:ext>
+            </a:extLst>
+          </p:cNvPr>
+          <p:cNvSpPr>
+            <a:spLocks noGrp="1"/>
+          </p:cNvSpPr>
+          <p:nvPr>
+            <p:ph idx="1"/>
+          </p:nvPr>
+        </p:nvSpPr>
+        <p:spPr>
+          <a:xfrm>
+            <a:off x="5183188" y="987425"/>
+            <a:ext cx="6172200" cy="4873625"/>
+          </a:xfrm>
+        </p:spPr>
+        <p:txBody>
+          <a:bodyPr/>
+          <a:lstStyle>
+            <a:lvl1pPr>
+              <a:defRPr sz="3200"/>
+            </a:lvl1pPr>
+            <a:lvl2pPr>
+              <a:defRPr sz="2800"/>
+            </a:lvl2pPr>
+            <a:lvl3pPr>
+              <a:defRPr sz="2400"/>
+            </a:lvl3pPr>
+            <a:lvl4pPr>
+              <a:defRPr sz="2000"/>
+            </a:lvl4pPr>
+            <a:lvl5pPr>
+              <a:defRPr sz="2000"/>
+            </a:lvl5pPr>
+            <a:lvl6pPr>
+              <a:defRPr sz="2000"/>
+            </a:lvl6pPr>
+            <a:lvl7pPr>
+              <a:defRPr sz="2000"/>
+            </a:lvl7pPr>
+            <a:lvl8pPr>
+              <a:defRPr sz="2000"/>
+            </a:lvl8pPr>
+            <a:lvl9pPr>
+              <a:defRPr sz="2000"/>
+            </a:lvl9pPr>
+          </a:lstStyle>
+          <a:p>
+            <a:pPr lvl="0"/>
+            <a:r>
+              <a:rPr lang="en-US"/>
+              <a:t>Edit Master text styles</a:t>
+            </a:r>
+          </a:p>
+          <a:p>
+            <a:pPr lvl="1"/>
+            <a:r>
+              <a:rPr lang="en-US"/>
+              <a:t>Second level</a:t>
+            </a:r>
+          </a:p>
+          <a:p>
+            <a:pPr lvl="2"/>
+            <a:r>
+              <a:rPr lang="en-US"/>
+              <a:t>Third level</a:t>
+            </a:r>
+          </a:p>
+          <a:p>
+            <a:pPr lvl="3"/>
+            <a:r>
+              <a:rPr lang="en-US"/>
+              <a:t>Fourth level</a:t>
+            </a:r>
+          </a:p>
+          <a:p>
+            <a:pPr lvl="4"/>
+            <a:r>
+              <a:rPr lang="en-US"/>
+              <a:t>Fifth level</a:t>
+            </a:r>
+          </a:p>
+        </p:txBody>
+      </p:sp>
+      <p:sp>
+        <p:nvSpPr>
+          <p:cNvPr id="4" name="Text Placeholder 3">
+            <a:extLst>
+              <a:ext uri="{FF2B5EF4-FFF2-40B4-BE49-F238E27FC236}">
+                <a16:creationId xmlns:a16="http://schemas.microsoft.com/office/drawing/2014/main" id="{F7EDB078-F22D-6342-9CA5-70D7E4BD10EE}"/>
+              </a:ext>
+            </a:extLst>
+          </p:cNvPr>
+          <p:cNvSpPr>
+            <a:spLocks noGrp="1"/>
+          </p:cNvSpPr>
+          <p:nvPr>
+            <p:ph type="body" sz="half" idx="2"/>
+          </p:nvPr>
+        </p:nvSpPr>
+        <p:spPr>
+          <a:xfrm>
+            <a:off x="839788" y="2057400"/>
+            <a:ext cx="3932237" cy="3811588"/>
+          </a:xfrm>
+        </p:spPr>
+        <p:txBody>
+          <a:bodyPr/>
+          <a:lstStyle>
+            <a:lvl1pPr marL="0" indent="0">
+              <a:buNone/>
+              <a:defRPr sz="1600"/>
+            </a:lvl1pPr>
+            <a:lvl2pPr marL="457200" indent="0">
+              <a:buNone/>
+              <a:defRPr sz="1400"/>
+            </a:lvl2pPr>
+            <a:lvl3pPr marL="914400" indent="0">
+              <a:buNone/>
+              <a:defRPr sz="1200"/>
+            </a:lvl3pPr>
+            <a:lvl4pPr marL="1371600" indent="0">
+              <a:buNone/>
+              <a:defRPr sz="1000"/>
+            </a:lvl4pPr>
+            <a:lvl5pPr marL="1828800" indent="0">
+              <a:buNone/>
+              <a:defRPr sz="1000"/>
+            </a:lvl5pPr>
+            <a:lvl6pPr marL="2286000" indent="0">
+              <a:buNone/>
+              <a:defRPr sz="1000"/>
+            </a:lvl6pPr>
+            <a:lvl7pPr marL="2743200" indent="0">
+              <a:buNone/>
+              <a:defRPr sz="1000"/>
+            </a:lvl7pPr>
+            <a:lvl8pPr marL="3200400" indent="0">
+              <a:buNone/>
+              <a:defRPr sz="1000"/>
+            </a:lvl8pPr>
+            <a:lvl9pPr marL="3657600" indent="0">
+              <a:buNone/>
+              <a:defRPr sz="1000"/>
+            </a:lvl9pPr>
+          </a:lstStyle>
+          <a:p>
+            <a:pPr lvl="0"/>
+            <a:r>
+              <a:rPr lang="en-US"/>
+              <a:t>Edit Master text styles</a:t>
+            </a:r>
+          </a:p>
+        </p:txBody>
+      </p:sp>
+      <p:sp>
+        <p:nvSpPr>
+          <p:cNvPr id="5" name="Date Placeholder 4">
+            <a:extLst>
+              <a:ext uri="{FF2B5EF4-FFF2-40B4-BE49-F238E27FC236}">
+                <a16:creationId xmlns:a16="http://schemas.microsoft.com/office/drawing/2014/main" id="{24537A49-AACA-4148-9C21-EDBE9DFE340E}"/>
+              </a:ext>
+            </a:extLst>
+          </p:cNvPr>
+          <p:cNvSpPr>
+            <a:spLocks noGrp="1"/>
+          </p:cNvSpPr>
+          <p:nvPr>
+            <p:ph type="dt" sz="half" idx="10"/>
+          </p:nvPr>
+        </p:nvSpPr>
+        <p:spPr/>
+        <p:txBody>
+          <a:bodyPr/>
+          <a:lstStyle/>
+          <a:p>
+            <a:fld id="{DCF04831-FE79-4C48-8B5F-6128F6AE010B}" type="datetimeFigureOut">
+              <a:rPr lang="en-US" smtClean="0"/>
+              <a:t>10/4/19</a:t>
+            </a:fld>
+            <a:endParaRPr lang="en-US"/>
+          </a:p>
+        </p:txBody>
+      </p:sp>
+      <p:sp>
+        <p:nvSpPr>
+          <p:cNvPr id="6" name="Footer Placeholder 5">
+            <a:extLst>
+              <a:ext uri="{FF2B5EF4-FFF2-40B4-BE49-F238E27FC236}">
+                <a16:creationId xmlns:a16="http://schemas.microsoft.com/office/drawing/2014/main" id="{BF66E600-1118-404E-A5F8-CD3DBAD9881C}"/>
+              </a:ext>
+            </a:extLst>
+          </p:cNvPr>
+          <p:cNvSpPr>
+            <a:spLocks noGrp="1"/>
+          </p:cNvSpPr>
+          <p:nvPr>
+            <p:ph type="ftr" sz="quarter" idx="11"/>
+          </p:nvPr>
+        </p:nvSpPr>
+        <p:spPr/>
+        <p:txBody>
+          <a:bodyPr/>
+          <a:lstStyle/>
+          <a:p>
+            <a:endParaRPr lang="en-US"/>
+          </a:p>
+        </p:txBody>
+      </p:sp>
+      <p:sp>
+        <p:nvSpPr>
+          <p:cNvPr id="7" name="Slide Number Placeholder 6">
+            <a:extLst>
+              <a:ext uri="{FF2B5EF4-FFF2-40B4-BE49-F238E27FC236}">
+                <a16:creationId xmlns:a16="http://schemas.microsoft.com/office/drawing/2014/main" id="{21BE150E-3798-7E4A-A473-394A73801BE5}"/>
+              </a:ext>
+            </a:extLst>
+          </p:cNvPr>
+          <p:cNvSpPr>
+            <a:spLocks noGrp="1"/>
+          </p:cNvSpPr>
+          <p:nvPr>
+            <p:ph type="sldNum" sz="quarter" idx="12"/>
+          </p:nvPr>
+        </p:nvSpPr>
+        <p:spPr/>
+        <p:txBody>
+          <a:bodyPr/>
+          <a:lstStyle/>
+          <a:p>
+            <a:fld id="{C31BBD4C-C861-D646-B95A-46A5F141E02A}" type="slidenum">
+              <a:rPr lang="en-US" smtClean="0"/>
+              <a:t>‹#›</a:t>
+            </a:fld>
+            <a:endParaRPr lang="en-US"/>
+          </a:p>
+        </p:txBody>
+      </p:sp>
+    </p:spTree>
+    <p:extLst>
+      <p:ext uri="{BB962C8B-B14F-4D97-AF65-F5344CB8AC3E}">
+        <p14:creationId xmlns:p14="http://schemas.microsoft.com/office/powerpoint/2010/main" val="1773775961"/>
+      </p:ext>
+    </p:extLst>
+  </p:cSld>
+  <p:clrMapOvr>
+    <a:masterClrMapping/>
+  </p:clrMapOvr>
+</p:sldLayout>
+</file>
+
 <file path=ppt/slideLayouts/slideLayout2.xml><?xml version="1.0" encoding="utf-8"?>
 <p:sldLayout xmlns:a="http://schemas.openxmlformats.org/drawingml/2006/main" xmlns:r="http://schemas.openxmlformats.org/officeDocument/2006/relationships" xmlns:p="http://schemas.openxmlformats.org/presentationml/2006/main" type="obj" preserve="1">
   <p:cSld name="Title and Content">
@@ -1669,6 +6063,1059 @@
     <p:extLst>
       <p:ext uri="{BB962C8B-B14F-4D97-AF65-F5344CB8AC3E}">
         <p14:creationId xmlns:p14="http://schemas.microsoft.com/office/powerpoint/2010/main" val="3754256670"/>
+      </p:ext>
+    </p:extLst>
+  </p:cSld>
+  <p:clrMapOvr>
+    <a:masterClrMapping/>
+  </p:clrMapOvr>
+</p:sldLayout>
+</file>
+
+<file path=ppt/slideLayouts/slideLayout20.xml><?xml version="1.0" encoding="utf-8"?>
+<p:sldLayout xmlns:a="http://schemas.openxmlformats.org/drawingml/2006/main" xmlns:r="http://schemas.openxmlformats.org/officeDocument/2006/relationships" xmlns:p="http://schemas.openxmlformats.org/presentationml/2006/main" type="picTx" preserve="1">
+  <p:cSld name="Picture with Caption">
+    <p:spTree>
+      <p:nvGrpSpPr>
+        <p:cNvPr id="1" name=""/>
+        <p:cNvGrpSpPr/>
+        <p:nvPr/>
+      </p:nvGrpSpPr>
+      <p:grpSpPr>
+        <a:xfrm>
+          <a:off x="0" y="0"/>
+          <a:ext cx="0" cy="0"/>
+          <a:chOff x="0" y="0"/>
+          <a:chExt cx="0" cy="0"/>
+        </a:xfrm>
+      </p:grpSpPr>
+      <p:sp>
+        <p:nvSpPr>
+          <p:cNvPr id="2" name="Title 1">
+            <a:extLst>
+              <a:ext uri="{FF2B5EF4-FFF2-40B4-BE49-F238E27FC236}">
+                <a16:creationId xmlns:a16="http://schemas.microsoft.com/office/drawing/2014/main" id="{5372B05C-61ED-9F46-A78F-711C80007CFA}"/>
+              </a:ext>
+            </a:extLst>
+          </p:cNvPr>
+          <p:cNvSpPr>
+            <a:spLocks noGrp="1"/>
+          </p:cNvSpPr>
+          <p:nvPr>
+            <p:ph type="title"/>
+          </p:nvPr>
+        </p:nvSpPr>
+        <p:spPr>
+          <a:xfrm>
+            <a:off x="839788" y="457200"/>
+            <a:ext cx="3932237" cy="1600200"/>
+          </a:xfrm>
+        </p:spPr>
+        <p:txBody>
+          <a:bodyPr anchor="b"/>
+          <a:lstStyle>
+            <a:lvl1pPr>
+              <a:defRPr sz="3200"/>
+            </a:lvl1pPr>
+          </a:lstStyle>
+          <a:p>
+            <a:r>
+              <a:rPr lang="en-US"/>
+              <a:t>Click to edit Master title style</a:t>
+            </a:r>
+          </a:p>
+        </p:txBody>
+      </p:sp>
+      <p:sp>
+        <p:nvSpPr>
+          <p:cNvPr id="3" name="Picture Placeholder 2">
+            <a:extLst>
+              <a:ext uri="{FF2B5EF4-FFF2-40B4-BE49-F238E27FC236}">
+                <a16:creationId xmlns:a16="http://schemas.microsoft.com/office/drawing/2014/main" id="{6BC345EA-F3F3-8740-842B-0040F194109C}"/>
+              </a:ext>
+            </a:extLst>
+          </p:cNvPr>
+          <p:cNvSpPr>
+            <a:spLocks noGrp="1"/>
+          </p:cNvSpPr>
+          <p:nvPr>
+            <p:ph type="pic" idx="1"/>
+          </p:nvPr>
+        </p:nvSpPr>
+        <p:spPr>
+          <a:xfrm>
+            <a:off x="5183188" y="987425"/>
+            <a:ext cx="6172200" cy="4873625"/>
+          </a:xfrm>
+        </p:spPr>
+        <p:txBody>
+          <a:bodyPr/>
+          <a:lstStyle>
+            <a:lvl1pPr marL="0" indent="0">
+              <a:buNone/>
+              <a:defRPr sz="3200"/>
+            </a:lvl1pPr>
+            <a:lvl2pPr marL="457200" indent="0">
+              <a:buNone/>
+              <a:defRPr sz="2800"/>
+            </a:lvl2pPr>
+            <a:lvl3pPr marL="914400" indent="0">
+              <a:buNone/>
+              <a:defRPr sz="2400"/>
+            </a:lvl3pPr>
+            <a:lvl4pPr marL="1371600" indent="0">
+              <a:buNone/>
+              <a:defRPr sz="2000"/>
+            </a:lvl4pPr>
+            <a:lvl5pPr marL="1828800" indent="0">
+              <a:buNone/>
+              <a:defRPr sz="2000"/>
+            </a:lvl5pPr>
+            <a:lvl6pPr marL="2286000" indent="0">
+              <a:buNone/>
+              <a:defRPr sz="2000"/>
+            </a:lvl6pPr>
+            <a:lvl7pPr marL="2743200" indent="0">
+              <a:buNone/>
+              <a:defRPr sz="2000"/>
+            </a:lvl7pPr>
+            <a:lvl8pPr marL="3200400" indent="0">
+              <a:buNone/>
+              <a:defRPr sz="2000"/>
+            </a:lvl8pPr>
+            <a:lvl9pPr marL="3657600" indent="0">
+              <a:buNone/>
+              <a:defRPr sz="2000"/>
+            </a:lvl9pPr>
+          </a:lstStyle>
+          <a:p>
+            <a:endParaRPr lang="en-US"/>
+          </a:p>
+        </p:txBody>
+      </p:sp>
+      <p:sp>
+        <p:nvSpPr>
+          <p:cNvPr id="4" name="Text Placeholder 3">
+            <a:extLst>
+              <a:ext uri="{FF2B5EF4-FFF2-40B4-BE49-F238E27FC236}">
+                <a16:creationId xmlns:a16="http://schemas.microsoft.com/office/drawing/2014/main" id="{94A6A2C2-F483-1747-B2F1-5F7BAC8ED3FE}"/>
+              </a:ext>
+            </a:extLst>
+          </p:cNvPr>
+          <p:cNvSpPr>
+            <a:spLocks noGrp="1"/>
+          </p:cNvSpPr>
+          <p:nvPr>
+            <p:ph type="body" sz="half" idx="2"/>
+          </p:nvPr>
+        </p:nvSpPr>
+        <p:spPr>
+          <a:xfrm>
+            <a:off x="839788" y="2057400"/>
+            <a:ext cx="3932237" cy="3811588"/>
+          </a:xfrm>
+        </p:spPr>
+        <p:txBody>
+          <a:bodyPr/>
+          <a:lstStyle>
+            <a:lvl1pPr marL="0" indent="0">
+              <a:buNone/>
+              <a:defRPr sz="1600"/>
+            </a:lvl1pPr>
+            <a:lvl2pPr marL="457200" indent="0">
+              <a:buNone/>
+              <a:defRPr sz="1400"/>
+            </a:lvl2pPr>
+            <a:lvl3pPr marL="914400" indent="0">
+              <a:buNone/>
+              <a:defRPr sz="1200"/>
+            </a:lvl3pPr>
+            <a:lvl4pPr marL="1371600" indent="0">
+              <a:buNone/>
+              <a:defRPr sz="1000"/>
+            </a:lvl4pPr>
+            <a:lvl5pPr marL="1828800" indent="0">
+              <a:buNone/>
+              <a:defRPr sz="1000"/>
+            </a:lvl5pPr>
+            <a:lvl6pPr marL="2286000" indent="0">
+              <a:buNone/>
+              <a:defRPr sz="1000"/>
+            </a:lvl6pPr>
+            <a:lvl7pPr marL="2743200" indent="0">
+              <a:buNone/>
+              <a:defRPr sz="1000"/>
+            </a:lvl7pPr>
+            <a:lvl8pPr marL="3200400" indent="0">
+              <a:buNone/>
+              <a:defRPr sz="1000"/>
+            </a:lvl8pPr>
+            <a:lvl9pPr marL="3657600" indent="0">
+              <a:buNone/>
+              <a:defRPr sz="1000"/>
+            </a:lvl9pPr>
+          </a:lstStyle>
+          <a:p>
+            <a:pPr lvl="0"/>
+            <a:r>
+              <a:rPr lang="en-US"/>
+              <a:t>Edit Master text styles</a:t>
+            </a:r>
+          </a:p>
+        </p:txBody>
+      </p:sp>
+      <p:sp>
+        <p:nvSpPr>
+          <p:cNvPr id="5" name="Date Placeholder 4">
+            <a:extLst>
+              <a:ext uri="{FF2B5EF4-FFF2-40B4-BE49-F238E27FC236}">
+                <a16:creationId xmlns:a16="http://schemas.microsoft.com/office/drawing/2014/main" id="{28002B6A-B79C-A840-A3E7-0E57866F6338}"/>
+              </a:ext>
+            </a:extLst>
+          </p:cNvPr>
+          <p:cNvSpPr>
+            <a:spLocks noGrp="1"/>
+          </p:cNvSpPr>
+          <p:nvPr>
+            <p:ph type="dt" sz="half" idx="10"/>
+          </p:nvPr>
+        </p:nvSpPr>
+        <p:spPr/>
+        <p:txBody>
+          <a:bodyPr/>
+          <a:lstStyle/>
+          <a:p>
+            <a:fld id="{DCF04831-FE79-4C48-8B5F-6128F6AE010B}" type="datetimeFigureOut">
+              <a:rPr lang="en-US" smtClean="0"/>
+              <a:t>10/4/19</a:t>
+            </a:fld>
+            <a:endParaRPr lang="en-US"/>
+          </a:p>
+        </p:txBody>
+      </p:sp>
+      <p:sp>
+        <p:nvSpPr>
+          <p:cNvPr id="6" name="Footer Placeholder 5">
+            <a:extLst>
+              <a:ext uri="{FF2B5EF4-FFF2-40B4-BE49-F238E27FC236}">
+                <a16:creationId xmlns:a16="http://schemas.microsoft.com/office/drawing/2014/main" id="{471E5D45-BA75-4244-8C36-27FD87A67C88}"/>
+              </a:ext>
+            </a:extLst>
+          </p:cNvPr>
+          <p:cNvSpPr>
+            <a:spLocks noGrp="1"/>
+          </p:cNvSpPr>
+          <p:nvPr>
+            <p:ph type="ftr" sz="quarter" idx="11"/>
+          </p:nvPr>
+        </p:nvSpPr>
+        <p:spPr/>
+        <p:txBody>
+          <a:bodyPr/>
+          <a:lstStyle/>
+          <a:p>
+            <a:endParaRPr lang="en-US"/>
+          </a:p>
+        </p:txBody>
+      </p:sp>
+      <p:sp>
+        <p:nvSpPr>
+          <p:cNvPr id="7" name="Slide Number Placeholder 6">
+            <a:extLst>
+              <a:ext uri="{FF2B5EF4-FFF2-40B4-BE49-F238E27FC236}">
+                <a16:creationId xmlns:a16="http://schemas.microsoft.com/office/drawing/2014/main" id="{587F063E-5E8D-4548-BB0D-0C8021C6E23B}"/>
+              </a:ext>
+            </a:extLst>
+          </p:cNvPr>
+          <p:cNvSpPr>
+            <a:spLocks noGrp="1"/>
+          </p:cNvSpPr>
+          <p:nvPr>
+            <p:ph type="sldNum" sz="quarter" idx="12"/>
+          </p:nvPr>
+        </p:nvSpPr>
+        <p:spPr/>
+        <p:txBody>
+          <a:bodyPr/>
+          <a:lstStyle/>
+          <a:p>
+            <a:fld id="{C31BBD4C-C861-D646-B95A-46A5F141E02A}" type="slidenum">
+              <a:rPr lang="en-US" smtClean="0"/>
+              <a:t>‹#›</a:t>
+            </a:fld>
+            <a:endParaRPr lang="en-US"/>
+          </a:p>
+        </p:txBody>
+      </p:sp>
+    </p:spTree>
+    <p:extLst>
+      <p:ext uri="{BB962C8B-B14F-4D97-AF65-F5344CB8AC3E}">
+        <p14:creationId xmlns:p14="http://schemas.microsoft.com/office/powerpoint/2010/main" val="3716032707"/>
+      </p:ext>
+    </p:extLst>
+  </p:cSld>
+  <p:clrMapOvr>
+    <a:masterClrMapping/>
+  </p:clrMapOvr>
+</p:sldLayout>
+</file>
+
+<file path=ppt/slideLayouts/slideLayout21.xml><?xml version="1.0" encoding="utf-8"?>
+<p:sldLayout xmlns:a="http://schemas.openxmlformats.org/drawingml/2006/main" xmlns:r="http://schemas.openxmlformats.org/officeDocument/2006/relationships" xmlns:p="http://schemas.openxmlformats.org/presentationml/2006/main" type="vertTx" preserve="1">
+  <p:cSld name="Title and Vertical Text">
+    <p:spTree>
+      <p:nvGrpSpPr>
+        <p:cNvPr id="1" name=""/>
+        <p:cNvGrpSpPr/>
+        <p:nvPr/>
+      </p:nvGrpSpPr>
+      <p:grpSpPr>
+        <a:xfrm>
+          <a:off x="0" y="0"/>
+          <a:ext cx="0" cy="0"/>
+          <a:chOff x="0" y="0"/>
+          <a:chExt cx="0" cy="0"/>
+        </a:xfrm>
+      </p:grpSpPr>
+      <p:sp>
+        <p:nvSpPr>
+          <p:cNvPr id="2" name="Title 1">
+            <a:extLst>
+              <a:ext uri="{FF2B5EF4-FFF2-40B4-BE49-F238E27FC236}">
+                <a16:creationId xmlns:a16="http://schemas.microsoft.com/office/drawing/2014/main" id="{48B14511-6827-B848-B0D1-023111B7CE98}"/>
+              </a:ext>
+            </a:extLst>
+          </p:cNvPr>
+          <p:cNvSpPr>
+            <a:spLocks noGrp="1"/>
+          </p:cNvSpPr>
+          <p:nvPr>
+            <p:ph type="title"/>
+          </p:nvPr>
+        </p:nvSpPr>
+        <p:spPr/>
+        <p:txBody>
+          <a:bodyPr/>
+          <a:lstStyle/>
+          <a:p>
+            <a:r>
+              <a:rPr lang="en-US"/>
+              <a:t>Click to edit Master title style</a:t>
+            </a:r>
+          </a:p>
+        </p:txBody>
+      </p:sp>
+      <p:sp>
+        <p:nvSpPr>
+          <p:cNvPr id="3" name="Vertical Text Placeholder 2">
+            <a:extLst>
+              <a:ext uri="{FF2B5EF4-FFF2-40B4-BE49-F238E27FC236}">
+                <a16:creationId xmlns:a16="http://schemas.microsoft.com/office/drawing/2014/main" id="{B8E35F14-0483-D94C-8390-9B91217B7611}"/>
+              </a:ext>
+            </a:extLst>
+          </p:cNvPr>
+          <p:cNvSpPr>
+            <a:spLocks noGrp="1"/>
+          </p:cNvSpPr>
+          <p:nvPr>
+            <p:ph type="body" orient="vert" idx="1"/>
+          </p:nvPr>
+        </p:nvSpPr>
+        <p:spPr/>
+        <p:txBody>
+          <a:bodyPr vert="eaVert"/>
+          <a:lstStyle/>
+          <a:p>
+            <a:pPr lvl="0"/>
+            <a:r>
+              <a:rPr lang="en-US"/>
+              <a:t>Edit Master text styles</a:t>
+            </a:r>
+          </a:p>
+          <a:p>
+            <a:pPr lvl="1"/>
+            <a:r>
+              <a:rPr lang="en-US"/>
+              <a:t>Second level</a:t>
+            </a:r>
+          </a:p>
+          <a:p>
+            <a:pPr lvl="2"/>
+            <a:r>
+              <a:rPr lang="en-US"/>
+              <a:t>Third level</a:t>
+            </a:r>
+          </a:p>
+          <a:p>
+            <a:pPr lvl="3"/>
+            <a:r>
+              <a:rPr lang="en-US"/>
+              <a:t>Fourth level</a:t>
+            </a:r>
+          </a:p>
+          <a:p>
+            <a:pPr lvl="4"/>
+            <a:r>
+              <a:rPr lang="en-US"/>
+              <a:t>Fifth level</a:t>
+            </a:r>
+          </a:p>
+        </p:txBody>
+      </p:sp>
+      <p:sp>
+        <p:nvSpPr>
+          <p:cNvPr id="4" name="Date Placeholder 3">
+            <a:extLst>
+              <a:ext uri="{FF2B5EF4-FFF2-40B4-BE49-F238E27FC236}">
+                <a16:creationId xmlns:a16="http://schemas.microsoft.com/office/drawing/2014/main" id="{204EBCA3-CB6F-F24B-B159-E4292513CECE}"/>
+              </a:ext>
+            </a:extLst>
+          </p:cNvPr>
+          <p:cNvSpPr>
+            <a:spLocks noGrp="1"/>
+          </p:cNvSpPr>
+          <p:nvPr>
+            <p:ph type="dt" sz="half" idx="10"/>
+          </p:nvPr>
+        </p:nvSpPr>
+        <p:spPr/>
+        <p:txBody>
+          <a:bodyPr/>
+          <a:lstStyle/>
+          <a:p>
+            <a:fld id="{DCF04831-FE79-4C48-8B5F-6128F6AE010B}" type="datetimeFigureOut">
+              <a:rPr lang="en-US" smtClean="0"/>
+              <a:t>10/4/19</a:t>
+            </a:fld>
+            <a:endParaRPr lang="en-US"/>
+          </a:p>
+        </p:txBody>
+      </p:sp>
+      <p:sp>
+        <p:nvSpPr>
+          <p:cNvPr id="5" name="Footer Placeholder 4">
+            <a:extLst>
+              <a:ext uri="{FF2B5EF4-FFF2-40B4-BE49-F238E27FC236}">
+                <a16:creationId xmlns:a16="http://schemas.microsoft.com/office/drawing/2014/main" id="{4879561A-612D-5641-9244-7C0820E3A31C}"/>
+              </a:ext>
+            </a:extLst>
+          </p:cNvPr>
+          <p:cNvSpPr>
+            <a:spLocks noGrp="1"/>
+          </p:cNvSpPr>
+          <p:nvPr>
+            <p:ph type="ftr" sz="quarter" idx="11"/>
+          </p:nvPr>
+        </p:nvSpPr>
+        <p:spPr/>
+        <p:txBody>
+          <a:bodyPr/>
+          <a:lstStyle/>
+          <a:p>
+            <a:endParaRPr lang="en-US"/>
+          </a:p>
+        </p:txBody>
+      </p:sp>
+      <p:sp>
+        <p:nvSpPr>
+          <p:cNvPr id="6" name="Slide Number Placeholder 5">
+            <a:extLst>
+              <a:ext uri="{FF2B5EF4-FFF2-40B4-BE49-F238E27FC236}">
+                <a16:creationId xmlns:a16="http://schemas.microsoft.com/office/drawing/2014/main" id="{7956E2C2-7A60-A349-88D1-D075CC1589CE}"/>
+              </a:ext>
+            </a:extLst>
+          </p:cNvPr>
+          <p:cNvSpPr>
+            <a:spLocks noGrp="1"/>
+          </p:cNvSpPr>
+          <p:nvPr>
+            <p:ph type="sldNum" sz="quarter" idx="12"/>
+          </p:nvPr>
+        </p:nvSpPr>
+        <p:spPr/>
+        <p:txBody>
+          <a:bodyPr/>
+          <a:lstStyle/>
+          <a:p>
+            <a:fld id="{C31BBD4C-C861-D646-B95A-46A5F141E02A}" type="slidenum">
+              <a:rPr lang="en-US" smtClean="0"/>
+              <a:t>‹#›</a:t>
+            </a:fld>
+            <a:endParaRPr lang="en-US"/>
+          </a:p>
+        </p:txBody>
+      </p:sp>
+    </p:spTree>
+    <p:extLst>
+      <p:ext uri="{BB962C8B-B14F-4D97-AF65-F5344CB8AC3E}">
+        <p14:creationId xmlns:p14="http://schemas.microsoft.com/office/powerpoint/2010/main" val="2990850739"/>
+      </p:ext>
+    </p:extLst>
+  </p:cSld>
+  <p:clrMapOvr>
+    <a:masterClrMapping/>
+  </p:clrMapOvr>
+</p:sldLayout>
+</file>
+
+<file path=ppt/slideLayouts/slideLayout22.xml><?xml version="1.0" encoding="utf-8"?>
+<p:sldLayout xmlns:a="http://schemas.openxmlformats.org/drawingml/2006/main" xmlns:r="http://schemas.openxmlformats.org/officeDocument/2006/relationships" xmlns:p="http://schemas.openxmlformats.org/presentationml/2006/main" type="vertTitleAndTx" preserve="1">
+  <p:cSld name="Vertical Title and Text">
+    <p:spTree>
+      <p:nvGrpSpPr>
+        <p:cNvPr id="1" name=""/>
+        <p:cNvGrpSpPr/>
+        <p:nvPr/>
+      </p:nvGrpSpPr>
+      <p:grpSpPr>
+        <a:xfrm>
+          <a:off x="0" y="0"/>
+          <a:ext cx="0" cy="0"/>
+          <a:chOff x="0" y="0"/>
+          <a:chExt cx="0" cy="0"/>
+        </a:xfrm>
+      </p:grpSpPr>
+      <p:sp>
+        <p:nvSpPr>
+          <p:cNvPr id="2" name="Vertical Title 1">
+            <a:extLst>
+              <a:ext uri="{FF2B5EF4-FFF2-40B4-BE49-F238E27FC236}">
+                <a16:creationId xmlns:a16="http://schemas.microsoft.com/office/drawing/2014/main" id="{756E3966-F054-8A4D-94C5-9281CEC253B8}"/>
+              </a:ext>
+            </a:extLst>
+          </p:cNvPr>
+          <p:cNvSpPr>
+            <a:spLocks noGrp="1"/>
+          </p:cNvSpPr>
+          <p:nvPr>
+            <p:ph type="title" orient="vert"/>
+          </p:nvPr>
+        </p:nvSpPr>
+        <p:spPr>
+          <a:xfrm>
+            <a:off x="8724900" y="365125"/>
+            <a:ext cx="2628900" cy="5811838"/>
+          </a:xfrm>
+        </p:spPr>
+        <p:txBody>
+          <a:bodyPr vert="eaVert"/>
+          <a:lstStyle/>
+          <a:p>
+            <a:r>
+              <a:rPr lang="en-US"/>
+              <a:t>Click to edit Master title style</a:t>
+            </a:r>
+          </a:p>
+        </p:txBody>
+      </p:sp>
+      <p:sp>
+        <p:nvSpPr>
+          <p:cNvPr id="3" name="Vertical Text Placeholder 2">
+            <a:extLst>
+              <a:ext uri="{FF2B5EF4-FFF2-40B4-BE49-F238E27FC236}">
+                <a16:creationId xmlns:a16="http://schemas.microsoft.com/office/drawing/2014/main" id="{27F1B6FD-6E5E-F844-A706-618BAFE45F53}"/>
+              </a:ext>
+            </a:extLst>
+          </p:cNvPr>
+          <p:cNvSpPr>
+            <a:spLocks noGrp="1"/>
+          </p:cNvSpPr>
+          <p:nvPr>
+            <p:ph type="body" orient="vert" idx="1"/>
+          </p:nvPr>
+        </p:nvSpPr>
+        <p:spPr>
+          <a:xfrm>
+            <a:off x="838200" y="365125"/>
+            <a:ext cx="7734300" cy="5811838"/>
+          </a:xfrm>
+        </p:spPr>
+        <p:txBody>
+          <a:bodyPr vert="eaVert"/>
+          <a:lstStyle/>
+          <a:p>
+            <a:pPr lvl="0"/>
+            <a:r>
+              <a:rPr lang="en-US"/>
+              <a:t>Edit Master text styles</a:t>
+            </a:r>
+          </a:p>
+          <a:p>
+            <a:pPr lvl="1"/>
+            <a:r>
+              <a:rPr lang="en-US"/>
+              <a:t>Second level</a:t>
+            </a:r>
+          </a:p>
+          <a:p>
+            <a:pPr lvl="2"/>
+            <a:r>
+              <a:rPr lang="en-US"/>
+              <a:t>Third level</a:t>
+            </a:r>
+          </a:p>
+          <a:p>
+            <a:pPr lvl="3"/>
+            <a:r>
+              <a:rPr lang="en-US"/>
+              <a:t>Fourth level</a:t>
+            </a:r>
+          </a:p>
+          <a:p>
+            <a:pPr lvl="4"/>
+            <a:r>
+              <a:rPr lang="en-US"/>
+              <a:t>Fifth level</a:t>
+            </a:r>
+          </a:p>
+        </p:txBody>
+      </p:sp>
+      <p:sp>
+        <p:nvSpPr>
+          <p:cNvPr id="4" name="Date Placeholder 3">
+            <a:extLst>
+              <a:ext uri="{FF2B5EF4-FFF2-40B4-BE49-F238E27FC236}">
+                <a16:creationId xmlns:a16="http://schemas.microsoft.com/office/drawing/2014/main" id="{A340ABDF-E872-324B-818C-B869890FFBB7}"/>
+              </a:ext>
+            </a:extLst>
+          </p:cNvPr>
+          <p:cNvSpPr>
+            <a:spLocks noGrp="1"/>
+          </p:cNvSpPr>
+          <p:nvPr>
+            <p:ph type="dt" sz="half" idx="10"/>
+          </p:nvPr>
+        </p:nvSpPr>
+        <p:spPr/>
+        <p:txBody>
+          <a:bodyPr/>
+          <a:lstStyle/>
+          <a:p>
+            <a:fld id="{DCF04831-FE79-4C48-8B5F-6128F6AE010B}" type="datetimeFigureOut">
+              <a:rPr lang="en-US" smtClean="0"/>
+              <a:t>10/4/19</a:t>
+            </a:fld>
+            <a:endParaRPr lang="en-US"/>
+          </a:p>
+        </p:txBody>
+      </p:sp>
+      <p:sp>
+        <p:nvSpPr>
+          <p:cNvPr id="5" name="Footer Placeholder 4">
+            <a:extLst>
+              <a:ext uri="{FF2B5EF4-FFF2-40B4-BE49-F238E27FC236}">
+                <a16:creationId xmlns:a16="http://schemas.microsoft.com/office/drawing/2014/main" id="{93E192B4-9494-3A43-B482-3B6A46263A55}"/>
+              </a:ext>
+            </a:extLst>
+          </p:cNvPr>
+          <p:cNvSpPr>
+            <a:spLocks noGrp="1"/>
+          </p:cNvSpPr>
+          <p:nvPr>
+            <p:ph type="ftr" sz="quarter" idx="11"/>
+          </p:nvPr>
+        </p:nvSpPr>
+        <p:spPr/>
+        <p:txBody>
+          <a:bodyPr/>
+          <a:lstStyle/>
+          <a:p>
+            <a:endParaRPr lang="en-US"/>
+          </a:p>
+        </p:txBody>
+      </p:sp>
+      <p:sp>
+        <p:nvSpPr>
+          <p:cNvPr id="6" name="Slide Number Placeholder 5">
+            <a:extLst>
+              <a:ext uri="{FF2B5EF4-FFF2-40B4-BE49-F238E27FC236}">
+                <a16:creationId xmlns:a16="http://schemas.microsoft.com/office/drawing/2014/main" id="{D371E7F5-B9C7-B24D-B595-0FEC2A81B5AD}"/>
+              </a:ext>
+            </a:extLst>
+          </p:cNvPr>
+          <p:cNvSpPr>
+            <a:spLocks noGrp="1"/>
+          </p:cNvSpPr>
+          <p:nvPr>
+            <p:ph type="sldNum" sz="quarter" idx="12"/>
+          </p:nvPr>
+        </p:nvSpPr>
+        <p:spPr/>
+        <p:txBody>
+          <a:bodyPr/>
+          <a:lstStyle/>
+          <a:p>
+            <a:fld id="{C31BBD4C-C861-D646-B95A-46A5F141E02A}" type="slidenum">
+              <a:rPr lang="en-US" smtClean="0"/>
+              <a:t>‹#›</a:t>
+            </a:fld>
+            <a:endParaRPr lang="en-US"/>
+          </a:p>
+        </p:txBody>
+      </p:sp>
+    </p:spTree>
+    <p:extLst>
+      <p:ext uri="{BB962C8B-B14F-4D97-AF65-F5344CB8AC3E}">
+        <p14:creationId xmlns:p14="http://schemas.microsoft.com/office/powerpoint/2010/main" val="338188927"/>
+      </p:ext>
+    </p:extLst>
+  </p:cSld>
+  <p:clrMapOvr>
+    <a:masterClrMapping/>
+  </p:clrMapOvr>
+</p:sldLayout>
+</file>
+
+<file path=ppt/slideLayouts/slideLayout23.xml><?xml version="1.0" encoding="utf-8"?>
+<p:sldLayout xmlns:a="http://schemas.openxmlformats.org/drawingml/2006/main" xmlns:r="http://schemas.openxmlformats.org/officeDocument/2006/relationships" xmlns:p="http://schemas.openxmlformats.org/presentationml/2006/main" matchingName="Title and body" type="tx">
+  <p:cSld name="Title and body">
+    <p:spTree>
+      <p:nvGrpSpPr>
+        <p:cNvPr id="1" name="Shape 16"/>
+        <p:cNvGrpSpPr/>
+        <p:nvPr/>
+      </p:nvGrpSpPr>
+      <p:grpSpPr>
+        <a:xfrm>
+          <a:off x="0" y="0"/>
+          <a:ext cx="0" cy="0"/>
+          <a:chOff x="0" y="0"/>
+          <a:chExt cx="0" cy="0"/>
+        </a:xfrm>
+      </p:grpSpPr>
+      <p:sp>
+        <p:nvSpPr>
+          <p:cNvPr id="17" name="Google Shape;17;p4"/>
+          <p:cNvSpPr txBox="1">
+            <a:spLocks noGrp="1"/>
+          </p:cNvSpPr>
+          <p:nvPr>
+            <p:ph type="title"/>
+          </p:nvPr>
+        </p:nvSpPr>
+        <p:spPr>
+          <a:xfrm>
+            <a:off x="415600" y="593367"/>
+            <a:ext cx="11360800" cy="763600"/>
+          </a:xfrm>
+          <a:prstGeom prst="rect">
+            <a:avLst/>
+          </a:prstGeom>
+        </p:spPr>
+        <p:txBody>
+          <a:bodyPr spcFirstLastPara="1" wrap="square" lIns="91425" tIns="91425" rIns="91425" bIns="91425" anchor="t" anchorCtr="0">
+            <a:noAutofit/>
+          </a:bodyPr>
+          <a:lstStyle>
+            <a:lvl1pPr lvl="0">
+              <a:spcBef>
+                <a:spcPts val="0"/>
+              </a:spcBef>
+              <a:spcAft>
+                <a:spcPts val="0"/>
+              </a:spcAft>
+              <a:buSzPts val="2800"/>
+              <a:buNone/>
+              <a:defRPr/>
+            </a:lvl1pPr>
+            <a:lvl2pPr lvl="1">
+              <a:spcBef>
+                <a:spcPts val="0"/>
+              </a:spcBef>
+              <a:spcAft>
+                <a:spcPts val="0"/>
+              </a:spcAft>
+              <a:buSzPts val="2800"/>
+              <a:buNone/>
+              <a:defRPr/>
+            </a:lvl2pPr>
+            <a:lvl3pPr lvl="2">
+              <a:spcBef>
+                <a:spcPts val="0"/>
+              </a:spcBef>
+              <a:spcAft>
+                <a:spcPts val="0"/>
+              </a:spcAft>
+              <a:buSzPts val="2800"/>
+              <a:buNone/>
+              <a:defRPr/>
+            </a:lvl3pPr>
+            <a:lvl4pPr lvl="3">
+              <a:spcBef>
+                <a:spcPts val="0"/>
+              </a:spcBef>
+              <a:spcAft>
+                <a:spcPts val="0"/>
+              </a:spcAft>
+              <a:buSzPts val="2800"/>
+              <a:buNone/>
+              <a:defRPr/>
+            </a:lvl4pPr>
+            <a:lvl5pPr lvl="4">
+              <a:spcBef>
+                <a:spcPts val="0"/>
+              </a:spcBef>
+              <a:spcAft>
+                <a:spcPts val="0"/>
+              </a:spcAft>
+              <a:buSzPts val="2800"/>
+              <a:buNone/>
+              <a:defRPr/>
+            </a:lvl5pPr>
+            <a:lvl6pPr lvl="5">
+              <a:spcBef>
+                <a:spcPts val="0"/>
+              </a:spcBef>
+              <a:spcAft>
+                <a:spcPts val="0"/>
+              </a:spcAft>
+              <a:buSzPts val="2800"/>
+              <a:buNone/>
+              <a:defRPr/>
+            </a:lvl6pPr>
+            <a:lvl7pPr lvl="6">
+              <a:spcBef>
+                <a:spcPts val="0"/>
+              </a:spcBef>
+              <a:spcAft>
+                <a:spcPts val="0"/>
+              </a:spcAft>
+              <a:buSzPts val="2800"/>
+              <a:buNone/>
+              <a:defRPr/>
+            </a:lvl7pPr>
+            <a:lvl8pPr lvl="7">
+              <a:spcBef>
+                <a:spcPts val="0"/>
+              </a:spcBef>
+              <a:spcAft>
+                <a:spcPts val="0"/>
+              </a:spcAft>
+              <a:buSzPts val="2800"/>
+              <a:buNone/>
+              <a:defRPr/>
+            </a:lvl8pPr>
+            <a:lvl9pPr lvl="8">
+              <a:spcBef>
+                <a:spcPts val="0"/>
+              </a:spcBef>
+              <a:spcAft>
+                <a:spcPts val="0"/>
+              </a:spcAft>
+              <a:buSzPts val="2800"/>
+              <a:buNone/>
+              <a:defRPr/>
+            </a:lvl9pPr>
+          </a:lstStyle>
+          <a:p>
+            <a:endParaRPr/>
+          </a:p>
+        </p:txBody>
+      </p:sp>
+      <p:sp>
+        <p:nvSpPr>
+          <p:cNvPr id="18" name="Google Shape;18;p4"/>
+          <p:cNvSpPr txBox="1">
+            <a:spLocks noGrp="1"/>
+          </p:cNvSpPr>
+          <p:nvPr>
+            <p:ph type="body" idx="1"/>
+          </p:nvPr>
+        </p:nvSpPr>
+        <p:spPr>
+          <a:xfrm>
+            <a:off x="415600" y="1536633"/>
+            <a:ext cx="11360800" cy="4555200"/>
+          </a:xfrm>
+          <a:prstGeom prst="rect">
+            <a:avLst/>
+          </a:prstGeom>
+        </p:spPr>
+        <p:txBody>
+          <a:bodyPr spcFirstLastPara="1" wrap="square" lIns="91425" tIns="91425" rIns="91425" bIns="91425" anchor="t" anchorCtr="0">
+            <a:noAutofit/>
+          </a:bodyPr>
+          <a:lstStyle>
+            <a:lvl1pPr marL="609585" lvl="0" indent="-457189">
+              <a:spcBef>
+                <a:spcPts val="0"/>
+              </a:spcBef>
+              <a:spcAft>
+                <a:spcPts val="0"/>
+              </a:spcAft>
+              <a:buSzPts val="1800"/>
+              <a:buChar char="●"/>
+              <a:defRPr/>
+            </a:lvl1pPr>
+            <a:lvl2pPr marL="1219170" lvl="1" indent="-423323">
+              <a:spcBef>
+                <a:spcPts val="2133"/>
+              </a:spcBef>
+              <a:spcAft>
+                <a:spcPts val="0"/>
+              </a:spcAft>
+              <a:buSzPts val="1400"/>
+              <a:buChar char="○"/>
+              <a:defRPr/>
+            </a:lvl2pPr>
+            <a:lvl3pPr marL="1828754" lvl="2" indent="-423323">
+              <a:spcBef>
+                <a:spcPts val="2133"/>
+              </a:spcBef>
+              <a:spcAft>
+                <a:spcPts val="0"/>
+              </a:spcAft>
+              <a:buSzPts val="1400"/>
+              <a:buChar char="■"/>
+              <a:defRPr/>
+            </a:lvl3pPr>
+            <a:lvl4pPr marL="2438339" lvl="3" indent="-423323">
+              <a:spcBef>
+                <a:spcPts val="2133"/>
+              </a:spcBef>
+              <a:spcAft>
+                <a:spcPts val="0"/>
+              </a:spcAft>
+              <a:buSzPts val="1400"/>
+              <a:buChar char="●"/>
+              <a:defRPr/>
+            </a:lvl4pPr>
+            <a:lvl5pPr marL="3047924" lvl="4" indent="-423323">
+              <a:spcBef>
+                <a:spcPts val="2133"/>
+              </a:spcBef>
+              <a:spcAft>
+                <a:spcPts val="0"/>
+              </a:spcAft>
+              <a:buSzPts val="1400"/>
+              <a:buChar char="○"/>
+              <a:defRPr/>
+            </a:lvl5pPr>
+            <a:lvl6pPr marL="3657509" lvl="5" indent="-423323">
+              <a:spcBef>
+                <a:spcPts val="2133"/>
+              </a:spcBef>
+              <a:spcAft>
+                <a:spcPts val="0"/>
+              </a:spcAft>
+              <a:buSzPts val="1400"/>
+              <a:buChar char="■"/>
+              <a:defRPr/>
+            </a:lvl6pPr>
+            <a:lvl7pPr marL="4267093" lvl="6" indent="-423323">
+              <a:spcBef>
+                <a:spcPts val="2133"/>
+              </a:spcBef>
+              <a:spcAft>
+                <a:spcPts val="0"/>
+              </a:spcAft>
+              <a:buSzPts val="1400"/>
+              <a:buChar char="●"/>
+              <a:defRPr/>
+            </a:lvl7pPr>
+            <a:lvl8pPr marL="4876678" lvl="7" indent="-423323">
+              <a:spcBef>
+                <a:spcPts val="2133"/>
+              </a:spcBef>
+              <a:spcAft>
+                <a:spcPts val="0"/>
+              </a:spcAft>
+              <a:buSzPts val="1400"/>
+              <a:buChar char="○"/>
+              <a:defRPr/>
+            </a:lvl8pPr>
+            <a:lvl9pPr marL="5486263" lvl="8" indent="-423323">
+              <a:spcBef>
+                <a:spcPts val="2133"/>
+              </a:spcBef>
+              <a:spcAft>
+                <a:spcPts val="2133"/>
+              </a:spcAft>
+              <a:buSzPts val="1400"/>
+              <a:buChar char="■"/>
+              <a:defRPr/>
+            </a:lvl9pPr>
+          </a:lstStyle>
+          <a:p>
+            <a:endParaRPr/>
+          </a:p>
+        </p:txBody>
+      </p:sp>
+      <p:sp>
+        <p:nvSpPr>
+          <p:cNvPr id="19" name="Google Shape;19;p4"/>
+          <p:cNvSpPr txBox="1">
+            <a:spLocks noGrp="1"/>
+          </p:cNvSpPr>
+          <p:nvPr>
+            <p:ph type="sldNum" idx="12"/>
+          </p:nvPr>
+        </p:nvSpPr>
+        <p:spPr>
+          <a:xfrm>
+            <a:off x="11296611" y="6217623"/>
+            <a:ext cx="731600" cy="524800"/>
+          </a:xfrm>
+          <a:prstGeom prst="rect">
+            <a:avLst/>
+          </a:prstGeom>
+        </p:spPr>
+        <p:txBody>
+          <a:bodyPr spcFirstLastPara="1" wrap="square" lIns="91425" tIns="91425" rIns="91425" bIns="91425" anchor="ctr" anchorCtr="0">
+            <a:noAutofit/>
+          </a:bodyPr>
+          <a:lstStyle>
+            <a:lvl1pPr lvl="0">
+              <a:buNone/>
+              <a:defRPr/>
+            </a:lvl1pPr>
+            <a:lvl2pPr lvl="1">
+              <a:buNone/>
+              <a:defRPr/>
+            </a:lvl2pPr>
+            <a:lvl3pPr lvl="2">
+              <a:buNone/>
+              <a:defRPr/>
+            </a:lvl3pPr>
+            <a:lvl4pPr lvl="3">
+              <a:buNone/>
+              <a:defRPr/>
+            </a:lvl4pPr>
+            <a:lvl5pPr lvl="4">
+              <a:buNone/>
+              <a:defRPr/>
+            </a:lvl5pPr>
+            <a:lvl6pPr lvl="5">
+              <a:buNone/>
+              <a:defRPr/>
+            </a:lvl6pPr>
+            <a:lvl7pPr lvl="6">
+              <a:buNone/>
+              <a:defRPr/>
+            </a:lvl7pPr>
+            <a:lvl8pPr lvl="7">
+              <a:buNone/>
+              <a:defRPr/>
+            </a:lvl8pPr>
+            <a:lvl9pPr lvl="8">
+              <a:buNone/>
+              <a:defRPr/>
+            </a:lvl9pPr>
+          </a:lstStyle>
+          <a:p>
+            <a:fld id="{00000000-1234-1234-1234-123412341234}" type="slidenum">
+              <a:rPr lang="en" smtClean="0"/>
+              <a:pPr/>
+              <a:t>‹#›</a:t>
+            </a:fld>
+            <a:endParaRPr lang="en"/>
+          </a:p>
+        </p:txBody>
+      </p:sp>
+    </p:spTree>
+    <p:extLst>
+      <p:ext uri="{BB962C8B-B14F-4D97-AF65-F5344CB8AC3E}">
+        <p14:creationId xmlns:p14="http://schemas.microsoft.com/office/powerpoint/2010/main" val="798381300"/>
       </p:ext>
     </p:extLst>
   </p:cSld>
@@ -4369,6 +9816,575 @@
 </p:sldMaster>
 </file>
 
+<file path=ppt/slideMasters/slideMaster2.xml><?xml version="1.0" encoding="utf-8"?>
+<p:sldMaster xmlns:a="http://schemas.openxmlformats.org/drawingml/2006/main" xmlns:r="http://schemas.openxmlformats.org/officeDocument/2006/relationships" xmlns:p="http://schemas.openxmlformats.org/presentationml/2006/main">
+  <p:cSld>
+    <p:bg>
+      <p:bgRef idx="1001">
+        <a:schemeClr val="bg1"/>
+      </p:bgRef>
+    </p:bg>
+    <p:spTree>
+      <p:nvGrpSpPr>
+        <p:cNvPr id="1" name=""/>
+        <p:cNvGrpSpPr/>
+        <p:nvPr/>
+      </p:nvGrpSpPr>
+      <p:grpSpPr>
+        <a:xfrm>
+          <a:off x="0" y="0"/>
+          <a:ext cx="0" cy="0"/>
+          <a:chOff x="0" y="0"/>
+          <a:chExt cx="0" cy="0"/>
+        </a:xfrm>
+      </p:grpSpPr>
+      <p:sp>
+        <p:nvSpPr>
+          <p:cNvPr id="2" name="Title Placeholder 1">
+            <a:extLst>
+              <a:ext uri="{FF2B5EF4-FFF2-40B4-BE49-F238E27FC236}">
+                <a16:creationId xmlns:a16="http://schemas.microsoft.com/office/drawing/2014/main" id="{1FC16D75-F370-5143-BFEC-81F35880052E}"/>
+              </a:ext>
+            </a:extLst>
+          </p:cNvPr>
+          <p:cNvSpPr>
+            <a:spLocks noGrp="1"/>
+          </p:cNvSpPr>
+          <p:nvPr>
+            <p:ph type="title"/>
+          </p:nvPr>
+        </p:nvSpPr>
+        <p:spPr>
+          <a:xfrm>
+            <a:off x="838200" y="365125"/>
+            <a:ext cx="10515600" cy="1325563"/>
+          </a:xfrm>
+          <a:prstGeom prst="rect">
+            <a:avLst/>
+          </a:prstGeom>
+        </p:spPr>
+        <p:txBody>
+          <a:bodyPr vert="horz" lIns="91440" tIns="45720" rIns="91440" bIns="45720" rtlCol="0" anchor="ctr">
+            <a:normAutofit/>
+          </a:bodyPr>
+          <a:lstStyle/>
+          <a:p>
+            <a:r>
+              <a:rPr lang="en-US"/>
+              <a:t>Click to edit Master title style</a:t>
+            </a:r>
+          </a:p>
+        </p:txBody>
+      </p:sp>
+      <p:sp>
+        <p:nvSpPr>
+          <p:cNvPr id="3" name="Text Placeholder 2">
+            <a:extLst>
+              <a:ext uri="{FF2B5EF4-FFF2-40B4-BE49-F238E27FC236}">
+                <a16:creationId xmlns:a16="http://schemas.microsoft.com/office/drawing/2014/main" id="{D2138876-0179-6C4F-83B7-94CF6B851F5C}"/>
+              </a:ext>
+            </a:extLst>
+          </p:cNvPr>
+          <p:cNvSpPr>
+            <a:spLocks noGrp="1"/>
+          </p:cNvSpPr>
+          <p:nvPr>
+            <p:ph type="body" idx="1"/>
+          </p:nvPr>
+        </p:nvSpPr>
+        <p:spPr>
+          <a:xfrm>
+            <a:off x="838200" y="1825625"/>
+            <a:ext cx="10515600" cy="4351338"/>
+          </a:xfrm>
+          <a:prstGeom prst="rect">
+            <a:avLst/>
+          </a:prstGeom>
+        </p:spPr>
+        <p:txBody>
+          <a:bodyPr vert="horz" lIns="91440" tIns="45720" rIns="91440" bIns="45720" rtlCol="0">
+            <a:normAutofit/>
+          </a:bodyPr>
+          <a:lstStyle/>
+          <a:p>
+            <a:pPr lvl="0"/>
+            <a:r>
+              <a:rPr lang="en-US"/>
+              <a:t>Edit Master text styles</a:t>
+            </a:r>
+          </a:p>
+          <a:p>
+            <a:pPr lvl="1"/>
+            <a:r>
+              <a:rPr lang="en-US"/>
+              <a:t>Second level</a:t>
+            </a:r>
+          </a:p>
+          <a:p>
+            <a:pPr lvl="2"/>
+            <a:r>
+              <a:rPr lang="en-US"/>
+              <a:t>Third level</a:t>
+            </a:r>
+          </a:p>
+          <a:p>
+            <a:pPr lvl="3"/>
+            <a:r>
+              <a:rPr lang="en-US"/>
+              <a:t>Fourth level</a:t>
+            </a:r>
+          </a:p>
+          <a:p>
+            <a:pPr lvl="4"/>
+            <a:r>
+              <a:rPr lang="en-US"/>
+              <a:t>Fifth level</a:t>
+            </a:r>
+          </a:p>
+        </p:txBody>
+      </p:sp>
+      <p:sp>
+        <p:nvSpPr>
+          <p:cNvPr id="4" name="Date Placeholder 3">
+            <a:extLst>
+              <a:ext uri="{FF2B5EF4-FFF2-40B4-BE49-F238E27FC236}">
+                <a16:creationId xmlns:a16="http://schemas.microsoft.com/office/drawing/2014/main" id="{7E2E6AF1-0558-5644-81AB-1372AA3DA64C}"/>
+              </a:ext>
+            </a:extLst>
+          </p:cNvPr>
+          <p:cNvSpPr>
+            <a:spLocks noGrp="1"/>
+          </p:cNvSpPr>
+          <p:nvPr>
+            <p:ph type="dt" sz="half" idx="2"/>
+          </p:nvPr>
+        </p:nvSpPr>
+        <p:spPr>
+          <a:xfrm>
+            <a:off x="838200" y="6356350"/>
+            <a:ext cx="2743200" cy="365125"/>
+          </a:xfrm>
+          <a:prstGeom prst="rect">
+            <a:avLst/>
+          </a:prstGeom>
+        </p:spPr>
+        <p:txBody>
+          <a:bodyPr vert="horz" lIns="91440" tIns="45720" rIns="91440" bIns="45720" rtlCol="0" anchor="ctr"/>
+          <a:lstStyle>
+            <a:lvl1pPr algn="l">
+              <a:defRPr sz="1200">
+                <a:solidFill>
+                  <a:schemeClr val="tx1">
+                    <a:tint val="75000"/>
+                  </a:schemeClr>
+                </a:solidFill>
+              </a:defRPr>
+            </a:lvl1pPr>
+          </a:lstStyle>
+          <a:p>
+            <a:fld id="{DCF04831-FE79-4C48-8B5F-6128F6AE010B}" type="datetimeFigureOut">
+              <a:rPr lang="en-US" smtClean="0"/>
+              <a:t>10/4/19</a:t>
+            </a:fld>
+            <a:endParaRPr lang="en-US"/>
+          </a:p>
+        </p:txBody>
+      </p:sp>
+      <p:sp>
+        <p:nvSpPr>
+          <p:cNvPr id="5" name="Footer Placeholder 4">
+            <a:extLst>
+              <a:ext uri="{FF2B5EF4-FFF2-40B4-BE49-F238E27FC236}">
+                <a16:creationId xmlns:a16="http://schemas.microsoft.com/office/drawing/2014/main" id="{4162E5C0-191E-D344-BC71-4476370D6CC1}"/>
+              </a:ext>
+            </a:extLst>
+          </p:cNvPr>
+          <p:cNvSpPr>
+            <a:spLocks noGrp="1"/>
+          </p:cNvSpPr>
+          <p:nvPr>
+            <p:ph type="ftr" sz="quarter" idx="3"/>
+          </p:nvPr>
+        </p:nvSpPr>
+        <p:spPr>
+          <a:xfrm>
+            <a:off x="4038600" y="6356350"/>
+            <a:ext cx="4114800" cy="365125"/>
+          </a:xfrm>
+          <a:prstGeom prst="rect">
+            <a:avLst/>
+          </a:prstGeom>
+        </p:spPr>
+        <p:txBody>
+          <a:bodyPr vert="horz" lIns="91440" tIns="45720" rIns="91440" bIns="45720" rtlCol="0" anchor="ctr"/>
+          <a:lstStyle>
+            <a:lvl1pPr algn="ctr">
+              <a:defRPr sz="1200">
+                <a:solidFill>
+                  <a:schemeClr val="tx1">
+                    <a:tint val="75000"/>
+                  </a:schemeClr>
+                </a:solidFill>
+              </a:defRPr>
+            </a:lvl1pPr>
+          </a:lstStyle>
+          <a:p>
+            <a:endParaRPr lang="en-US"/>
+          </a:p>
+        </p:txBody>
+      </p:sp>
+      <p:sp>
+        <p:nvSpPr>
+          <p:cNvPr id="6" name="Slide Number Placeholder 5">
+            <a:extLst>
+              <a:ext uri="{FF2B5EF4-FFF2-40B4-BE49-F238E27FC236}">
+                <a16:creationId xmlns:a16="http://schemas.microsoft.com/office/drawing/2014/main" id="{9C3D6F74-F2FF-7347-AC4D-ED84DEC82A36}"/>
+              </a:ext>
+            </a:extLst>
+          </p:cNvPr>
+          <p:cNvSpPr>
+            <a:spLocks noGrp="1"/>
+          </p:cNvSpPr>
+          <p:nvPr>
+            <p:ph type="sldNum" sz="quarter" idx="4"/>
+          </p:nvPr>
+        </p:nvSpPr>
+        <p:spPr>
+          <a:xfrm>
+            <a:off x="8610600" y="6356350"/>
+            <a:ext cx="2743200" cy="365125"/>
+          </a:xfrm>
+          <a:prstGeom prst="rect">
+            <a:avLst/>
+          </a:prstGeom>
+        </p:spPr>
+        <p:txBody>
+          <a:bodyPr vert="horz" lIns="91440" tIns="45720" rIns="91440" bIns="45720" rtlCol="0" anchor="ctr"/>
+          <a:lstStyle>
+            <a:lvl1pPr algn="r">
+              <a:defRPr sz="1200">
+                <a:solidFill>
+                  <a:schemeClr val="tx1">
+                    <a:tint val="75000"/>
+                  </a:schemeClr>
+                </a:solidFill>
+              </a:defRPr>
+            </a:lvl1pPr>
+          </a:lstStyle>
+          <a:p>
+            <a:fld id="{C31BBD4C-C861-D646-B95A-46A5F141E02A}" type="slidenum">
+              <a:rPr lang="en-US" smtClean="0"/>
+              <a:t>‹#›</a:t>
+            </a:fld>
+            <a:endParaRPr lang="en-US"/>
+          </a:p>
+        </p:txBody>
+      </p:sp>
+    </p:spTree>
+    <p:extLst>
+      <p:ext uri="{BB962C8B-B14F-4D97-AF65-F5344CB8AC3E}">
+        <p14:creationId xmlns:p14="http://schemas.microsoft.com/office/powerpoint/2010/main" val="1122328663"/>
+      </p:ext>
+    </p:extLst>
+  </p:cSld>
+  <p:clrMap bg1="lt1" tx1="dk1" bg2="lt2" tx2="dk2" accent1="accent1" accent2="accent2" accent3="accent3" accent4="accent4" accent5="accent5" accent6="accent6" hlink="hlink" folHlink="folHlink"/>
+  <p:sldLayoutIdLst>
+    <p:sldLayoutId id="2147483673" r:id="rId1"/>
+    <p:sldLayoutId id="2147483674" r:id="rId2"/>
+    <p:sldLayoutId id="2147483675" r:id="rId3"/>
+    <p:sldLayoutId id="2147483676" r:id="rId4"/>
+    <p:sldLayoutId id="2147483677" r:id="rId5"/>
+    <p:sldLayoutId id="2147483678" r:id="rId6"/>
+    <p:sldLayoutId id="2147483679" r:id="rId7"/>
+    <p:sldLayoutId id="2147483680" r:id="rId8"/>
+    <p:sldLayoutId id="2147483681" r:id="rId9"/>
+    <p:sldLayoutId id="2147483682" r:id="rId10"/>
+    <p:sldLayoutId id="2147483683" r:id="rId11"/>
+    <p:sldLayoutId id="2147483684" r:id="rId12"/>
+  </p:sldLayoutIdLst>
+  <p:txStyles>
+    <p:titleStyle>
+      <a:lvl1pPr algn="l" defTabSz="914400" rtl="0" eaLnBrk="1" latinLnBrk="0" hangingPunct="1">
+        <a:lnSpc>
+          <a:spcPct val="90000"/>
+        </a:lnSpc>
+        <a:spcBef>
+          <a:spcPct val="0"/>
+        </a:spcBef>
+        <a:buNone/>
+        <a:defRPr sz="4400" kern="1200">
+          <a:solidFill>
+            <a:schemeClr val="tx1"/>
+          </a:solidFill>
+          <a:latin typeface="+mj-lt"/>
+          <a:ea typeface="+mj-ea"/>
+          <a:cs typeface="+mj-cs"/>
+        </a:defRPr>
+      </a:lvl1pPr>
+    </p:titleStyle>
+    <p:bodyStyle>
+      <a:lvl1pPr marL="228600" indent="-228600" algn="l" defTabSz="914400" rtl="0" eaLnBrk="1" latinLnBrk="0" hangingPunct="1">
+        <a:lnSpc>
+          <a:spcPct val="90000"/>
+        </a:lnSpc>
+        <a:spcBef>
+          <a:spcPts val="1000"/>
+        </a:spcBef>
+        <a:buFont typeface="Arial" panose="020B0604020202020204" pitchFamily="34" charset="0"/>
+        <a:buChar char="•"/>
+        <a:defRPr sz="2800" kern="1200">
+          <a:solidFill>
+            <a:schemeClr val="tx1"/>
+          </a:solidFill>
+          <a:latin typeface="+mn-lt"/>
+          <a:ea typeface="+mn-ea"/>
+          <a:cs typeface="+mn-cs"/>
+        </a:defRPr>
+      </a:lvl1pPr>
+      <a:lvl2pPr marL="685800" indent="-228600" algn="l" defTabSz="914400" rtl="0" eaLnBrk="1" latinLnBrk="0" hangingPunct="1">
+        <a:lnSpc>
+          <a:spcPct val="90000"/>
+        </a:lnSpc>
+        <a:spcBef>
+          <a:spcPts val="500"/>
+        </a:spcBef>
+        <a:buFont typeface="Arial" panose="020B0604020202020204" pitchFamily="34" charset="0"/>
+        <a:buChar char="•"/>
+        <a:defRPr sz="2400" kern="1200">
+          <a:solidFill>
+            <a:schemeClr val="tx1"/>
+          </a:solidFill>
+          <a:latin typeface="+mn-lt"/>
+          <a:ea typeface="+mn-ea"/>
+          <a:cs typeface="+mn-cs"/>
+        </a:defRPr>
+      </a:lvl2pPr>
+      <a:lvl3pPr marL="1143000" indent="-228600" algn="l" defTabSz="914400" rtl="0" eaLnBrk="1" latinLnBrk="0" hangingPunct="1">
+        <a:lnSpc>
+          <a:spcPct val="90000"/>
+        </a:lnSpc>
+        <a:spcBef>
+          <a:spcPts val="500"/>
+        </a:spcBef>
+        <a:buFont typeface="Arial" panose="020B0604020202020204" pitchFamily="34" charset="0"/>
+        <a:buChar char="•"/>
+        <a:defRPr sz="2000" kern="1200">
+          <a:solidFill>
+            <a:schemeClr val="tx1"/>
+          </a:solidFill>
+          <a:latin typeface="+mn-lt"/>
+          <a:ea typeface="+mn-ea"/>
+          <a:cs typeface="+mn-cs"/>
+        </a:defRPr>
+      </a:lvl3pPr>
+      <a:lvl4pPr marL="1600200" indent="-228600" algn="l" defTabSz="914400" rtl="0" eaLnBrk="1" latinLnBrk="0" hangingPunct="1">
+        <a:lnSpc>
+          <a:spcPct val="90000"/>
+        </a:lnSpc>
+        <a:spcBef>
+          <a:spcPts val="500"/>
+        </a:spcBef>
+        <a:buFont typeface="Arial" panose="020B0604020202020204" pitchFamily="34" charset="0"/>
+        <a:buChar char="•"/>
+        <a:defRPr sz="1800" kern="1200">
+          <a:solidFill>
+            <a:schemeClr val="tx1"/>
+          </a:solidFill>
+          <a:latin typeface="+mn-lt"/>
+          <a:ea typeface="+mn-ea"/>
+          <a:cs typeface="+mn-cs"/>
+        </a:defRPr>
+      </a:lvl4pPr>
+      <a:lvl5pPr marL="2057400" indent="-228600" algn="l" defTabSz="914400" rtl="0" eaLnBrk="1" latinLnBrk="0" hangingPunct="1">
+        <a:lnSpc>
+          <a:spcPct val="90000"/>
+        </a:lnSpc>
+        <a:spcBef>
+          <a:spcPts val="500"/>
+        </a:spcBef>
+        <a:buFont typeface="Arial" panose="020B0604020202020204" pitchFamily="34" charset="0"/>
+        <a:buChar char="•"/>
+        <a:defRPr sz="1800" kern="1200">
+          <a:solidFill>
+            <a:schemeClr val="tx1"/>
+          </a:solidFill>
+          <a:latin typeface="+mn-lt"/>
+          <a:ea typeface="+mn-ea"/>
+          <a:cs typeface="+mn-cs"/>
+        </a:defRPr>
+      </a:lvl5pPr>
+      <a:lvl6pPr marL="2514600" indent="-228600" algn="l" defTabSz="914400" rtl="0" eaLnBrk="1" latinLnBrk="0" hangingPunct="1">
+        <a:lnSpc>
+          <a:spcPct val="90000"/>
+        </a:lnSpc>
+        <a:spcBef>
+          <a:spcPts val="500"/>
+        </a:spcBef>
+        <a:buFont typeface="Arial" panose="020B0604020202020204" pitchFamily="34" charset="0"/>
+        <a:buChar char="•"/>
+        <a:defRPr sz="1800" kern="1200">
+          <a:solidFill>
+            <a:schemeClr val="tx1"/>
+          </a:solidFill>
+          <a:latin typeface="+mn-lt"/>
+          <a:ea typeface="+mn-ea"/>
+          <a:cs typeface="+mn-cs"/>
+        </a:defRPr>
+      </a:lvl6pPr>
+      <a:lvl7pPr marL="2971800" indent="-228600" algn="l" defTabSz="914400" rtl="0" eaLnBrk="1" latinLnBrk="0" hangingPunct="1">
+        <a:lnSpc>
+          <a:spcPct val="90000"/>
+        </a:lnSpc>
+        <a:spcBef>
+          <a:spcPts val="500"/>
+        </a:spcBef>
+        <a:buFont typeface="Arial" panose="020B0604020202020204" pitchFamily="34" charset="0"/>
+        <a:buChar char="•"/>
+        <a:defRPr sz="1800" kern="1200">
+          <a:solidFill>
+            <a:schemeClr val="tx1"/>
+          </a:solidFill>
+          <a:latin typeface="+mn-lt"/>
+          <a:ea typeface="+mn-ea"/>
+          <a:cs typeface="+mn-cs"/>
+        </a:defRPr>
+      </a:lvl7pPr>
+      <a:lvl8pPr marL="3429000" indent="-228600" algn="l" defTabSz="914400" rtl="0" eaLnBrk="1" latinLnBrk="0" hangingPunct="1">
+        <a:lnSpc>
+          <a:spcPct val="90000"/>
+        </a:lnSpc>
+        <a:spcBef>
+          <a:spcPts val="500"/>
+        </a:spcBef>
+        <a:buFont typeface="Arial" panose="020B0604020202020204" pitchFamily="34" charset="0"/>
+        <a:buChar char="•"/>
+        <a:defRPr sz="1800" kern="1200">
+          <a:solidFill>
+            <a:schemeClr val="tx1"/>
+          </a:solidFill>
+          <a:latin typeface="+mn-lt"/>
+          <a:ea typeface="+mn-ea"/>
+          <a:cs typeface="+mn-cs"/>
+        </a:defRPr>
+      </a:lvl8pPr>
+      <a:lvl9pPr marL="3886200" indent="-228600" algn="l" defTabSz="914400" rtl="0" eaLnBrk="1" latinLnBrk="0" hangingPunct="1">
+        <a:lnSpc>
+          <a:spcPct val="90000"/>
+        </a:lnSpc>
+        <a:spcBef>
+          <a:spcPts val="500"/>
+        </a:spcBef>
+        <a:buFont typeface="Arial" panose="020B0604020202020204" pitchFamily="34" charset="0"/>
+        <a:buChar char="•"/>
+        <a:defRPr sz="1800" kern="1200">
+          <a:solidFill>
+            <a:schemeClr val="tx1"/>
+          </a:solidFill>
+          <a:latin typeface="+mn-lt"/>
+          <a:ea typeface="+mn-ea"/>
+          <a:cs typeface="+mn-cs"/>
+        </a:defRPr>
+      </a:lvl9pPr>
+    </p:bodyStyle>
+    <p:otherStyle>
+      <a:defPPr>
+        <a:defRPr lang="en-US"/>
+      </a:defPPr>
+      <a:lvl1pPr marL="0" algn="l" defTabSz="914400" rtl="0" eaLnBrk="1" latinLnBrk="0" hangingPunct="1">
+        <a:defRPr sz="1800" kern="1200">
+          <a:solidFill>
+            <a:schemeClr val="tx1"/>
+          </a:solidFill>
+          <a:latin typeface="+mn-lt"/>
+          <a:ea typeface="+mn-ea"/>
+          <a:cs typeface="+mn-cs"/>
+        </a:defRPr>
+      </a:lvl1pPr>
+      <a:lvl2pPr marL="457200" algn="l" defTabSz="914400" rtl="0" eaLnBrk="1" latinLnBrk="0" hangingPunct="1">
+        <a:defRPr sz="1800" kern="1200">
+          <a:solidFill>
+            <a:schemeClr val="tx1"/>
+          </a:solidFill>
+          <a:latin typeface="+mn-lt"/>
+          <a:ea typeface="+mn-ea"/>
+          <a:cs typeface="+mn-cs"/>
+        </a:defRPr>
+      </a:lvl2pPr>
+      <a:lvl3pPr marL="914400" algn="l" defTabSz="914400" rtl="0" eaLnBrk="1" latinLnBrk="0" hangingPunct="1">
+        <a:defRPr sz="1800" kern="1200">
+          <a:solidFill>
+            <a:schemeClr val="tx1"/>
+          </a:solidFill>
+          <a:latin typeface="+mn-lt"/>
+          <a:ea typeface="+mn-ea"/>
+          <a:cs typeface="+mn-cs"/>
+        </a:defRPr>
+      </a:lvl3pPr>
+      <a:lvl4pPr marL="1371600" algn="l" defTabSz="914400" rtl="0" eaLnBrk="1" latinLnBrk="0" hangingPunct="1">
+        <a:defRPr sz="1800" kern="1200">
+          <a:solidFill>
+            <a:schemeClr val="tx1"/>
+          </a:solidFill>
+          <a:latin typeface="+mn-lt"/>
+          <a:ea typeface="+mn-ea"/>
+          <a:cs typeface="+mn-cs"/>
+        </a:defRPr>
+      </a:lvl4pPr>
+      <a:lvl5pPr marL="1828800" algn="l" defTabSz="914400" rtl="0" eaLnBrk="1" latinLnBrk="0" hangingPunct="1">
+        <a:defRPr sz="1800" kern="1200">
+          <a:solidFill>
+            <a:schemeClr val="tx1"/>
+          </a:solidFill>
+          <a:latin typeface="+mn-lt"/>
+          <a:ea typeface="+mn-ea"/>
+          <a:cs typeface="+mn-cs"/>
+        </a:defRPr>
+      </a:lvl5pPr>
+      <a:lvl6pPr marL="2286000" algn="l" defTabSz="914400" rtl="0" eaLnBrk="1" latinLnBrk="0" hangingPunct="1">
+        <a:defRPr sz="1800" kern="1200">
+          <a:solidFill>
+            <a:schemeClr val="tx1"/>
+          </a:solidFill>
+          <a:latin typeface="+mn-lt"/>
+          <a:ea typeface="+mn-ea"/>
+          <a:cs typeface="+mn-cs"/>
+        </a:defRPr>
+      </a:lvl6pPr>
+      <a:lvl7pPr marL="2743200" algn="l" defTabSz="914400" rtl="0" eaLnBrk="1" latinLnBrk="0" hangingPunct="1">
+        <a:defRPr sz="1800" kern="1200">
+          <a:solidFill>
+            <a:schemeClr val="tx1"/>
+          </a:solidFill>
+          <a:latin typeface="+mn-lt"/>
+          <a:ea typeface="+mn-ea"/>
+          <a:cs typeface="+mn-cs"/>
+        </a:defRPr>
+      </a:lvl7pPr>
+      <a:lvl8pPr marL="3200400" algn="l" defTabSz="914400" rtl="0" eaLnBrk="1" latinLnBrk="0" hangingPunct="1">
+        <a:defRPr sz="1800" kern="1200">
+          <a:solidFill>
+            <a:schemeClr val="tx1"/>
+          </a:solidFill>
+          <a:latin typeface="+mn-lt"/>
+          <a:ea typeface="+mn-ea"/>
+          <a:cs typeface="+mn-cs"/>
+        </a:defRPr>
+      </a:lvl8pPr>
+      <a:lvl9pPr marL="3657600" algn="l" defTabSz="914400" rtl="0" eaLnBrk="1" latinLnBrk="0" hangingPunct="1">
+        <a:defRPr sz="1800" kern="1200">
+          <a:solidFill>
+            <a:schemeClr val="tx1"/>
+          </a:solidFill>
+          <a:latin typeface="+mn-lt"/>
+          <a:ea typeface="+mn-ea"/>
+          <a:cs typeface="+mn-cs"/>
+        </a:defRPr>
+      </a:lvl9pPr>
+    </p:otherStyle>
+  </p:txStyles>
+</p:sldMaster>
+</file>
+
 <file path=ppt/slides/slide1.xml><?xml version="1.0" encoding="utf-8"?>
 <p:sld xmlns:a="http://schemas.openxmlformats.org/drawingml/2006/main" xmlns:r="http://schemas.openxmlformats.org/officeDocument/2006/relationships" xmlns:p="http://schemas.openxmlformats.org/presentationml/2006/main">
   <p:cSld>
@@ -4895,6 +10911,479 @@
   </p:cSld>
   <p:clrMapOvr>
     <a:masterClrMapping/>
+  </p:clrMapOvr>
+</p:sld>
+</file>
+
+<file path=ppt/slides/slide11.xml><?xml version="1.0" encoding="utf-8"?>
+<p:sld xmlns:a="http://schemas.openxmlformats.org/drawingml/2006/main" xmlns:r="http://schemas.openxmlformats.org/officeDocument/2006/relationships" xmlns:p="http://schemas.openxmlformats.org/presentationml/2006/main">
+  <p:cSld>
+    <p:bg>
+      <p:bgPr>
+        <a:solidFill>
+          <a:schemeClr val="bg1"/>
+        </a:solidFill>
+        <a:effectLst/>
+      </p:bgPr>
+    </p:bg>
+    <p:spTree>
+      <p:nvGrpSpPr>
+        <p:cNvPr id="1" name=""/>
+        <p:cNvGrpSpPr/>
+        <p:nvPr/>
+      </p:nvGrpSpPr>
+      <p:grpSpPr>
+        <a:xfrm>
+          <a:off x="0" y="0"/>
+          <a:ext cx="0" cy="0"/>
+          <a:chOff x="0" y="0"/>
+          <a:chExt cx="0" cy="0"/>
+        </a:xfrm>
+      </p:grpSpPr>
+      <p:sp>
+        <p:nvSpPr>
+          <p:cNvPr id="13" name="Rectangle 9">
+            <a:extLst>
+              <a:ext uri="{FF2B5EF4-FFF2-40B4-BE49-F238E27FC236}">
+                <a16:creationId xmlns:a16="http://schemas.microsoft.com/office/drawing/2014/main" id="{56C20283-73E0-40EC-8AD8-057F581F64C2}"/>
+              </a:ext>
+              <a:ext uri="{C183D7F6-B498-43B3-948B-1728B52AA6E4}">
+                <adec:decorative xmlns:adec="http://schemas.microsoft.com/office/drawing/2017/decorative" val="1"/>
+              </a:ext>
+            </a:extLst>
+          </p:cNvPr>
+          <p:cNvSpPr>
+            <a:spLocks noGrp="1" noRot="1" noChangeAspect="1" noMove="1" noResize="1" noEditPoints="1" noAdjustHandles="1" noChangeArrowheads="1" noChangeShapeType="1" noTextEdit="1"/>
+          </p:cNvSpPr>
+          <p:nvPr>
+            <p:extLst>
+              <p:ext uri="{386F3935-93C4-4BCD-93E2-E3B085C9AB24}">
+                <p16:designElem xmlns:p16="http://schemas.microsoft.com/office/powerpoint/2015/main" val="1"/>
+              </p:ext>
+            </p:extLst>
+          </p:nvPr>
+        </p:nvSpPr>
+        <p:spPr>
+          <a:xfrm>
+            <a:off x="1524" y="0"/>
+            <a:ext cx="12188952" cy="6858000"/>
+          </a:xfrm>
+          <a:prstGeom prst="rect">
+            <a:avLst/>
+          </a:prstGeom>
+          <a:solidFill>
+            <a:schemeClr val="tx1"/>
+          </a:solidFill>
+          <a:ln>
+            <a:noFill/>
+          </a:ln>
+        </p:spPr>
+        <p:style>
+          <a:lnRef idx="2">
+            <a:schemeClr val="accent1">
+              <a:shade val="50000"/>
+            </a:schemeClr>
+          </a:lnRef>
+          <a:fillRef idx="1">
+            <a:schemeClr val="accent1"/>
+          </a:fillRef>
+          <a:effectRef idx="0">
+            <a:schemeClr val="accent1"/>
+          </a:effectRef>
+          <a:fontRef idx="minor">
+            <a:schemeClr val="lt1"/>
+          </a:fontRef>
+        </p:style>
+        <p:txBody>
+          <a:bodyPr rtlCol="0" anchor="ctr"/>
+          <a:lstStyle/>
+          <a:p>
+            <a:pPr marL="0" marR="0" lvl="0" indent="0" algn="ctr" defTabSz="914400" rtl="0" eaLnBrk="1" fontAlgn="auto" latinLnBrk="0" hangingPunct="1">
+              <a:lnSpc>
+                <a:spcPct val="100000"/>
+              </a:lnSpc>
+              <a:spcBef>
+                <a:spcPts val="0"/>
+              </a:spcBef>
+              <a:spcAft>
+                <a:spcPts val="0"/>
+              </a:spcAft>
+              <a:buClrTx/>
+              <a:buSzTx/>
+              <a:buFontTx/>
+              <a:buNone/>
+              <a:tabLst/>
+              <a:defRPr/>
+            </a:pPr>
+            <a:endParaRPr kumimoji="0" lang="en-US" sz="1800" b="0" i="0" u="none" strike="noStrike" kern="1200" cap="none" spc="0" normalizeH="0" baseline="0" noProof="0">
+              <a:ln>
+                <a:noFill/>
+              </a:ln>
+              <a:solidFill>
+                <a:prstClr val="white"/>
+              </a:solidFill>
+              <a:effectLst/>
+              <a:uLnTx/>
+              <a:uFillTx/>
+              <a:latin typeface="Calibri" panose="020F0502020204030204"/>
+              <a:ea typeface="+mn-ea"/>
+              <a:cs typeface="+mn-cs"/>
+            </a:endParaRPr>
+          </a:p>
+        </p:txBody>
+      </p:sp>
+      <p:sp>
+        <p:nvSpPr>
+          <p:cNvPr id="12" name="Freeform 28">
+            <a:extLst>
+              <a:ext uri="{FF2B5EF4-FFF2-40B4-BE49-F238E27FC236}">
+                <a16:creationId xmlns:a16="http://schemas.microsoft.com/office/drawing/2014/main" id="{3FCC729B-E528-40C3-82D3-BA4375575E87}"/>
+              </a:ext>
+              <a:ext uri="{C183D7F6-B498-43B3-948B-1728B52AA6E4}">
+                <adec:decorative xmlns:adec="http://schemas.microsoft.com/office/drawing/2017/decorative" val="1"/>
+              </a:ext>
+            </a:extLst>
+          </p:cNvPr>
+          <p:cNvSpPr>
+            <a:spLocks noGrp="1" noRot="1" noChangeAspect="1" noMove="1" noResize="1" noEditPoints="1" noAdjustHandles="1" noChangeArrowheads="1" noChangeShapeType="1" noTextEdit="1"/>
+          </p:cNvSpPr>
+          <p:nvPr>
+            <p:extLst>
+              <p:ext uri="{386F3935-93C4-4BCD-93E2-E3B085C9AB24}">
+                <p16:designElem xmlns:p16="http://schemas.microsoft.com/office/powerpoint/2015/main" val="1"/>
+              </p:ext>
+            </p:extLst>
+          </p:nvPr>
+        </p:nvSpPr>
+        <p:spPr>
+          <a:xfrm flipH="1" flipV="1">
+            <a:off x="960120" y="0"/>
+            <a:ext cx="11218661" cy="6858000"/>
+          </a:xfrm>
+          <a:custGeom>
+            <a:avLst/>
+            <a:gdLst>
+              <a:gd name="connsiteX0" fmla="*/ 0 w 11218661"/>
+              <a:gd name="connsiteY0" fmla="*/ 0 h 6858000"/>
+              <a:gd name="connsiteX1" fmla="*/ 8042507 w 11218661"/>
+              <a:gd name="connsiteY1" fmla="*/ 0 h 6858000"/>
+              <a:gd name="connsiteX2" fmla="*/ 11218661 w 11218661"/>
+              <a:gd name="connsiteY2" fmla="*/ 6858000 h 6858000"/>
+              <a:gd name="connsiteX3" fmla="*/ 0 w 11218661"/>
+              <a:gd name="connsiteY3" fmla="*/ 6858000 h 6858000"/>
+            </a:gdLst>
+            <a:ahLst/>
+            <a:cxnLst>
+              <a:cxn ang="0">
+                <a:pos x="connsiteX0" y="connsiteY0"/>
+              </a:cxn>
+              <a:cxn ang="0">
+                <a:pos x="connsiteX1" y="connsiteY1"/>
+              </a:cxn>
+              <a:cxn ang="0">
+                <a:pos x="connsiteX2" y="connsiteY2"/>
+              </a:cxn>
+              <a:cxn ang="0">
+                <a:pos x="connsiteX3" y="connsiteY3"/>
+              </a:cxn>
+            </a:cxnLst>
+            <a:rect l="l" t="t" r="r" b="b"/>
+            <a:pathLst>
+              <a:path w="11218661" h="6858000">
+                <a:moveTo>
+                  <a:pt x="0" y="0"/>
+                </a:moveTo>
+                <a:lnTo>
+                  <a:pt x="8042507" y="0"/>
+                </a:lnTo>
+                <a:lnTo>
+                  <a:pt x="11218661" y="6858000"/>
+                </a:lnTo>
+                <a:lnTo>
+                  <a:pt x="0" y="6858000"/>
+                </a:lnTo>
+                <a:close/>
+              </a:path>
+            </a:pathLst>
+          </a:custGeom>
+          <a:solidFill>
+            <a:schemeClr val="bg1">
+              <a:lumMod val="85000"/>
+              <a:lumOff val="15000"/>
+              <a:alpha val="70000"/>
+            </a:schemeClr>
+          </a:solidFill>
+          <a:ln>
+            <a:noFill/>
+          </a:ln>
+        </p:spPr>
+        <p:style>
+          <a:lnRef idx="2">
+            <a:schemeClr val="accent1">
+              <a:shade val="50000"/>
+            </a:schemeClr>
+          </a:lnRef>
+          <a:fillRef idx="1">
+            <a:schemeClr val="accent1"/>
+          </a:fillRef>
+          <a:effectRef idx="0">
+            <a:schemeClr val="accent1"/>
+          </a:effectRef>
+          <a:fontRef idx="minor">
+            <a:schemeClr val="lt1"/>
+          </a:fontRef>
+        </p:style>
+        <p:txBody>
+          <a:bodyPr wrap="square" rtlCol="0" anchor="ctr">
+            <a:noAutofit/>
+          </a:bodyPr>
+          <a:lstStyle/>
+          <a:p>
+            <a:pPr marL="0" marR="0" lvl="0" indent="0" algn="ctr" defTabSz="914400" rtl="0" eaLnBrk="1" fontAlgn="auto" latinLnBrk="0" hangingPunct="1">
+              <a:lnSpc>
+                <a:spcPct val="100000"/>
+              </a:lnSpc>
+              <a:spcBef>
+                <a:spcPts val="0"/>
+              </a:spcBef>
+              <a:spcAft>
+                <a:spcPts val="0"/>
+              </a:spcAft>
+              <a:buClrTx/>
+              <a:buSzTx/>
+              <a:buFontTx/>
+              <a:buNone/>
+              <a:tabLst/>
+              <a:defRPr/>
+            </a:pPr>
+            <a:endParaRPr kumimoji="0" lang="en-US" sz="1800" b="0" i="0" u="none" strike="noStrike" kern="1200" cap="none" spc="0" normalizeH="0" baseline="0" noProof="0">
+              <a:ln>
+                <a:noFill/>
+              </a:ln>
+              <a:solidFill>
+                <a:prstClr val="white"/>
+              </a:solidFill>
+              <a:effectLst/>
+              <a:uLnTx/>
+              <a:uFillTx/>
+              <a:latin typeface="Calibri" panose="020F0502020204030204"/>
+              <a:ea typeface="+mn-ea"/>
+              <a:cs typeface="+mn-cs"/>
+            </a:endParaRPr>
+          </a:p>
+        </p:txBody>
+      </p:sp>
+      <p:sp>
+        <p:nvSpPr>
+          <p:cNvPr id="14" name="Freeform 26">
+            <a:extLst>
+              <a:ext uri="{FF2B5EF4-FFF2-40B4-BE49-F238E27FC236}">
+                <a16:creationId xmlns:a16="http://schemas.microsoft.com/office/drawing/2014/main" id="{58F1FB8D-1842-4A04-998D-6CF047AB2790}"/>
+              </a:ext>
+              <a:ext uri="{C183D7F6-B498-43B3-948B-1728B52AA6E4}">
+                <adec:decorative xmlns:adec="http://schemas.microsoft.com/office/drawing/2017/decorative" val="1"/>
+              </a:ext>
+            </a:extLst>
+          </p:cNvPr>
+          <p:cNvSpPr>
+            <a:spLocks noGrp="1" noRot="1" noChangeAspect="1" noMove="1" noResize="1" noEditPoints="1" noAdjustHandles="1" noChangeArrowheads="1" noChangeShapeType="1" noTextEdit="1"/>
+          </p:cNvSpPr>
+          <p:nvPr>
+            <p:extLst>
+              <p:ext uri="{386F3935-93C4-4BCD-93E2-E3B085C9AB24}">
+                <p16:designElem xmlns:p16="http://schemas.microsoft.com/office/powerpoint/2015/main" val="1"/>
+              </p:ext>
+            </p:extLst>
+          </p:nvPr>
+        </p:nvSpPr>
+        <p:spPr>
+          <a:xfrm flipH="1" flipV="1">
+            <a:off x="1420248" y="0"/>
+            <a:ext cx="10771752" cy="6858000"/>
+          </a:xfrm>
+          <a:custGeom>
+            <a:avLst/>
+            <a:gdLst>
+              <a:gd name="connsiteX0" fmla="*/ 0 w 10771752"/>
+              <a:gd name="connsiteY0" fmla="*/ 0 h 6858000"/>
+              <a:gd name="connsiteX1" fmla="*/ 7595598 w 10771752"/>
+              <a:gd name="connsiteY1" fmla="*/ 0 h 6858000"/>
+              <a:gd name="connsiteX2" fmla="*/ 10771752 w 10771752"/>
+              <a:gd name="connsiteY2" fmla="*/ 6858000 h 6858000"/>
+              <a:gd name="connsiteX3" fmla="*/ 0 w 10771752"/>
+              <a:gd name="connsiteY3" fmla="*/ 6858000 h 6858000"/>
+            </a:gdLst>
+            <a:ahLst/>
+            <a:cxnLst>
+              <a:cxn ang="0">
+                <a:pos x="connsiteX0" y="connsiteY0"/>
+              </a:cxn>
+              <a:cxn ang="0">
+                <a:pos x="connsiteX1" y="connsiteY1"/>
+              </a:cxn>
+              <a:cxn ang="0">
+                <a:pos x="connsiteX2" y="connsiteY2"/>
+              </a:cxn>
+              <a:cxn ang="0">
+                <a:pos x="connsiteX3" y="connsiteY3"/>
+              </a:cxn>
+            </a:cxnLst>
+            <a:rect l="l" t="t" r="r" b="b"/>
+            <a:pathLst>
+              <a:path w="10771752" h="6858000">
+                <a:moveTo>
+                  <a:pt x="0" y="0"/>
+                </a:moveTo>
+                <a:lnTo>
+                  <a:pt x="7595598" y="0"/>
+                </a:lnTo>
+                <a:lnTo>
+                  <a:pt x="10771752" y="6858000"/>
+                </a:lnTo>
+                <a:lnTo>
+                  <a:pt x="0" y="6858000"/>
+                </a:lnTo>
+                <a:close/>
+              </a:path>
+            </a:pathLst>
+          </a:custGeom>
+          <a:solidFill>
+            <a:schemeClr val="bg1">
+              <a:lumMod val="85000"/>
+              <a:lumOff val="15000"/>
+            </a:schemeClr>
+          </a:solidFill>
+          <a:ln>
+            <a:noFill/>
+          </a:ln>
+        </p:spPr>
+        <p:style>
+          <a:lnRef idx="2">
+            <a:schemeClr val="accent1">
+              <a:shade val="50000"/>
+            </a:schemeClr>
+          </a:lnRef>
+          <a:fillRef idx="1">
+            <a:schemeClr val="accent1"/>
+          </a:fillRef>
+          <a:effectRef idx="0">
+            <a:schemeClr val="accent1"/>
+          </a:effectRef>
+          <a:fontRef idx="minor">
+            <a:schemeClr val="lt1"/>
+          </a:fontRef>
+        </p:style>
+        <p:txBody>
+          <a:bodyPr wrap="square" rtlCol="0" anchor="ctr">
+            <a:noAutofit/>
+          </a:bodyPr>
+          <a:lstStyle/>
+          <a:p>
+            <a:pPr marL="0" marR="0" lvl="0" indent="0" algn="ctr" defTabSz="914400" rtl="0" eaLnBrk="1" fontAlgn="auto" latinLnBrk="0" hangingPunct="1">
+              <a:lnSpc>
+                <a:spcPct val="100000"/>
+              </a:lnSpc>
+              <a:spcBef>
+                <a:spcPts val="0"/>
+              </a:spcBef>
+              <a:spcAft>
+                <a:spcPts val="0"/>
+              </a:spcAft>
+              <a:buClrTx/>
+              <a:buSzTx/>
+              <a:buFontTx/>
+              <a:buNone/>
+              <a:tabLst/>
+              <a:defRPr/>
+            </a:pPr>
+            <a:endParaRPr kumimoji="0" lang="en-US" sz="1800" b="0" i="0" u="none" strike="noStrike" kern="1200" cap="none" spc="0" normalizeH="0" baseline="0" noProof="0">
+              <a:ln>
+                <a:noFill/>
+              </a:ln>
+              <a:solidFill>
+                <a:prstClr val="white"/>
+              </a:solidFill>
+              <a:effectLst/>
+              <a:uLnTx/>
+              <a:uFillTx/>
+              <a:latin typeface="Calibri" panose="020F0502020204030204"/>
+              <a:ea typeface="+mn-ea"/>
+              <a:cs typeface="+mn-cs"/>
+            </a:endParaRPr>
+          </a:p>
+        </p:txBody>
+      </p:sp>
+      <p:sp>
+        <p:nvSpPr>
+          <p:cNvPr id="2" name="Title 1">
+            <a:extLst>
+              <a:ext uri="{FF2B5EF4-FFF2-40B4-BE49-F238E27FC236}">
+                <a16:creationId xmlns:a16="http://schemas.microsoft.com/office/drawing/2014/main" id="{C601EAA8-C725-6C46-907F-E11F411C43DB}"/>
+              </a:ext>
+            </a:extLst>
+          </p:cNvPr>
+          <p:cNvSpPr>
+            <a:spLocks noGrp="1"/>
+          </p:cNvSpPr>
+          <p:nvPr>
+            <p:ph type="title"/>
+          </p:nvPr>
+        </p:nvSpPr>
+        <p:spPr>
+          <a:xfrm>
+            <a:off x="4384039" y="365125"/>
+            <a:ext cx="7164493" cy="1325563"/>
+          </a:xfrm>
+        </p:spPr>
+        <p:txBody>
+          <a:bodyPr>
+            <a:normAutofit/>
+          </a:bodyPr>
+          <a:lstStyle/>
+          <a:p>
+            <a:r>
+              <a:rPr lang="en-US"/>
+              <a:t>Q&amp;A</a:t>
+            </a:r>
+            <a:endParaRPr lang="en-US" dirty="0"/>
+          </a:p>
+        </p:txBody>
+      </p:sp>
+      <p:graphicFrame>
+        <p:nvGraphicFramePr>
+          <p:cNvPr id="5" name="Content Placeholder 2">
+            <a:extLst>
+              <a:ext uri="{FF2B5EF4-FFF2-40B4-BE49-F238E27FC236}">
+                <a16:creationId xmlns:a16="http://schemas.microsoft.com/office/drawing/2014/main" id="{57EE0868-CF8D-4D5A-A63A-11479E34EEE3}"/>
+              </a:ext>
+            </a:extLst>
+          </p:cNvPr>
+          <p:cNvGraphicFramePr>
+            <a:graphicFrameLocks noGrp="1"/>
+          </p:cNvGraphicFramePr>
+          <p:nvPr>
+            <p:ph idx="1"/>
+          </p:nvPr>
+        </p:nvGraphicFramePr>
+        <p:xfrm>
+          <a:off x="4387515" y="2022601"/>
+          <a:ext cx="7161017" cy="4154361"/>
+        </p:xfrm>
+        <a:graphic>
+          <a:graphicData uri="http://schemas.openxmlformats.org/drawingml/2006/diagram">
+            <dgm:relIds xmlns:dgm="http://schemas.openxmlformats.org/drawingml/2006/diagram" xmlns:r="http://schemas.openxmlformats.org/officeDocument/2006/relationships" r:dm="rId3" r:lo="rId4" r:qs="rId5" r:cs="rId6"/>
+          </a:graphicData>
+        </a:graphic>
+      </p:graphicFrame>
+    </p:spTree>
+    <p:extLst>
+      <p:ext uri="{BB962C8B-B14F-4D97-AF65-F5344CB8AC3E}">
+        <p14:creationId xmlns:p14="http://schemas.microsoft.com/office/powerpoint/2010/main" val="513586840"/>
+      </p:ext>
+    </p:extLst>
+  </p:cSld>
+  <p:clrMapOvr>
+    <a:overrideClrMapping bg1="dk1" tx1="lt1" bg2="dk2" tx2="lt2" accent1="accent1" accent2="accent2" accent3="accent3" accent4="accent4" accent5="accent5" accent6="accent6" hlink="hlink" folHlink="folHlink"/>
   </p:clrMapOvr>
 </p:sld>
 </file>
@@ -6717,8 +13206,8 @@
           </a:p>
         </p:txBody>
       </p:sp>
-      <mc:AlternateContent xmlns:mc="http://schemas.openxmlformats.org/markup-compatibility/2006">
-        <mc:Choice xmlns:a14="http://schemas.microsoft.com/office/drawing/2010/main" Requires="a14">
+      <mc:AlternateContent xmlns:mc="http://schemas.openxmlformats.org/markup-compatibility/2006" xmlns:a14="http://schemas.microsoft.com/office/drawing/2010/main">
+        <mc:Choice Requires="a14">
           <p:sp>
             <p:nvSpPr>
               <p:cNvPr id="16" name="TextBox 15">
@@ -6871,7 +13360,7 @@
             </p:txBody>
           </p:sp>
         </mc:Choice>
-        <mc:Fallback>
+        <mc:Fallback xmlns="">
           <p:sp>
             <p:nvSpPr>
               <p:cNvPr id="16" name="TextBox 15">
@@ -7006,8 +13495,8 @@
           </a:prstGeom>
         </p:spPr>
       </p:pic>
-      <mc:AlternateContent xmlns:mc="http://schemas.openxmlformats.org/markup-compatibility/2006">
-        <mc:Choice xmlns:a14="http://schemas.microsoft.com/office/drawing/2010/main" Requires="a14">
+      <mc:AlternateContent xmlns:mc="http://schemas.openxmlformats.org/markup-compatibility/2006" xmlns:a14="http://schemas.microsoft.com/office/drawing/2010/main">
+        <mc:Choice Requires="a14">
           <p:sp>
             <p:nvSpPr>
               <p:cNvPr id="13" name="TextBox 12">
@@ -7078,7 +13567,13 @@
                                 <a:rPr lang="en-US" b="0" i="1" smtClean="0">
                                   <a:latin typeface="Cambria Math" panose="02040503050406030204" pitchFamily="18" charset="0"/>
                                 </a:rPr>
-                                <m:t>−1</m:t>
+                                <m:t>−</m:t>
+                              </m:r>
+                              <m:r>
+                                <a:rPr lang="en-US" b="0" i="1" smtClean="0">
+                                  <a:latin typeface="Cambria Math" panose="02040503050406030204" pitchFamily="18" charset="0"/>
+                                </a:rPr>
+                                <m:t>1</m:t>
                               </m:r>
                             </m:e>
                             <m:e>
@@ -7160,7 +13655,7 @@
             </p:txBody>
           </p:sp>
         </mc:Choice>
-        <mc:Fallback>
+        <mc:Fallback xmlns="">
           <p:sp>
             <p:nvSpPr>
               <p:cNvPr id="13" name="TextBox 12">
@@ -8642,6 +15137,301 @@
 </file>
 
 <file path=ppt/theme/theme2.xml><?xml version="1.0" encoding="utf-8"?>
+<a:theme xmlns:a="http://schemas.openxmlformats.org/drawingml/2006/main" name="1_Office Theme">
+  <a:themeElements>
+    <a:clrScheme name="Office">
+      <a:dk1>
+        <a:sysClr val="windowText" lastClr="000000"/>
+      </a:dk1>
+      <a:lt1>
+        <a:sysClr val="window" lastClr="FFFFFF"/>
+      </a:lt1>
+      <a:dk2>
+        <a:srgbClr val="44546A"/>
+      </a:dk2>
+      <a:lt2>
+        <a:srgbClr val="E7E6E6"/>
+      </a:lt2>
+      <a:accent1>
+        <a:srgbClr val="4472C4"/>
+      </a:accent1>
+      <a:accent2>
+        <a:srgbClr val="ED7D31"/>
+      </a:accent2>
+      <a:accent3>
+        <a:srgbClr val="A5A5A5"/>
+      </a:accent3>
+      <a:accent4>
+        <a:srgbClr val="FFC000"/>
+      </a:accent4>
+      <a:accent5>
+        <a:srgbClr val="5B9BD5"/>
+      </a:accent5>
+      <a:accent6>
+        <a:srgbClr val="70AD47"/>
+      </a:accent6>
+      <a:hlink>
+        <a:srgbClr val="0563C1"/>
+      </a:hlink>
+      <a:folHlink>
+        <a:srgbClr val="954F72"/>
+      </a:folHlink>
+    </a:clrScheme>
+    <a:fontScheme name="Office">
+      <a:majorFont>
+        <a:latin typeface="Calibri Light" panose="020F0302020204030204"/>
+        <a:ea typeface=""/>
+        <a:cs typeface=""/>
+        <a:font script="Jpan" typeface="游ゴシック Light"/>
+        <a:font script="Hang" typeface="맑은 고딕"/>
+        <a:font script="Hans" typeface="等线 Light"/>
+        <a:font script="Hant" typeface="新細明體"/>
+        <a:font script="Arab" typeface="Times New Roman"/>
+        <a:font script="Hebr" typeface="Times New Roman"/>
+        <a:font script="Thai" typeface="Angsana New"/>
+        <a:font script="Ethi" typeface="Nyala"/>
+        <a:font script="Beng" typeface="Vrinda"/>
+        <a:font script="Gujr" typeface="Shruti"/>
+        <a:font script="Khmr" typeface="MoolBoran"/>
+        <a:font script="Knda" typeface="Tunga"/>
+        <a:font script="Guru" typeface="Raavi"/>
+        <a:font script="Cans" typeface="Euphemia"/>
+        <a:font script="Cher" typeface="Plantagenet Cherokee"/>
+        <a:font script="Yiii" typeface="Microsoft Yi Baiti"/>
+        <a:font script="Tibt" typeface="Microsoft Himalaya"/>
+        <a:font script="Thaa" typeface="MV Boli"/>
+        <a:font script="Deva" typeface="Mangal"/>
+        <a:font script="Telu" typeface="Gautami"/>
+        <a:font script="Taml" typeface="Latha"/>
+        <a:font script="Syrc" typeface="Estrangelo Edessa"/>
+        <a:font script="Orya" typeface="Kalinga"/>
+        <a:font script="Mlym" typeface="Kartika"/>
+        <a:font script="Laoo" typeface="DokChampa"/>
+        <a:font script="Sinh" typeface="Iskoola Pota"/>
+        <a:font script="Mong" typeface="Mongolian Baiti"/>
+        <a:font script="Viet" typeface="Times New Roman"/>
+        <a:font script="Uigh" typeface="Microsoft Uighur"/>
+        <a:font script="Geor" typeface="Sylfaen"/>
+        <a:font script="Armn" typeface="Arial"/>
+        <a:font script="Bugi" typeface="Leelawadee UI"/>
+        <a:font script="Bopo" typeface="Microsoft JhengHei"/>
+        <a:font script="Java" typeface="Javanese Text"/>
+        <a:font script="Lisu" typeface="Segoe UI"/>
+        <a:font script="Mymr" typeface="Myanmar Text"/>
+        <a:font script="Nkoo" typeface="Ebrima"/>
+        <a:font script="Olck" typeface="Nirmala UI"/>
+        <a:font script="Osma" typeface="Ebrima"/>
+        <a:font script="Phag" typeface="Phagspa"/>
+        <a:font script="Syrn" typeface="Estrangelo Edessa"/>
+        <a:font script="Syrj" typeface="Estrangelo Edessa"/>
+        <a:font script="Syre" typeface="Estrangelo Edessa"/>
+        <a:font script="Sora" typeface="Nirmala UI"/>
+        <a:font script="Tale" typeface="Microsoft Tai Le"/>
+        <a:font script="Talu" typeface="Microsoft New Tai Lue"/>
+        <a:font script="Tfng" typeface="Ebrima"/>
+      </a:majorFont>
+      <a:minorFont>
+        <a:latin typeface="Calibri" panose="020F0502020204030204"/>
+        <a:ea typeface=""/>
+        <a:cs typeface=""/>
+        <a:font script="Jpan" typeface="游ゴシック"/>
+        <a:font script="Hang" typeface="맑은 고딕"/>
+        <a:font script="Hans" typeface="等线"/>
+        <a:font script="Hant" typeface="新細明體"/>
+        <a:font script="Arab" typeface="Arial"/>
+        <a:font script="Hebr" typeface="Arial"/>
+        <a:font script="Thai" typeface="Cordia New"/>
+        <a:font script="Ethi" typeface="Nyala"/>
+        <a:font script="Beng" typeface="Vrinda"/>
+        <a:font script="Gujr" typeface="Shruti"/>
+        <a:font script="Khmr" typeface="DaunPenh"/>
+        <a:font script="Knda" typeface="Tunga"/>
+        <a:font script="Guru" typeface="Raavi"/>
+        <a:font script="Cans" typeface="Euphemia"/>
+        <a:font script="Cher" typeface="Plantagenet Cherokee"/>
+        <a:font script="Yiii" typeface="Microsoft Yi Baiti"/>
+        <a:font script="Tibt" typeface="Microsoft Himalaya"/>
+        <a:font script="Thaa" typeface="MV Boli"/>
+        <a:font script="Deva" typeface="Mangal"/>
+        <a:font script="Telu" typeface="Gautami"/>
+        <a:font script="Taml" typeface="Latha"/>
+        <a:font script="Syrc" typeface="Estrangelo Edessa"/>
+        <a:font script="Orya" typeface="Kalinga"/>
+        <a:font script="Mlym" typeface="Kartika"/>
+        <a:font script="Laoo" typeface="DokChampa"/>
+        <a:font script="Sinh" typeface="Iskoola Pota"/>
+        <a:font script="Mong" typeface="Mongolian Baiti"/>
+        <a:font script="Viet" typeface="Arial"/>
+        <a:font script="Uigh" typeface="Microsoft Uighur"/>
+        <a:font script="Geor" typeface="Sylfaen"/>
+        <a:font script="Armn" typeface="Arial"/>
+        <a:font script="Bugi" typeface="Leelawadee UI"/>
+        <a:font script="Bopo" typeface="Microsoft JhengHei"/>
+        <a:font script="Java" typeface="Javanese Text"/>
+        <a:font script="Lisu" typeface="Segoe UI"/>
+        <a:font script="Mymr" typeface="Myanmar Text"/>
+        <a:font script="Nkoo" typeface="Ebrima"/>
+        <a:font script="Olck" typeface="Nirmala UI"/>
+        <a:font script="Osma" typeface="Ebrima"/>
+        <a:font script="Phag" typeface="Phagspa"/>
+        <a:font script="Syrn" typeface="Estrangelo Edessa"/>
+        <a:font script="Syrj" typeface="Estrangelo Edessa"/>
+        <a:font script="Syre" typeface="Estrangelo Edessa"/>
+        <a:font script="Sora" typeface="Nirmala UI"/>
+        <a:font script="Tale" typeface="Microsoft Tai Le"/>
+        <a:font script="Talu" typeface="Microsoft New Tai Lue"/>
+        <a:font script="Tfng" typeface="Ebrima"/>
+      </a:minorFont>
+    </a:fontScheme>
+    <a:fmtScheme name="Office">
+      <a:fillStyleLst>
+        <a:solidFill>
+          <a:schemeClr val="phClr"/>
+        </a:solidFill>
+        <a:gradFill rotWithShape="1">
+          <a:gsLst>
+            <a:gs pos="0">
+              <a:schemeClr val="phClr">
+                <a:lumMod val="110000"/>
+                <a:satMod val="105000"/>
+                <a:tint val="67000"/>
+              </a:schemeClr>
+            </a:gs>
+            <a:gs pos="50000">
+              <a:schemeClr val="phClr">
+                <a:lumMod val="105000"/>
+                <a:satMod val="103000"/>
+                <a:tint val="73000"/>
+              </a:schemeClr>
+            </a:gs>
+            <a:gs pos="100000">
+              <a:schemeClr val="phClr">
+                <a:lumMod val="105000"/>
+                <a:satMod val="109000"/>
+                <a:tint val="81000"/>
+              </a:schemeClr>
+            </a:gs>
+          </a:gsLst>
+          <a:lin ang="5400000" scaled="0"/>
+        </a:gradFill>
+        <a:gradFill rotWithShape="1">
+          <a:gsLst>
+            <a:gs pos="0">
+              <a:schemeClr val="phClr">
+                <a:satMod val="103000"/>
+                <a:lumMod val="102000"/>
+                <a:tint val="94000"/>
+              </a:schemeClr>
+            </a:gs>
+            <a:gs pos="50000">
+              <a:schemeClr val="phClr">
+                <a:satMod val="110000"/>
+                <a:lumMod val="100000"/>
+                <a:shade val="100000"/>
+              </a:schemeClr>
+            </a:gs>
+            <a:gs pos="100000">
+              <a:schemeClr val="phClr">
+                <a:lumMod val="99000"/>
+                <a:satMod val="120000"/>
+                <a:shade val="78000"/>
+              </a:schemeClr>
+            </a:gs>
+          </a:gsLst>
+          <a:lin ang="5400000" scaled="0"/>
+        </a:gradFill>
+      </a:fillStyleLst>
+      <a:lnStyleLst>
+        <a:ln w="6350" cap="flat" cmpd="sng" algn="ctr">
+          <a:solidFill>
+            <a:schemeClr val="phClr"/>
+          </a:solidFill>
+          <a:prstDash val="solid"/>
+          <a:miter lim="800000"/>
+        </a:ln>
+        <a:ln w="12700" cap="flat" cmpd="sng" algn="ctr">
+          <a:solidFill>
+            <a:schemeClr val="phClr"/>
+          </a:solidFill>
+          <a:prstDash val="solid"/>
+          <a:miter lim="800000"/>
+        </a:ln>
+        <a:ln w="19050" cap="flat" cmpd="sng" algn="ctr">
+          <a:solidFill>
+            <a:schemeClr val="phClr"/>
+          </a:solidFill>
+          <a:prstDash val="solid"/>
+          <a:miter lim="800000"/>
+        </a:ln>
+      </a:lnStyleLst>
+      <a:effectStyleLst>
+        <a:effectStyle>
+          <a:effectLst/>
+        </a:effectStyle>
+        <a:effectStyle>
+          <a:effectLst/>
+        </a:effectStyle>
+        <a:effectStyle>
+          <a:effectLst>
+            <a:outerShdw blurRad="57150" dist="19050" dir="5400000" algn="ctr" rotWithShape="0">
+              <a:srgbClr val="000000">
+                <a:alpha val="63000"/>
+              </a:srgbClr>
+            </a:outerShdw>
+          </a:effectLst>
+        </a:effectStyle>
+      </a:effectStyleLst>
+      <a:bgFillStyleLst>
+        <a:solidFill>
+          <a:schemeClr val="phClr"/>
+        </a:solidFill>
+        <a:solidFill>
+          <a:schemeClr val="phClr">
+            <a:tint val="95000"/>
+            <a:satMod val="170000"/>
+          </a:schemeClr>
+        </a:solidFill>
+        <a:gradFill rotWithShape="1">
+          <a:gsLst>
+            <a:gs pos="0">
+              <a:schemeClr val="phClr">
+                <a:tint val="93000"/>
+                <a:satMod val="150000"/>
+                <a:shade val="98000"/>
+                <a:lumMod val="102000"/>
+              </a:schemeClr>
+            </a:gs>
+            <a:gs pos="50000">
+              <a:schemeClr val="phClr">
+                <a:tint val="98000"/>
+                <a:satMod val="130000"/>
+                <a:shade val="90000"/>
+                <a:lumMod val="103000"/>
+              </a:schemeClr>
+            </a:gs>
+            <a:gs pos="100000">
+              <a:schemeClr val="phClr">
+                <a:shade val="63000"/>
+                <a:satMod val="120000"/>
+              </a:schemeClr>
+            </a:gs>
+          </a:gsLst>
+          <a:lin ang="5400000" scaled="0"/>
+        </a:gradFill>
+      </a:bgFillStyleLst>
+    </a:fmtScheme>
+  </a:themeElements>
+  <a:objectDefaults/>
+  <a:extraClrSchemeLst/>
+  <a:extLst>
+    <a:ext uri="{05A4C25C-085E-4340-85A3-A5531E510DB2}">
+      <thm15:themeFamily xmlns:thm15="http://schemas.microsoft.com/office/thememl/2012/main" name="Office Theme" id="{62F939B6-93AF-4DB8-9C6B-D6C7DFDC589F}" vid="{4A3C46E8-61CC-4603-A589-7422A47A8E4A}"/>
+    </a:ext>
+  </a:extLst>
+</a:theme>
+</file>
+
+<file path=ppt/theme/theme3.xml><?xml version="1.0" encoding="utf-8"?>
 <a:theme xmlns:a="http://schemas.openxmlformats.org/drawingml/2006/main" name="Office Theme">
   <a:themeElements>
     <a:clrScheme name="Office">

--- a/presentations/4.segmentation.pptx
+++ b/presentations/4.segmentation.pptx
@@ -2516,7 +2516,7 @@
           <a:p>
             <a:fld id="{0E91176D-4E9C-D044-B487-1971FAC6D0A8}" type="datetimeFigureOut">
               <a:rPr lang="en-US" smtClean="0"/>
-              <a:t>10/4/19</a:t>
+              <a:t>10/8/19</a:t>
             </a:fld>
             <a:endParaRPr lang="en-US"/>
           </a:p>
@@ -3446,7 +3446,7 @@
           <a:p>
             <a:fld id="{9184DA70-C731-4C70-880D-CCD4705E623C}" type="datetime1">
               <a:rPr lang="en-US" smtClean="0"/>
-              <a:t>10/4/19</a:t>
+              <a:t>10/8/19</a:t>
             </a:fld>
             <a:endParaRPr lang="en-US" dirty="0"/>
           </a:p>
@@ -3634,7 +3634,7 @@
           <a:p>
             <a:fld id="{B612A279-0833-481D-8C56-F67FD0AC6C50}" type="datetime1">
               <a:rPr lang="en-US" smtClean="0"/>
-              <a:t>10/4/19</a:t>
+              <a:t>10/8/19</a:t>
             </a:fld>
             <a:endParaRPr lang="en-US" dirty="0"/>
           </a:p>
@@ -3876,7 +3876,7 @@
           <a:p>
             <a:fld id="{6587DA83-5663-4C9C-B9AA-0B40A3DAFF81}" type="datetime1">
               <a:rPr lang="en-US" smtClean="0"/>
-              <a:t>10/4/19</a:t>
+              <a:t>10/8/19</a:t>
             </a:fld>
             <a:endParaRPr lang="en-US" dirty="0"/>
           </a:p>
@@ -4096,7 +4096,7 @@
           <a:p>
             <a:fld id="{DCF04831-FE79-4C48-8B5F-6128F6AE010B}" type="datetimeFigureOut">
               <a:rPr lang="en-US" smtClean="0"/>
-              <a:t>10/4/19</a:t>
+              <a:t>10/8/19</a:t>
             </a:fld>
             <a:endParaRPr lang="en-US"/>
           </a:p>
@@ -4294,7 +4294,7 @@
           <a:p>
             <a:fld id="{DCF04831-FE79-4C48-8B5F-6128F6AE010B}" type="datetimeFigureOut">
               <a:rPr lang="en-US" smtClean="0"/>
-              <a:t>10/4/19</a:t>
+              <a:t>10/8/19</a:t>
             </a:fld>
             <a:endParaRPr lang="en-US"/>
           </a:p>
@@ -4569,7 +4569,7 @@
           <a:p>
             <a:fld id="{DCF04831-FE79-4C48-8B5F-6128F6AE010B}" type="datetimeFigureOut">
               <a:rPr lang="en-US" smtClean="0"/>
-              <a:t>10/4/19</a:t>
+              <a:t>10/8/19</a:t>
             </a:fld>
             <a:endParaRPr lang="en-US"/>
           </a:p>
@@ -4834,7 +4834,7 @@
           <a:p>
             <a:fld id="{DCF04831-FE79-4C48-8B5F-6128F6AE010B}" type="datetimeFigureOut">
               <a:rPr lang="en-US" smtClean="0"/>
-              <a:t>10/4/19</a:t>
+              <a:t>10/8/19</a:t>
             </a:fld>
             <a:endParaRPr lang="en-US"/>
           </a:p>
@@ -5246,7 +5246,7 @@
           <a:p>
             <a:fld id="{DCF04831-FE79-4C48-8B5F-6128F6AE010B}" type="datetimeFigureOut">
               <a:rPr lang="en-US" smtClean="0"/>
-              <a:t>10/4/19</a:t>
+              <a:t>10/8/19</a:t>
             </a:fld>
             <a:endParaRPr lang="en-US"/>
           </a:p>
@@ -5387,7 +5387,7 @@
           <a:p>
             <a:fld id="{DCF04831-FE79-4C48-8B5F-6128F6AE010B}" type="datetimeFigureOut">
               <a:rPr lang="en-US" smtClean="0"/>
-              <a:t>10/4/19</a:t>
+              <a:t>10/8/19</a:t>
             </a:fld>
             <a:endParaRPr lang="en-US"/>
           </a:p>
@@ -5500,7 +5500,7 @@
           <a:p>
             <a:fld id="{DCF04831-FE79-4C48-8B5F-6128F6AE010B}" type="datetimeFigureOut">
               <a:rPr lang="en-US" smtClean="0"/>
-              <a:t>10/4/19</a:t>
+              <a:t>10/8/19</a:t>
             </a:fld>
             <a:endParaRPr lang="en-US"/>
           </a:p>
@@ -5811,7 +5811,7 @@
           <a:p>
             <a:fld id="{DCF04831-FE79-4C48-8B5F-6128F6AE010B}" type="datetimeFigureOut">
               <a:rPr lang="en-US" smtClean="0"/>
-              <a:t>10/4/19</a:t>
+              <a:t>10/8/19</a:t>
             </a:fld>
             <a:endParaRPr lang="en-US"/>
           </a:p>
@@ -5999,7 +5999,7 @@
           <a:p>
             <a:fld id="{4BE1D723-8F53-4F53-90B0-1982A396982E}" type="datetime1">
               <a:rPr lang="en-US" smtClean="0"/>
-              <a:t>10/4/19</a:t>
+              <a:t>10/8/19</a:t>
             </a:fld>
             <a:endParaRPr lang="en-US" dirty="0"/>
           </a:p>
@@ -6287,7 +6287,7 @@
           <a:p>
             <a:fld id="{DCF04831-FE79-4C48-8B5F-6128F6AE010B}" type="datetimeFigureOut">
               <a:rPr lang="en-US" smtClean="0"/>
-              <a:t>10/4/19</a:t>
+              <a:t>10/8/19</a:t>
             </a:fld>
             <a:endParaRPr lang="en-US"/>
           </a:p>
@@ -6485,7 +6485,7 @@
           <a:p>
             <a:fld id="{DCF04831-FE79-4C48-8B5F-6128F6AE010B}" type="datetimeFigureOut">
               <a:rPr lang="en-US" smtClean="0"/>
-              <a:t>10/4/19</a:t>
+              <a:t>10/8/19</a:t>
             </a:fld>
             <a:endParaRPr lang="en-US"/>
           </a:p>
@@ -6693,7 +6693,7 @@
           <a:p>
             <a:fld id="{DCF04831-FE79-4C48-8B5F-6128F6AE010B}" type="datetimeFigureOut">
               <a:rPr lang="en-US" smtClean="0"/>
-              <a:t>10/4/19</a:t>
+              <a:t>10/8/19</a:t>
             </a:fld>
             <a:endParaRPr lang="en-US"/>
           </a:p>
@@ -7425,7 +7425,7 @@
           <a:p>
             <a:fld id="{97669AF7-7BEB-44E4-9852-375E34362B5B}" type="datetime1">
               <a:rPr lang="en-US" smtClean="0"/>
-              <a:t>10/4/19</a:t>
+              <a:t>10/8/19</a:t>
             </a:fld>
             <a:endParaRPr lang="en-US" dirty="0"/>
           </a:p>
@@ -7680,7 +7680,7 @@
           <a:p>
             <a:fld id="{BAAAC38D-0552-4C82-B593-E6124DFADBE2}" type="datetime1">
               <a:rPr lang="en-US" smtClean="0"/>
-              <a:t>10/4/19</a:t>
+              <a:t>10/8/19</a:t>
             </a:fld>
             <a:endParaRPr lang="en-US" dirty="0"/>
           </a:p>
@@ -8077,7 +8077,7 @@
           <a:p>
             <a:fld id="{D9DF0F1C-5577-4ACB-BB62-DF8F3C494C7E}" type="datetime1">
               <a:rPr lang="en-US" smtClean="0"/>
-              <a:t>10/4/19</a:t>
+              <a:t>10/8/19</a:t>
             </a:fld>
             <a:endParaRPr lang="en-US" dirty="0"/>
           </a:p>
@@ -8213,7 +8213,7 @@
           <a:p>
             <a:fld id="{1775B394-D9F9-4F0C-B15D-605F45CB9E9F}" type="datetime1">
               <a:rPr lang="en-US" smtClean="0"/>
-              <a:t>10/4/19</a:t>
+              <a:t>10/8/19</a:t>
             </a:fld>
             <a:endParaRPr lang="en-US" dirty="0"/>
           </a:p>
@@ -8370,7 +8370,7 @@
           <a:p>
             <a:fld id="{39667345-2558-425A-8533-9BFDBCE15005}" type="datetime1">
               <a:rPr lang="en-US" smtClean="0"/>
-              <a:t>10/4/19</a:t>
+              <a:t>10/8/19</a:t>
             </a:fld>
             <a:endParaRPr lang="en-US" dirty="0"/>
           </a:p>
@@ -8699,7 +8699,7 @@
           <a:p>
             <a:fld id="{92BEA474-078D-4E9B-9B14-09A87B19DC46}" type="datetime1">
               <a:rPr lang="en-US" smtClean="0"/>
-              <a:t>10/4/19</a:t>
+              <a:t>10/8/19</a:t>
             </a:fld>
             <a:endParaRPr lang="en-US" dirty="0"/>
           </a:p>
@@ -9049,7 +9049,7 @@
           <a:p>
             <a:fld id="{4907D986-8816-4272-A432-0437A28A9828}" type="datetime1">
               <a:rPr lang="en-US" smtClean="0"/>
-              <a:t>10/4/19</a:t>
+              <a:t>10/8/19</a:t>
             </a:fld>
             <a:endParaRPr lang="en-US" dirty="0"/>
           </a:p>
@@ -9310,7 +9310,7 @@
           <a:p>
             <a:fld id="{62D6E202-B606-4609-B914-27C9371A1F6D}" type="datetime1">
               <a:rPr lang="en-US" smtClean="0"/>
-              <a:t>10/4/19</a:t>
+              <a:t>10/8/19</a:t>
             </a:fld>
             <a:endParaRPr lang="en-US" dirty="0"/>
           </a:p>
@@ -9984,7 +9984,7 @@
           <a:p>
             <a:fld id="{DCF04831-FE79-4C48-8B5F-6128F6AE010B}" type="datetimeFigureOut">
               <a:rPr lang="en-US" smtClean="0"/>
-              <a:t>10/4/19</a:t>
+              <a:t>10/8/19</a:t>
             </a:fld>
             <a:endParaRPr lang="en-US"/>
           </a:p>
@@ -10596,20 +10596,12 @@
           <a:lstStyle/>
           <a:p>
             <a:r>
-              <a:rPr lang="en-US" sz="4400" dirty="0">
+              <a:rPr lang="en-US" sz="4400">
                 <a:solidFill>
                   <a:schemeClr val="tx1"/>
                 </a:solidFill>
               </a:rPr>
-              <a:t>Image </a:t>
-            </a:r>
-            <a:r>
-              <a:rPr lang="en-US" sz="4400" dirty="0" err="1">
-                <a:solidFill>
-                  <a:schemeClr val="tx1"/>
-                </a:solidFill>
-              </a:rPr>
-              <a:t>Segmentatio</a:t>
+              <a:t>Image Segmentation</a:t>
             </a:r>
             <a:endParaRPr lang="en-US" sz="4400" dirty="0">
               <a:solidFill>

--- a/presentations/4.segmentation.pptx
+++ b/presentations/4.segmentation.pptx
@@ -6,7 +6,7 @@
     <p:sldMasterId id="2147483672" r:id="rId2"/>
   </p:sldMasterIdLst>
   <p:notesMasterIdLst>
-    <p:notesMasterId r:id="rId14"/>
+    <p:notesMasterId r:id="rId15"/>
   </p:notesMasterIdLst>
   <p:sldIdLst>
     <p:sldId id="256" r:id="rId3"/>
@@ -19,7 +19,8 @@
     <p:sldId id="264" r:id="rId10"/>
     <p:sldId id="265" r:id="rId11"/>
     <p:sldId id="266" r:id="rId12"/>
-    <p:sldId id="1746" r:id="rId13"/>
+    <p:sldId id="1747" r:id="rId13"/>
+    <p:sldId id="1746" r:id="rId14"/>
   </p:sldIdLst>
   <p:sldSz cx="12192000" cy="6858000"/>
   <p:notesSz cx="6858000" cy="9144000"/>
@@ -2516,7 +2517,7 @@
           <a:p>
             <a:fld id="{0E91176D-4E9C-D044-B487-1971FAC6D0A8}" type="datetimeFigureOut">
               <a:rPr lang="en-US" smtClean="0"/>
-              <a:t>10/8/19</a:t>
+              <a:t>10/9/19</a:t>
             </a:fld>
             <a:endParaRPr lang="en-US"/>
           </a:p>
@@ -3170,7 +3171,7 @@
                 <a:tabLst/>
                 <a:defRPr/>
               </a:pPr>
-              <a:t>11</a:t>
+              <a:t>12</a:t>
             </a:fld>
             <a:endParaRPr kumimoji="0" lang="en-US" sz="1200" b="0" i="0" u="none" strike="noStrike" kern="1200" cap="none" spc="0" normalizeH="0" baseline="0" noProof="0">
               <a:ln>
@@ -3446,7 +3447,7 @@
           <a:p>
             <a:fld id="{9184DA70-C731-4C70-880D-CCD4705E623C}" type="datetime1">
               <a:rPr lang="en-US" smtClean="0"/>
-              <a:t>10/8/19</a:t>
+              <a:t>10/9/19</a:t>
             </a:fld>
             <a:endParaRPr lang="en-US" dirty="0"/>
           </a:p>
@@ -3634,7 +3635,7 @@
           <a:p>
             <a:fld id="{B612A279-0833-481D-8C56-F67FD0AC6C50}" type="datetime1">
               <a:rPr lang="en-US" smtClean="0"/>
-              <a:t>10/8/19</a:t>
+              <a:t>10/9/19</a:t>
             </a:fld>
             <a:endParaRPr lang="en-US" dirty="0"/>
           </a:p>
@@ -3876,7 +3877,7 @@
           <a:p>
             <a:fld id="{6587DA83-5663-4C9C-B9AA-0B40A3DAFF81}" type="datetime1">
               <a:rPr lang="en-US" smtClean="0"/>
-              <a:t>10/8/19</a:t>
+              <a:t>10/9/19</a:t>
             </a:fld>
             <a:endParaRPr lang="en-US" dirty="0"/>
           </a:p>
@@ -4096,7 +4097,7 @@
           <a:p>
             <a:fld id="{DCF04831-FE79-4C48-8B5F-6128F6AE010B}" type="datetimeFigureOut">
               <a:rPr lang="en-US" smtClean="0"/>
-              <a:t>10/8/19</a:t>
+              <a:t>10/9/19</a:t>
             </a:fld>
             <a:endParaRPr lang="en-US"/>
           </a:p>
@@ -4294,7 +4295,7 @@
           <a:p>
             <a:fld id="{DCF04831-FE79-4C48-8B5F-6128F6AE010B}" type="datetimeFigureOut">
               <a:rPr lang="en-US" smtClean="0"/>
-              <a:t>10/8/19</a:t>
+              <a:t>10/9/19</a:t>
             </a:fld>
             <a:endParaRPr lang="en-US"/>
           </a:p>
@@ -4569,7 +4570,7 @@
           <a:p>
             <a:fld id="{DCF04831-FE79-4C48-8B5F-6128F6AE010B}" type="datetimeFigureOut">
               <a:rPr lang="en-US" smtClean="0"/>
-              <a:t>10/8/19</a:t>
+              <a:t>10/9/19</a:t>
             </a:fld>
             <a:endParaRPr lang="en-US"/>
           </a:p>
@@ -4834,7 +4835,7 @@
           <a:p>
             <a:fld id="{DCF04831-FE79-4C48-8B5F-6128F6AE010B}" type="datetimeFigureOut">
               <a:rPr lang="en-US" smtClean="0"/>
-              <a:t>10/8/19</a:t>
+              <a:t>10/9/19</a:t>
             </a:fld>
             <a:endParaRPr lang="en-US"/>
           </a:p>
@@ -5246,7 +5247,7 @@
           <a:p>
             <a:fld id="{DCF04831-FE79-4C48-8B5F-6128F6AE010B}" type="datetimeFigureOut">
               <a:rPr lang="en-US" smtClean="0"/>
-              <a:t>10/8/19</a:t>
+              <a:t>10/9/19</a:t>
             </a:fld>
             <a:endParaRPr lang="en-US"/>
           </a:p>
@@ -5387,7 +5388,7 @@
           <a:p>
             <a:fld id="{DCF04831-FE79-4C48-8B5F-6128F6AE010B}" type="datetimeFigureOut">
               <a:rPr lang="en-US" smtClean="0"/>
-              <a:t>10/8/19</a:t>
+              <a:t>10/9/19</a:t>
             </a:fld>
             <a:endParaRPr lang="en-US"/>
           </a:p>
@@ -5500,7 +5501,7 @@
           <a:p>
             <a:fld id="{DCF04831-FE79-4C48-8B5F-6128F6AE010B}" type="datetimeFigureOut">
               <a:rPr lang="en-US" smtClean="0"/>
-              <a:t>10/8/19</a:t>
+              <a:t>10/9/19</a:t>
             </a:fld>
             <a:endParaRPr lang="en-US"/>
           </a:p>
@@ -5811,7 +5812,7 @@
           <a:p>
             <a:fld id="{DCF04831-FE79-4C48-8B5F-6128F6AE010B}" type="datetimeFigureOut">
               <a:rPr lang="en-US" smtClean="0"/>
-              <a:t>10/8/19</a:t>
+              <a:t>10/9/19</a:t>
             </a:fld>
             <a:endParaRPr lang="en-US"/>
           </a:p>
@@ -5999,7 +6000,7 @@
           <a:p>
             <a:fld id="{4BE1D723-8F53-4F53-90B0-1982A396982E}" type="datetime1">
               <a:rPr lang="en-US" smtClean="0"/>
-              <a:t>10/8/19</a:t>
+              <a:t>10/9/19</a:t>
             </a:fld>
             <a:endParaRPr lang="en-US" dirty="0"/>
           </a:p>
@@ -6287,7 +6288,7 @@
           <a:p>
             <a:fld id="{DCF04831-FE79-4C48-8B5F-6128F6AE010B}" type="datetimeFigureOut">
               <a:rPr lang="en-US" smtClean="0"/>
-              <a:t>10/8/19</a:t>
+              <a:t>10/9/19</a:t>
             </a:fld>
             <a:endParaRPr lang="en-US"/>
           </a:p>
@@ -6485,7 +6486,7 @@
           <a:p>
             <a:fld id="{DCF04831-FE79-4C48-8B5F-6128F6AE010B}" type="datetimeFigureOut">
               <a:rPr lang="en-US" smtClean="0"/>
-              <a:t>10/8/19</a:t>
+              <a:t>10/9/19</a:t>
             </a:fld>
             <a:endParaRPr lang="en-US"/>
           </a:p>
@@ -6693,7 +6694,7 @@
           <a:p>
             <a:fld id="{DCF04831-FE79-4C48-8B5F-6128F6AE010B}" type="datetimeFigureOut">
               <a:rPr lang="en-US" smtClean="0"/>
-              <a:t>10/8/19</a:t>
+              <a:t>10/9/19</a:t>
             </a:fld>
             <a:endParaRPr lang="en-US"/>
           </a:p>
@@ -7425,7 +7426,7 @@
           <a:p>
             <a:fld id="{97669AF7-7BEB-44E4-9852-375E34362B5B}" type="datetime1">
               <a:rPr lang="en-US" smtClean="0"/>
-              <a:t>10/8/19</a:t>
+              <a:t>10/9/19</a:t>
             </a:fld>
             <a:endParaRPr lang="en-US" dirty="0"/>
           </a:p>
@@ -7680,7 +7681,7 @@
           <a:p>
             <a:fld id="{BAAAC38D-0552-4C82-B593-E6124DFADBE2}" type="datetime1">
               <a:rPr lang="en-US" smtClean="0"/>
-              <a:t>10/8/19</a:t>
+              <a:t>10/9/19</a:t>
             </a:fld>
             <a:endParaRPr lang="en-US" dirty="0"/>
           </a:p>
@@ -8077,7 +8078,7 @@
           <a:p>
             <a:fld id="{D9DF0F1C-5577-4ACB-BB62-DF8F3C494C7E}" type="datetime1">
               <a:rPr lang="en-US" smtClean="0"/>
-              <a:t>10/8/19</a:t>
+              <a:t>10/9/19</a:t>
             </a:fld>
             <a:endParaRPr lang="en-US" dirty="0"/>
           </a:p>
@@ -8213,7 +8214,7 @@
           <a:p>
             <a:fld id="{1775B394-D9F9-4F0C-B15D-605F45CB9E9F}" type="datetime1">
               <a:rPr lang="en-US" smtClean="0"/>
-              <a:t>10/8/19</a:t>
+              <a:t>10/9/19</a:t>
             </a:fld>
             <a:endParaRPr lang="en-US" dirty="0"/>
           </a:p>
@@ -8370,7 +8371,7 @@
           <a:p>
             <a:fld id="{39667345-2558-425A-8533-9BFDBCE15005}" type="datetime1">
               <a:rPr lang="en-US" smtClean="0"/>
-              <a:t>10/8/19</a:t>
+              <a:t>10/9/19</a:t>
             </a:fld>
             <a:endParaRPr lang="en-US" dirty="0"/>
           </a:p>
@@ -8699,7 +8700,7 @@
           <a:p>
             <a:fld id="{92BEA474-078D-4E9B-9B14-09A87B19DC46}" type="datetime1">
               <a:rPr lang="en-US" smtClean="0"/>
-              <a:t>10/8/19</a:t>
+              <a:t>10/9/19</a:t>
             </a:fld>
             <a:endParaRPr lang="en-US" dirty="0"/>
           </a:p>
@@ -9049,7 +9050,7 @@
           <a:p>
             <a:fld id="{4907D986-8816-4272-A432-0437A28A9828}" type="datetime1">
               <a:rPr lang="en-US" smtClean="0"/>
-              <a:t>10/8/19</a:t>
+              <a:t>10/9/19</a:t>
             </a:fld>
             <a:endParaRPr lang="en-US" dirty="0"/>
           </a:p>
@@ -9310,7 +9311,7 @@
           <a:p>
             <a:fld id="{62D6E202-B606-4609-B914-27C9371A1F6D}" type="datetime1">
               <a:rPr lang="en-US" smtClean="0"/>
-              <a:t>10/8/19</a:t>
+              <a:t>10/9/19</a:t>
             </a:fld>
             <a:endParaRPr lang="en-US" dirty="0"/>
           </a:p>
@@ -9984,7 +9985,7 @@
           <a:p>
             <a:fld id="{DCF04831-FE79-4C48-8B5F-6128F6AE010B}" type="datetimeFigureOut">
               <a:rPr lang="en-US" smtClean="0"/>
-              <a:t>10/8/19</a:t>
+              <a:t>10/9/19</a:t>
             </a:fld>
             <a:endParaRPr lang="en-US"/>
           </a:p>
@@ -10908,6 +10909,570 @@
 </file>
 
 <file path=ppt/slides/slide11.xml><?xml version="1.0" encoding="utf-8"?>
+<p:sld xmlns:a="http://schemas.openxmlformats.org/drawingml/2006/main" xmlns:r="http://schemas.openxmlformats.org/officeDocument/2006/relationships" xmlns:p="http://schemas.openxmlformats.org/presentationml/2006/main">
+  <p:cSld>
+    <p:bg>
+      <p:bgPr>
+        <a:solidFill>
+          <a:schemeClr val="bg1"/>
+        </a:solidFill>
+        <a:effectLst/>
+      </p:bgPr>
+    </p:bg>
+    <p:spTree>
+      <p:nvGrpSpPr>
+        <p:cNvPr id="1" name=""/>
+        <p:cNvGrpSpPr/>
+        <p:nvPr/>
+      </p:nvGrpSpPr>
+      <p:grpSpPr>
+        <a:xfrm>
+          <a:off x="0" y="0"/>
+          <a:ext cx="0" cy="0"/>
+          <a:chOff x="0" y="0"/>
+          <a:chExt cx="0" cy="0"/>
+        </a:xfrm>
+      </p:grpSpPr>
+      <p:sp>
+        <p:nvSpPr>
+          <p:cNvPr id="21" name="Rectangle 10">
+            <a:extLst>
+              <a:ext uri="{FF2B5EF4-FFF2-40B4-BE49-F238E27FC236}">
+                <a16:creationId xmlns:a16="http://schemas.microsoft.com/office/drawing/2014/main" id="{416A0E3C-60E6-4F39-BC55-5F7C224E1F7C}"/>
+              </a:ext>
+              <a:ext uri="{C183D7F6-B498-43B3-948B-1728B52AA6E4}">
+                <adec:decorative xmlns:adec="http://schemas.microsoft.com/office/drawing/2017/decorative" val="1"/>
+              </a:ext>
+            </a:extLst>
+          </p:cNvPr>
+          <p:cNvSpPr>
+            <a:spLocks noGrp="1" noRot="1" noChangeAspect="1" noMove="1" noResize="1" noEditPoints="1" noAdjustHandles="1" noChangeArrowheads="1" noChangeShapeType="1" noTextEdit="1"/>
+          </p:cNvSpPr>
+          <p:nvPr>
+            <p:extLst>
+              <p:ext uri="{386F3935-93C4-4BCD-93E2-E3B085C9AB24}">
+                <p16:designElem xmlns:p16="http://schemas.microsoft.com/office/powerpoint/2015/main" val="1"/>
+              </p:ext>
+            </p:extLst>
+          </p:nvPr>
+        </p:nvSpPr>
+        <p:spPr>
+          <a:xfrm>
+            <a:off x="3175" y="6400800"/>
+            <a:ext cx="12188825" cy="457200"/>
+          </a:xfrm>
+          <a:prstGeom prst="rect">
+            <a:avLst/>
+          </a:prstGeom>
+          <a:solidFill>
+            <a:srgbClr val="262626"/>
+          </a:solidFill>
+          <a:ln>
+            <a:noFill/>
+          </a:ln>
+        </p:spPr>
+        <p:style>
+          <a:lnRef idx="2">
+            <a:schemeClr val="accent1">
+              <a:shade val="50000"/>
+            </a:schemeClr>
+          </a:lnRef>
+          <a:fillRef idx="1">
+            <a:schemeClr val="accent1"/>
+          </a:fillRef>
+          <a:effectRef idx="0">
+            <a:schemeClr val="accent1"/>
+          </a:effectRef>
+          <a:fontRef idx="minor">
+            <a:schemeClr val="lt1"/>
+          </a:fontRef>
+        </p:style>
+      </p:sp>
+      <p:cxnSp>
+        <p:nvCxnSpPr>
+          <p:cNvPr id="22" name="Straight Connector 12">
+            <a:extLst>
+              <a:ext uri="{FF2B5EF4-FFF2-40B4-BE49-F238E27FC236}">
+                <a16:creationId xmlns:a16="http://schemas.microsoft.com/office/drawing/2014/main" id="{C5025DAC-8B93-4160-B017-3A274A5828C0}"/>
+              </a:ext>
+              <a:ext uri="{C183D7F6-B498-43B3-948B-1728B52AA6E4}">
+                <adec:decorative xmlns:adec="http://schemas.microsoft.com/office/drawing/2017/decorative" val="1"/>
+              </a:ext>
+            </a:extLst>
+          </p:cNvPr>
+          <p:cNvCxnSpPr>
+            <a:cxnSpLocks noGrp="1" noRot="1" noChangeAspect="1" noMove="1" noResize="1" noEditPoints="1" noAdjustHandles="1" noChangeArrowheads="1" noChangeShapeType="1"/>
+          </p:cNvCxnSpPr>
+          <p:nvPr>
+            <p:extLst>
+              <p:ext uri="{386F3935-93C4-4BCD-93E2-E3B085C9AB24}">
+                <p16:designElem xmlns:p16="http://schemas.microsoft.com/office/powerpoint/2015/main" val="1"/>
+              </p:ext>
+            </p:extLst>
+          </p:nvPr>
+        </p:nvCxnSpPr>
+        <p:spPr>
+          <a:xfrm>
+            <a:off x="1193532" y="1897380"/>
+            <a:ext cx="9966960" cy="0"/>
+          </a:xfrm>
+          <a:prstGeom prst="line">
+            <a:avLst/>
+          </a:prstGeom>
+          <a:ln w="12700">
+            <a:solidFill>
+              <a:schemeClr val="tx1">
+                <a:lumMod val="75000"/>
+                <a:lumOff val="25000"/>
+              </a:schemeClr>
+            </a:solidFill>
+          </a:ln>
+        </p:spPr>
+        <p:style>
+          <a:lnRef idx="1">
+            <a:schemeClr val="accent1"/>
+          </a:lnRef>
+          <a:fillRef idx="0">
+            <a:schemeClr val="accent1"/>
+          </a:fillRef>
+          <a:effectRef idx="0">
+            <a:schemeClr val="accent1"/>
+          </a:effectRef>
+          <a:fontRef idx="minor">
+            <a:schemeClr val="tx1"/>
+          </a:fontRef>
+        </p:style>
+      </p:cxnSp>
+      <p:sp useBgFill="1">
+        <p:nvSpPr>
+          <p:cNvPr id="23" name="Rectangle 14">
+            <a:extLst>
+              <a:ext uri="{FF2B5EF4-FFF2-40B4-BE49-F238E27FC236}">
+                <a16:creationId xmlns:a16="http://schemas.microsoft.com/office/drawing/2014/main" id="{08CB54FC-0B2A-4107-9A70-958B90B76585}"/>
+              </a:ext>
+              <a:ext uri="{C183D7F6-B498-43B3-948B-1728B52AA6E4}">
+                <adec:decorative xmlns:adec="http://schemas.microsoft.com/office/drawing/2017/decorative" val="1"/>
+              </a:ext>
+            </a:extLst>
+          </p:cNvPr>
+          <p:cNvSpPr>
+            <a:spLocks noGrp="1" noRot="1" noChangeAspect="1" noMove="1" noResize="1" noEditPoints="1" noAdjustHandles="1" noChangeArrowheads="1" noChangeShapeType="1" noTextEdit="1"/>
+          </p:cNvSpPr>
+          <p:nvPr>
+            <p:extLst>
+              <p:ext uri="{386F3935-93C4-4BCD-93E2-E3B085C9AB24}">
+                <p16:designElem xmlns:p16="http://schemas.microsoft.com/office/powerpoint/2015/main" val="1"/>
+              </p:ext>
+            </p:extLst>
+          </p:nvPr>
+        </p:nvSpPr>
+        <p:spPr>
+          <a:xfrm>
+            <a:off x="0" y="0"/>
+            <a:ext cx="12192001" cy="6858000"/>
+          </a:xfrm>
+          <a:prstGeom prst="rect">
+            <a:avLst/>
+          </a:prstGeom>
+          <a:ln>
+            <a:noFill/>
+          </a:ln>
+        </p:spPr>
+        <p:style>
+          <a:lnRef idx="2">
+            <a:schemeClr val="accent1">
+              <a:shade val="50000"/>
+            </a:schemeClr>
+          </a:lnRef>
+          <a:fillRef idx="1">
+            <a:schemeClr val="accent1"/>
+          </a:fillRef>
+          <a:effectRef idx="0">
+            <a:schemeClr val="accent1"/>
+          </a:effectRef>
+          <a:fontRef idx="minor">
+            <a:schemeClr val="lt1"/>
+          </a:fontRef>
+        </p:style>
+        <p:txBody>
+          <a:bodyPr rtlCol="0" anchor="ctr"/>
+          <a:lstStyle/>
+          <a:p>
+            <a:pPr algn="ctr"/>
+            <a:endParaRPr lang="en-US"/>
+          </a:p>
+        </p:txBody>
+      </p:sp>
+      <p:sp>
+        <p:nvSpPr>
+          <p:cNvPr id="2" name="Title 1">
+            <a:extLst>
+              <a:ext uri="{FF2B5EF4-FFF2-40B4-BE49-F238E27FC236}">
+                <a16:creationId xmlns:a16="http://schemas.microsoft.com/office/drawing/2014/main" id="{159E57EB-7D8D-024A-8BB9-E3F5D051C486}"/>
+              </a:ext>
+            </a:extLst>
+          </p:cNvPr>
+          <p:cNvSpPr>
+            <a:spLocks noGrp="1"/>
+          </p:cNvSpPr>
+          <p:nvPr>
+            <p:ph type="title"/>
+          </p:nvPr>
+        </p:nvSpPr>
+        <p:spPr>
+          <a:xfrm>
+            <a:off x="6411685" y="634946"/>
+            <a:ext cx="5127171" cy="1450757"/>
+          </a:xfrm>
+        </p:spPr>
+        <p:txBody>
+          <a:bodyPr vert="horz" lIns="91440" tIns="45720" rIns="91440" bIns="45720" rtlCol="0" anchor="b">
+            <a:normAutofit/>
+          </a:bodyPr>
+          <a:lstStyle/>
+          <a:p>
+            <a:r>
+              <a:rPr lang="en-US" sz="4800" dirty="0" err="1">
+                <a:solidFill>
+                  <a:schemeClr val="tx1">
+                    <a:lumMod val="75000"/>
+                    <a:lumOff val="25000"/>
+                  </a:schemeClr>
+                </a:solidFill>
+                <a:hlinkClick r:id="rId2"/>
+              </a:rPr>
+              <a:t>Unet</a:t>
+            </a:r>
+            <a:endParaRPr lang="en-US" sz="4800" dirty="0">
+              <a:solidFill>
+                <a:schemeClr val="tx1">
+                  <a:lumMod val="75000"/>
+                  <a:lumOff val="25000"/>
+                </a:schemeClr>
+              </a:solidFill>
+            </a:endParaRPr>
+          </a:p>
+        </p:txBody>
+      </p:sp>
+      <p:pic>
+        <p:nvPicPr>
+          <p:cNvPr id="6" name="Content Placeholder 5" descr="A picture containing screenshot&#10;&#10;Description automatically generated">
+            <a:extLst>
+              <a:ext uri="{FF2B5EF4-FFF2-40B4-BE49-F238E27FC236}">
+                <a16:creationId xmlns:a16="http://schemas.microsoft.com/office/drawing/2014/main" id="{2C057506-4315-8A40-ABAD-62A55959E908}"/>
+              </a:ext>
+            </a:extLst>
+          </p:cNvPr>
+          <p:cNvPicPr>
+            <a:picLocks noGrp="1" noChangeAspect="1"/>
+          </p:cNvPicPr>
+          <p:nvPr>
+            <p:ph idx="1"/>
+          </p:nvPr>
+        </p:nvPicPr>
+        <p:blipFill>
+          <a:blip r:embed="rId3"/>
+          <a:stretch>
+            <a:fillRect/>
+          </a:stretch>
+        </p:blipFill>
+        <p:spPr>
+          <a:xfrm>
+            <a:off x="643192" y="1568126"/>
+            <a:ext cx="5115347" cy="3401706"/>
+          </a:xfrm>
+          <a:prstGeom prst="rect">
+            <a:avLst/>
+          </a:prstGeom>
+        </p:spPr>
+      </p:pic>
+      <p:cxnSp>
+        <p:nvCxnSpPr>
+          <p:cNvPr id="24" name="Straight Connector 16">
+            <a:extLst>
+              <a:ext uri="{FF2B5EF4-FFF2-40B4-BE49-F238E27FC236}">
+                <a16:creationId xmlns:a16="http://schemas.microsoft.com/office/drawing/2014/main" id="{7855A9B5-1710-4B19-B0F1-CDFDD4ED5B7E}"/>
+              </a:ext>
+              <a:ext uri="{C183D7F6-B498-43B3-948B-1728B52AA6E4}">
+                <adec:decorative xmlns:adec="http://schemas.microsoft.com/office/drawing/2017/decorative" val="1"/>
+              </a:ext>
+            </a:extLst>
+          </p:cNvPr>
+          <p:cNvCxnSpPr>
+            <a:cxnSpLocks noGrp="1" noRot="1" noChangeAspect="1" noMove="1" noResize="1" noEditPoints="1" noAdjustHandles="1" noChangeArrowheads="1" noChangeShapeType="1"/>
+          </p:cNvCxnSpPr>
+          <p:nvPr>
+            <p:extLst>
+              <p:ext uri="{386F3935-93C4-4BCD-93E2-E3B085C9AB24}">
+                <p16:designElem xmlns:p16="http://schemas.microsoft.com/office/powerpoint/2015/main" val="1"/>
+              </p:ext>
+            </p:extLst>
+          </p:nvPr>
+        </p:nvCxnSpPr>
+        <p:spPr>
+          <a:xfrm>
+            <a:off x="6514044" y="2246569"/>
+            <a:ext cx="4572000" cy="0"/>
+          </a:xfrm>
+          <a:prstGeom prst="line">
+            <a:avLst/>
+          </a:prstGeom>
+          <a:ln w="12700">
+            <a:solidFill>
+              <a:schemeClr val="tx1">
+                <a:lumMod val="75000"/>
+                <a:lumOff val="25000"/>
+              </a:schemeClr>
+            </a:solidFill>
+          </a:ln>
+        </p:spPr>
+        <p:style>
+          <a:lnRef idx="1">
+            <a:schemeClr val="accent1"/>
+          </a:lnRef>
+          <a:fillRef idx="0">
+            <a:schemeClr val="accent1"/>
+          </a:fillRef>
+          <a:effectRef idx="0">
+            <a:schemeClr val="accent1"/>
+          </a:effectRef>
+          <a:fontRef idx="minor">
+            <a:schemeClr val="tx1"/>
+          </a:fontRef>
+        </p:style>
+      </p:cxnSp>
+      <p:sp>
+        <p:nvSpPr>
+          <p:cNvPr id="4" name="Text Placeholder 3">
+            <a:extLst>
+              <a:ext uri="{FF2B5EF4-FFF2-40B4-BE49-F238E27FC236}">
+                <a16:creationId xmlns:a16="http://schemas.microsoft.com/office/drawing/2014/main" id="{B403ABA5-7119-7843-A32F-835CD1114CC4}"/>
+              </a:ext>
+            </a:extLst>
+          </p:cNvPr>
+          <p:cNvSpPr>
+            <a:spLocks noGrp="1"/>
+          </p:cNvSpPr>
+          <p:nvPr>
+            <p:ph type="body" sz="half" idx="2"/>
+          </p:nvPr>
+        </p:nvSpPr>
+        <p:spPr>
+          <a:xfrm>
+            <a:off x="6411684" y="2407436"/>
+            <a:ext cx="5127172" cy="3461658"/>
+          </a:xfrm>
+        </p:spPr>
+        <p:txBody>
+          <a:bodyPr vert="horz" lIns="0" tIns="45720" rIns="0" bIns="45720" rtlCol="0">
+            <a:normAutofit/>
+          </a:bodyPr>
+          <a:lstStyle/>
+          <a:p>
+            <a:pPr>
+              <a:lnSpc>
+                <a:spcPct val="100000"/>
+              </a:lnSpc>
+            </a:pPr>
+            <a:r>
+              <a:rPr lang="en-US" dirty="0">
+                <a:solidFill>
+                  <a:schemeClr val="tx1">
+                    <a:lumMod val="75000"/>
+                    <a:lumOff val="25000"/>
+                  </a:schemeClr>
+                </a:solidFill>
+              </a:rPr>
+              <a:t>Contracting and Expanding paths</a:t>
+            </a:r>
+          </a:p>
+          <a:p>
+            <a:pPr marL="285750" indent="-285750">
+              <a:lnSpc>
+                <a:spcPct val="100000"/>
+              </a:lnSpc>
+              <a:buFont typeface="Calibri" panose="020F0502020204030204" pitchFamily="34" charset="0"/>
+              <a:buChar char="-"/>
+            </a:pPr>
+            <a:r>
+              <a:rPr lang="en-US" dirty="0" err="1">
+                <a:solidFill>
+                  <a:schemeClr val="tx1">
+                    <a:lumMod val="75000"/>
+                    <a:lumOff val="25000"/>
+                  </a:schemeClr>
+                </a:solidFill>
+              </a:rPr>
+              <a:t>Downsample</a:t>
+            </a:r>
+            <a:r>
+              <a:rPr lang="en-US" dirty="0">
+                <a:solidFill>
+                  <a:schemeClr val="tx1">
+                    <a:lumMod val="75000"/>
+                    <a:lumOff val="25000"/>
+                  </a:schemeClr>
+                </a:solidFill>
+              </a:rPr>
+              <a:t> but double the channels</a:t>
+            </a:r>
+          </a:p>
+          <a:p>
+            <a:pPr marL="285750" indent="-285750">
+              <a:lnSpc>
+                <a:spcPct val="100000"/>
+              </a:lnSpc>
+              <a:buFont typeface="Calibri" panose="020F0502020204030204" pitchFamily="34" charset="0"/>
+              <a:buChar char="-"/>
+            </a:pPr>
+            <a:r>
+              <a:rPr lang="en-US" dirty="0" err="1">
+                <a:solidFill>
+                  <a:schemeClr val="tx1">
+                    <a:lumMod val="75000"/>
+                    <a:lumOff val="25000"/>
+                  </a:schemeClr>
+                </a:solidFill>
+              </a:rPr>
+              <a:t>Upsample</a:t>
+            </a:r>
+            <a:r>
+              <a:rPr lang="en-US" dirty="0">
+                <a:solidFill>
+                  <a:schemeClr val="tx1">
+                    <a:lumMod val="75000"/>
+                    <a:lumOff val="25000"/>
+                  </a:schemeClr>
+                </a:solidFill>
+              </a:rPr>
+              <a:t> but halve the channels</a:t>
+            </a:r>
+          </a:p>
+          <a:p>
+            <a:pPr>
+              <a:lnSpc>
+                <a:spcPct val="100000"/>
+              </a:lnSpc>
+            </a:pPr>
+            <a:r>
+              <a:rPr lang="en-US" dirty="0">
+                <a:solidFill>
+                  <a:schemeClr val="tx1">
+                    <a:lumMod val="75000"/>
+                    <a:lumOff val="25000"/>
+                  </a:schemeClr>
+                </a:solidFill>
+              </a:rPr>
+              <a:t>Provide localization, i.e. pixel-by-pixel classification </a:t>
+            </a:r>
+          </a:p>
+          <a:p>
+            <a:pPr>
+              <a:lnSpc>
+                <a:spcPct val="100000"/>
+              </a:lnSpc>
+            </a:pPr>
+            <a:r>
+              <a:rPr lang="en-US" dirty="0">
+                <a:solidFill>
+                  <a:schemeClr val="tx1">
+                    <a:lumMod val="75000"/>
+                    <a:lumOff val="25000"/>
+                  </a:schemeClr>
+                </a:solidFill>
+              </a:rPr>
+              <a:t>Only convolutional, no FCN layer</a:t>
+            </a:r>
+          </a:p>
+          <a:p>
+            <a:pPr>
+              <a:lnSpc>
+                <a:spcPct val="100000"/>
+              </a:lnSpc>
+            </a:pPr>
+            <a:r>
+              <a:rPr lang="en-US" dirty="0">
+                <a:solidFill>
+                  <a:schemeClr val="tx1">
+                    <a:lumMod val="75000"/>
+                    <a:lumOff val="25000"/>
+                  </a:schemeClr>
+                </a:solidFill>
+              </a:rPr>
+              <a:t>Works with fewer data, designed for biomedical applications</a:t>
+            </a:r>
+          </a:p>
+        </p:txBody>
+      </p:sp>
+      <p:sp>
+        <p:nvSpPr>
+          <p:cNvPr id="25" name="Rectangle 18">
+            <a:extLst>
+              <a:ext uri="{FF2B5EF4-FFF2-40B4-BE49-F238E27FC236}">
+                <a16:creationId xmlns:a16="http://schemas.microsoft.com/office/drawing/2014/main" id="{5712F7E8-BFD5-4B85-A173-57790DA124F3}"/>
+              </a:ext>
+              <a:ext uri="{C183D7F6-B498-43B3-948B-1728B52AA6E4}">
+                <adec:decorative xmlns:adec="http://schemas.microsoft.com/office/drawing/2017/decorative" val="1"/>
+              </a:ext>
+            </a:extLst>
+          </p:cNvPr>
+          <p:cNvSpPr>
+            <a:spLocks noGrp="1" noRot="1" noChangeAspect="1" noMove="1" noResize="1" noEditPoints="1" noAdjustHandles="1" noChangeArrowheads="1" noChangeShapeType="1" noTextEdit="1"/>
+          </p:cNvSpPr>
+          <p:nvPr>
+            <p:extLst>
+              <p:ext uri="{386F3935-93C4-4BCD-93E2-E3B085C9AB24}">
+                <p16:designElem xmlns:p16="http://schemas.microsoft.com/office/powerpoint/2015/main" val="1"/>
+              </p:ext>
+            </p:extLst>
+          </p:nvPr>
+        </p:nvSpPr>
+        <p:spPr>
+          <a:xfrm>
+            <a:off x="3175" y="6400800"/>
+            <a:ext cx="12188825" cy="457200"/>
+          </a:xfrm>
+          <a:prstGeom prst="rect">
+            <a:avLst/>
+          </a:prstGeom>
+          <a:solidFill>
+            <a:srgbClr val="262626"/>
+          </a:solidFill>
+          <a:ln>
+            <a:noFill/>
+          </a:ln>
+        </p:spPr>
+        <p:style>
+          <a:lnRef idx="2">
+            <a:schemeClr val="accent1">
+              <a:shade val="50000"/>
+            </a:schemeClr>
+          </a:lnRef>
+          <a:fillRef idx="1">
+            <a:schemeClr val="accent1"/>
+          </a:fillRef>
+          <a:effectRef idx="0">
+            <a:schemeClr val="accent1"/>
+          </a:effectRef>
+          <a:fontRef idx="minor">
+            <a:schemeClr val="lt1"/>
+          </a:fontRef>
+        </p:style>
+      </p:sp>
+    </p:spTree>
+    <p:extLst>
+      <p:ext uri="{BB962C8B-B14F-4D97-AF65-F5344CB8AC3E}">
+        <p14:creationId xmlns:p14="http://schemas.microsoft.com/office/powerpoint/2010/main" val="3703936975"/>
+      </p:ext>
+    </p:extLst>
+  </p:cSld>
+  <p:clrMapOvr>
+    <a:masterClrMapping/>
+  </p:clrMapOvr>
+</p:sld>
+</file>
+
+<file path=ppt/slides/slide12.xml><?xml version="1.0" encoding="utf-8"?>
 <p:sld xmlns:a="http://schemas.openxmlformats.org/drawingml/2006/main" xmlns:r="http://schemas.openxmlformats.org/officeDocument/2006/relationships" xmlns:p="http://schemas.openxmlformats.org/presentationml/2006/main">
   <p:cSld>
     <p:bg>
